--- a/dokumentacija/HCI 23-24 Projekt pptx -- Grupa G3.pptx
+++ b/dokumentacija/HCI 23-24 Projekt pptx -- Grupa G3.pptx
@@ -4,20 +4,45 @@
   <p:sldMasterIdLst>
     <p:sldMasterId id="2147483648" r:id="rId1"/>
   </p:sldMasterIdLst>
+  <p:notesMasterIdLst>
+    <p:notesMasterId r:id="rId34"/>
+  </p:notesMasterIdLst>
+  <p:handoutMasterIdLst>
+    <p:handoutMasterId r:id="rId35"/>
+  </p:handoutMasterIdLst>
   <p:sldIdLst>
     <p:sldId id="256" r:id="rId2"/>
-    <p:sldId id="257" r:id="rId3"/>
-    <p:sldId id="258" r:id="rId4"/>
-    <p:sldId id="259" r:id="rId5"/>
-    <p:sldId id="260" r:id="rId6"/>
-    <p:sldId id="261" r:id="rId7"/>
-    <p:sldId id="262" r:id="rId8"/>
-    <p:sldId id="263" r:id="rId9"/>
-    <p:sldId id="264" r:id="rId10"/>
-    <p:sldId id="265" r:id="rId11"/>
-    <p:sldId id="266" r:id="rId12"/>
-    <p:sldId id="267" r:id="rId13"/>
-    <p:sldId id="268" r:id="rId14"/>
+    <p:sldId id="289" r:id="rId3"/>
+    <p:sldId id="270" r:id="rId4"/>
+    <p:sldId id="271" r:id="rId5"/>
+    <p:sldId id="257" r:id="rId6"/>
+    <p:sldId id="258" r:id="rId7"/>
+    <p:sldId id="259" r:id="rId8"/>
+    <p:sldId id="260" r:id="rId9"/>
+    <p:sldId id="261" r:id="rId10"/>
+    <p:sldId id="262" r:id="rId11"/>
+    <p:sldId id="263" r:id="rId12"/>
+    <p:sldId id="273" r:id="rId13"/>
+    <p:sldId id="274" r:id="rId14"/>
+    <p:sldId id="275" r:id="rId15"/>
+    <p:sldId id="276" r:id="rId16"/>
+    <p:sldId id="272" r:id="rId17"/>
+    <p:sldId id="277" r:id="rId18"/>
+    <p:sldId id="278" r:id="rId19"/>
+    <p:sldId id="279" r:id="rId20"/>
+    <p:sldId id="280" r:id="rId21"/>
+    <p:sldId id="281" r:id="rId22"/>
+    <p:sldId id="282" r:id="rId23"/>
+    <p:sldId id="283" r:id="rId24"/>
+    <p:sldId id="284" r:id="rId25"/>
+    <p:sldId id="285" r:id="rId26"/>
+    <p:sldId id="286" r:id="rId27"/>
+    <p:sldId id="287" r:id="rId28"/>
+    <p:sldId id="288" r:id="rId29"/>
+    <p:sldId id="265" r:id="rId30"/>
+    <p:sldId id="266" r:id="rId31"/>
+    <p:sldId id="267" r:id="rId32"/>
+    <p:sldId id="268" r:id="rId33"/>
   </p:sldIdLst>
   <p:sldSz cx="12192000" cy="6858000"/>
   <p:notesSz cx="6858000" cy="9144000"/>
@@ -116,7 +141,553 @@
       </a:defRPr>
     </a:lvl9pPr>
   </p:defaultTextStyle>
+  <p:extLst>
+    <p:ext uri="{EFAFB233-063F-42B5-8137-9DF3F51BA10A}">
+      <p15:sldGuideLst xmlns:p15="http://schemas.microsoft.com/office/powerpoint/2012/main"/>
+    </p:ext>
+  </p:extLst>
 </p:presentation>
+</file>
+
+<file path=ppt/handoutMasters/handoutMaster1.xml><?xml version="1.0" encoding="utf-8"?>
+<p:handoutMaster xmlns:a="http://schemas.openxmlformats.org/drawingml/2006/main" xmlns:r="http://schemas.openxmlformats.org/officeDocument/2006/relationships" xmlns:p="http://schemas.openxmlformats.org/presentationml/2006/main">
+  <p:cSld>
+    <p:bg>
+      <p:bgRef idx="1001">
+        <a:schemeClr val="bg1"/>
+      </p:bgRef>
+    </p:bg>
+    <p:spTree>
+      <p:nvGrpSpPr>
+        <p:cNvPr id="1" name=""/>
+        <p:cNvGrpSpPr/>
+        <p:nvPr/>
+      </p:nvGrpSpPr>
+      <p:grpSpPr>
+        <a:xfrm>
+          <a:off x="0" y="0"/>
+          <a:ext cx="0" cy="0"/>
+          <a:chOff x="0" y="0"/>
+          <a:chExt cx="0" cy="0"/>
+        </a:xfrm>
+      </p:grpSpPr>
+      <p:sp>
+        <p:nvSpPr>
+          <p:cNvPr id="2" name="Header Placeholder 1">
+            <a:extLst>
+              <a:ext uri="{FF2B5EF4-FFF2-40B4-BE49-F238E27FC236}">
+                <a16:creationId xmlns:a16="http://schemas.microsoft.com/office/drawing/2014/main" id="{A89C416C-8C32-F8ED-6939-2D7926AE49C4}"/>
+              </a:ext>
+            </a:extLst>
+          </p:cNvPr>
+          <p:cNvSpPr>
+            <a:spLocks noGrp="1"/>
+          </p:cNvSpPr>
+          <p:nvPr>
+            <p:ph type="hdr" sz="quarter"/>
+          </p:nvPr>
+        </p:nvSpPr>
+        <p:spPr>
+          <a:xfrm>
+            <a:off x="0" y="0"/>
+            <a:ext cx="2971800" cy="458788"/>
+          </a:xfrm>
+          <a:prstGeom prst="rect">
+            <a:avLst/>
+          </a:prstGeom>
+        </p:spPr>
+        <p:txBody>
+          <a:bodyPr vert="horz" lIns="91440" tIns="45720" rIns="91440" bIns="45720" rtlCol="0"/>
+          <a:lstStyle>
+            <a:lvl1pPr algn="l">
+              <a:defRPr sz="1200"/>
+            </a:lvl1pPr>
+          </a:lstStyle>
+          <a:p>
+            <a:endParaRPr lang="hr-HR"/>
+          </a:p>
+        </p:txBody>
+      </p:sp>
+      <p:sp>
+        <p:nvSpPr>
+          <p:cNvPr id="3" name="Date Placeholder 2">
+            <a:extLst>
+              <a:ext uri="{FF2B5EF4-FFF2-40B4-BE49-F238E27FC236}">
+                <a16:creationId xmlns:a16="http://schemas.microsoft.com/office/drawing/2014/main" id="{F0E86799-5A73-F6D4-AB55-FEB905F8AA81}"/>
+              </a:ext>
+            </a:extLst>
+          </p:cNvPr>
+          <p:cNvSpPr>
+            <a:spLocks noGrp="1"/>
+          </p:cNvSpPr>
+          <p:nvPr>
+            <p:ph type="dt" sz="quarter" idx="1"/>
+          </p:nvPr>
+        </p:nvSpPr>
+        <p:spPr>
+          <a:xfrm>
+            <a:off x="3884613" y="0"/>
+            <a:ext cx="2971800" cy="458788"/>
+          </a:xfrm>
+          <a:prstGeom prst="rect">
+            <a:avLst/>
+          </a:prstGeom>
+        </p:spPr>
+        <p:txBody>
+          <a:bodyPr vert="horz" lIns="91440" tIns="45720" rIns="91440" bIns="45720" rtlCol="0"/>
+          <a:lstStyle>
+            <a:lvl1pPr algn="r">
+              <a:defRPr sz="1200"/>
+            </a:lvl1pPr>
+          </a:lstStyle>
+          <a:p>
+            <a:fld id="{446FB8DB-6DAE-4966-9BDE-0F4D59AB1360}" type="datetimeFigureOut">
+              <a:rPr lang="hr-HR" smtClean="0"/>
+              <a:t>2.2.2024.</a:t>
+            </a:fld>
+            <a:endParaRPr lang="hr-HR"/>
+          </a:p>
+        </p:txBody>
+      </p:sp>
+      <p:sp>
+        <p:nvSpPr>
+          <p:cNvPr id="4" name="Footer Placeholder 3">
+            <a:extLst>
+              <a:ext uri="{FF2B5EF4-FFF2-40B4-BE49-F238E27FC236}">
+                <a16:creationId xmlns:a16="http://schemas.microsoft.com/office/drawing/2014/main" id="{4A8895E9-8D8A-5A4A-5B82-A08D2E84E4FD}"/>
+              </a:ext>
+            </a:extLst>
+          </p:cNvPr>
+          <p:cNvSpPr>
+            <a:spLocks noGrp="1"/>
+          </p:cNvSpPr>
+          <p:nvPr>
+            <p:ph type="ftr" sz="quarter" idx="2"/>
+          </p:nvPr>
+        </p:nvSpPr>
+        <p:spPr>
+          <a:xfrm>
+            <a:off x="0" y="8685213"/>
+            <a:ext cx="2971800" cy="458787"/>
+          </a:xfrm>
+          <a:prstGeom prst="rect">
+            <a:avLst/>
+          </a:prstGeom>
+        </p:spPr>
+        <p:txBody>
+          <a:bodyPr vert="horz" lIns="91440" tIns="45720" rIns="91440" bIns="45720" rtlCol="0" anchor="b"/>
+          <a:lstStyle>
+            <a:lvl1pPr algn="l">
+              <a:defRPr sz="1200"/>
+            </a:lvl1pPr>
+          </a:lstStyle>
+          <a:p>
+            <a:endParaRPr lang="hr-HR"/>
+          </a:p>
+        </p:txBody>
+      </p:sp>
+      <p:sp>
+        <p:nvSpPr>
+          <p:cNvPr id="5" name="Slide Number Placeholder 4">
+            <a:extLst>
+              <a:ext uri="{FF2B5EF4-FFF2-40B4-BE49-F238E27FC236}">
+                <a16:creationId xmlns:a16="http://schemas.microsoft.com/office/drawing/2014/main" id="{7B8EB732-0F64-BF7B-4104-43AE93E31021}"/>
+              </a:ext>
+            </a:extLst>
+          </p:cNvPr>
+          <p:cNvSpPr>
+            <a:spLocks noGrp="1"/>
+          </p:cNvSpPr>
+          <p:nvPr>
+            <p:ph type="sldNum" sz="quarter" idx="3"/>
+          </p:nvPr>
+        </p:nvSpPr>
+        <p:spPr>
+          <a:xfrm>
+            <a:off x="3884613" y="8685213"/>
+            <a:ext cx="2971800" cy="458787"/>
+          </a:xfrm>
+          <a:prstGeom prst="rect">
+            <a:avLst/>
+          </a:prstGeom>
+        </p:spPr>
+        <p:txBody>
+          <a:bodyPr vert="horz" lIns="91440" tIns="45720" rIns="91440" bIns="45720" rtlCol="0" anchor="b"/>
+          <a:lstStyle>
+            <a:lvl1pPr algn="r">
+              <a:defRPr sz="1200"/>
+            </a:lvl1pPr>
+          </a:lstStyle>
+          <a:p>
+            <a:fld id="{55F1A47D-576E-4B9E-8712-2EA2C38715A4}" type="slidenum">
+              <a:rPr lang="hr-HR" smtClean="0"/>
+              <a:t>‹#›</a:t>
+            </a:fld>
+            <a:endParaRPr lang="hr-HR"/>
+          </a:p>
+        </p:txBody>
+      </p:sp>
+    </p:spTree>
+    <p:extLst>
+      <p:ext uri="{BB962C8B-B14F-4D97-AF65-F5344CB8AC3E}">
+        <p14:creationId xmlns:p14="http://schemas.microsoft.com/office/powerpoint/2010/main" val="735718916"/>
+      </p:ext>
+    </p:extLst>
+  </p:cSld>
+  <p:clrMap bg1="lt1" tx1="dk1" bg2="lt2" tx2="dk2" accent1="accent1" accent2="accent2" accent3="accent3" accent4="accent4" accent5="accent5" accent6="accent6" hlink="hlink" folHlink="folHlink"/>
+  <p:hf hdr="0" dt="0"/>
+</p:handoutMaster>
+</file>
+
+<file path=ppt/notesMasters/notesMaster1.xml><?xml version="1.0" encoding="utf-8"?>
+<p:notesMaster xmlns:a="http://schemas.openxmlformats.org/drawingml/2006/main" xmlns:r="http://schemas.openxmlformats.org/officeDocument/2006/relationships" xmlns:p="http://schemas.openxmlformats.org/presentationml/2006/main">
+  <p:cSld>
+    <p:bg>
+      <p:bgRef idx="1001">
+        <a:schemeClr val="bg1"/>
+      </p:bgRef>
+    </p:bg>
+    <p:spTree>
+      <p:nvGrpSpPr>
+        <p:cNvPr id="1" name=""/>
+        <p:cNvGrpSpPr/>
+        <p:nvPr/>
+      </p:nvGrpSpPr>
+      <p:grpSpPr>
+        <a:xfrm>
+          <a:off x="0" y="0"/>
+          <a:ext cx="0" cy="0"/>
+          <a:chOff x="0" y="0"/>
+          <a:chExt cx="0" cy="0"/>
+        </a:xfrm>
+      </p:grpSpPr>
+      <p:sp>
+        <p:nvSpPr>
+          <p:cNvPr id="2" name="Header Placeholder 1"/>
+          <p:cNvSpPr>
+            <a:spLocks noGrp="1"/>
+          </p:cNvSpPr>
+          <p:nvPr>
+            <p:ph type="hdr" sz="quarter"/>
+          </p:nvPr>
+        </p:nvSpPr>
+        <p:spPr>
+          <a:xfrm>
+            <a:off x="0" y="0"/>
+            <a:ext cx="2971800" cy="458788"/>
+          </a:xfrm>
+          <a:prstGeom prst="rect">
+            <a:avLst/>
+          </a:prstGeom>
+        </p:spPr>
+        <p:txBody>
+          <a:bodyPr vert="horz" lIns="91440" tIns="45720" rIns="91440" bIns="45720" rtlCol="0"/>
+          <a:lstStyle>
+            <a:lvl1pPr algn="l">
+              <a:defRPr sz="1200"/>
+            </a:lvl1pPr>
+          </a:lstStyle>
+          <a:p>
+            <a:endParaRPr lang="hr-HR"/>
+          </a:p>
+        </p:txBody>
+      </p:sp>
+      <p:sp>
+        <p:nvSpPr>
+          <p:cNvPr id="3" name="Date Placeholder 2"/>
+          <p:cNvSpPr>
+            <a:spLocks noGrp="1"/>
+          </p:cNvSpPr>
+          <p:nvPr>
+            <p:ph type="dt" idx="1"/>
+          </p:nvPr>
+        </p:nvSpPr>
+        <p:spPr>
+          <a:xfrm>
+            <a:off x="3884613" y="0"/>
+            <a:ext cx="2971800" cy="458788"/>
+          </a:xfrm>
+          <a:prstGeom prst="rect">
+            <a:avLst/>
+          </a:prstGeom>
+        </p:spPr>
+        <p:txBody>
+          <a:bodyPr vert="horz" lIns="91440" tIns="45720" rIns="91440" bIns="45720" rtlCol="0"/>
+          <a:lstStyle>
+            <a:lvl1pPr algn="r">
+              <a:defRPr sz="1200"/>
+            </a:lvl1pPr>
+          </a:lstStyle>
+          <a:p>
+            <a:fld id="{54FDB87D-D055-4834-A617-63B539B186D8}" type="datetimeFigureOut">
+              <a:rPr lang="hr-HR" smtClean="0"/>
+              <a:t>2.2.2024.</a:t>
+            </a:fld>
+            <a:endParaRPr lang="hr-HR"/>
+          </a:p>
+        </p:txBody>
+      </p:sp>
+      <p:sp>
+        <p:nvSpPr>
+          <p:cNvPr id="4" name="Slide Image Placeholder 3"/>
+          <p:cNvSpPr>
+            <a:spLocks noGrp="1" noRot="1" noChangeAspect="1"/>
+          </p:cNvSpPr>
+          <p:nvPr>
+            <p:ph type="sldImg" idx="2"/>
+          </p:nvPr>
+        </p:nvSpPr>
+        <p:spPr>
+          <a:xfrm>
+            <a:off x="685800" y="1143000"/>
+            <a:ext cx="5486400" cy="3086100"/>
+          </a:xfrm>
+          <a:prstGeom prst="rect">
+            <a:avLst/>
+          </a:prstGeom>
+          <a:noFill/>
+          <a:ln w="12700">
+            <a:solidFill>
+              <a:prstClr val="black"/>
+            </a:solidFill>
+          </a:ln>
+        </p:spPr>
+        <p:txBody>
+          <a:bodyPr vert="horz" lIns="91440" tIns="45720" rIns="91440" bIns="45720" rtlCol="0" anchor="ctr"/>
+          <a:lstStyle/>
+          <a:p>
+            <a:endParaRPr lang="hr-HR"/>
+          </a:p>
+        </p:txBody>
+      </p:sp>
+      <p:sp>
+        <p:nvSpPr>
+          <p:cNvPr id="5" name="Notes Placeholder 4"/>
+          <p:cNvSpPr>
+            <a:spLocks noGrp="1"/>
+          </p:cNvSpPr>
+          <p:nvPr>
+            <p:ph type="body" sz="quarter" idx="3"/>
+          </p:nvPr>
+        </p:nvSpPr>
+        <p:spPr>
+          <a:xfrm>
+            <a:off x="685800" y="4400550"/>
+            <a:ext cx="5486400" cy="3600450"/>
+          </a:xfrm>
+          <a:prstGeom prst="rect">
+            <a:avLst/>
+          </a:prstGeom>
+        </p:spPr>
+        <p:txBody>
+          <a:bodyPr vert="horz" lIns="91440" tIns="45720" rIns="91440" bIns="45720" rtlCol="0"/>
+          <a:lstStyle/>
+          <a:p>
+            <a:pPr lvl="0"/>
+            <a:r>
+              <a:rPr lang="en-US"/>
+              <a:t>Click to edit Master text styles</a:t>
+            </a:r>
+          </a:p>
+          <a:p>
+            <a:pPr lvl="1"/>
+            <a:r>
+              <a:rPr lang="en-US"/>
+              <a:t>Second level</a:t>
+            </a:r>
+          </a:p>
+          <a:p>
+            <a:pPr lvl="2"/>
+            <a:r>
+              <a:rPr lang="en-US"/>
+              <a:t>Third level</a:t>
+            </a:r>
+          </a:p>
+          <a:p>
+            <a:pPr lvl="3"/>
+            <a:r>
+              <a:rPr lang="en-US"/>
+              <a:t>Fourth level</a:t>
+            </a:r>
+          </a:p>
+          <a:p>
+            <a:pPr lvl="4"/>
+            <a:r>
+              <a:rPr lang="en-US"/>
+              <a:t>Fifth level</a:t>
+            </a:r>
+            <a:endParaRPr lang="hr-HR"/>
+          </a:p>
+        </p:txBody>
+      </p:sp>
+      <p:sp>
+        <p:nvSpPr>
+          <p:cNvPr id="6" name="Footer Placeholder 5"/>
+          <p:cNvSpPr>
+            <a:spLocks noGrp="1"/>
+          </p:cNvSpPr>
+          <p:nvPr>
+            <p:ph type="ftr" sz="quarter" idx="4"/>
+          </p:nvPr>
+        </p:nvSpPr>
+        <p:spPr>
+          <a:xfrm>
+            <a:off x="0" y="8685213"/>
+            <a:ext cx="2971800" cy="458787"/>
+          </a:xfrm>
+          <a:prstGeom prst="rect">
+            <a:avLst/>
+          </a:prstGeom>
+        </p:spPr>
+        <p:txBody>
+          <a:bodyPr vert="horz" lIns="91440" tIns="45720" rIns="91440" bIns="45720" rtlCol="0" anchor="b"/>
+          <a:lstStyle>
+            <a:lvl1pPr algn="l">
+              <a:defRPr sz="1200"/>
+            </a:lvl1pPr>
+          </a:lstStyle>
+          <a:p>
+            <a:endParaRPr lang="hr-HR"/>
+          </a:p>
+        </p:txBody>
+      </p:sp>
+      <p:sp>
+        <p:nvSpPr>
+          <p:cNvPr id="7" name="Slide Number Placeholder 6"/>
+          <p:cNvSpPr>
+            <a:spLocks noGrp="1"/>
+          </p:cNvSpPr>
+          <p:nvPr>
+            <p:ph type="sldNum" sz="quarter" idx="5"/>
+          </p:nvPr>
+        </p:nvSpPr>
+        <p:spPr>
+          <a:xfrm>
+            <a:off x="3884613" y="8685213"/>
+            <a:ext cx="2971800" cy="458787"/>
+          </a:xfrm>
+          <a:prstGeom prst="rect">
+            <a:avLst/>
+          </a:prstGeom>
+        </p:spPr>
+        <p:txBody>
+          <a:bodyPr vert="horz" lIns="91440" tIns="45720" rIns="91440" bIns="45720" rtlCol="0" anchor="b"/>
+          <a:lstStyle>
+            <a:lvl1pPr algn="r">
+              <a:defRPr sz="1200"/>
+            </a:lvl1pPr>
+          </a:lstStyle>
+          <a:p>
+            <a:fld id="{143BB86F-EF50-4DF1-AD60-2C7092D38A30}" type="slidenum">
+              <a:rPr lang="hr-HR" smtClean="0"/>
+              <a:t>‹#›</a:t>
+            </a:fld>
+            <a:endParaRPr lang="hr-HR"/>
+          </a:p>
+        </p:txBody>
+      </p:sp>
+    </p:spTree>
+    <p:extLst>
+      <p:ext uri="{BB962C8B-B14F-4D97-AF65-F5344CB8AC3E}">
+        <p14:creationId xmlns:p14="http://schemas.microsoft.com/office/powerpoint/2010/main" val="3721230767"/>
+      </p:ext>
+    </p:extLst>
+  </p:cSld>
+  <p:clrMap bg1="lt1" tx1="dk1" bg2="lt2" tx2="dk2" accent1="accent1" accent2="accent2" accent3="accent3" accent4="accent4" accent5="accent5" accent6="accent6" hlink="hlink" folHlink="folHlink"/>
+  <p:hf hdr="0" dt="0"/>
+  <p:notesStyle>
+    <a:lvl1pPr marL="0" algn="l" defTabSz="914400" rtl="0" eaLnBrk="1" latinLnBrk="0" hangingPunct="1">
+      <a:defRPr sz="1200" kern="1200">
+        <a:solidFill>
+          <a:schemeClr val="tx1"/>
+        </a:solidFill>
+        <a:latin typeface="+mn-lt"/>
+        <a:ea typeface="+mn-ea"/>
+        <a:cs typeface="+mn-cs"/>
+      </a:defRPr>
+    </a:lvl1pPr>
+    <a:lvl2pPr marL="457200" algn="l" defTabSz="914400" rtl="0" eaLnBrk="1" latinLnBrk="0" hangingPunct="1">
+      <a:defRPr sz="1200" kern="1200">
+        <a:solidFill>
+          <a:schemeClr val="tx1"/>
+        </a:solidFill>
+        <a:latin typeface="+mn-lt"/>
+        <a:ea typeface="+mn-ea"/>
+        <a:cs typeface="+mn-cs"/>
+      </a:defRPr>
+    </a:lvl2pPr>
+    <a:lvl3pPr marL="914400" algn="l" defTabSz="914400" rtl="0" eaLnBrk="1" latinLnBrk="0" hangingPunct="1">
+      <a:defRPr sz="1200" kern="1200">
+        <a:solidFill>
+          <a:schemeClr val="tx1"/>
+        </a:solidFill>
+        <a:latin typeface="+mn-lt"/>
+        <a:ea typeface="+mn-ea"/>
+        <a:cs typeface="+mn-cs"/>
+      </a:defRPr>
+    </a:lvl3pPr>
+    <a:lvl4pPr marL="1371600" algn="l" defTabSz="914400" rtl="0" eaLnBrk="1" latinLnBrk="0" hangingPunct="1">
+      <a:defRPr sz="1200" kern="1200">
+        <a:solidFill>
+          <a:schemeClr val="tx1"/>
+        </a:solidFill>
+        <a:latin typeface="+mn-lt"/>
+        <a:ea typeface="+mn-ea"/>
+        <a:cs typeface="+mn-cs"/>
+      </a:defRPr>
+    </a:lvl4pPr>
+    <a:lvl5pPr marL="1828800" algn="l" defTabSz="914400" rtl="0" eaLnBrk="1" latinLnBrk="0" hangingPunct="1">
+      <a:defRPr sz="1200" kern="1200">
+        <a:solidFill>
+          <a:schemeClr val="tx1"/>
+        </a:solidFill>
+        <a:latin typeface="+mn-lt"/>
+        <a:ea typeface="+mn-ea"/>
+        <a:cs typeface="+mn-cs"/>
+      </a:defRPr>
+    </a:lvl5pPr>
+    <a:lvl6pPr marL="2286000" algn="l" defTabSz="914400" rtl="0" eaLnBrk="1" latinLnBrk="0" hangingPunct="1">
+      <a:defRPr sz="1200" kern="1200">
+        <a:solidFill>
+          <a:schemeClr val="tx1"/>
+        </a:solidFill>
+        <a:latin typeface="+mn-lt"/>
+        <a:ea typeface="+mn-ea"/>
+        <a:cs typeface="+mn-cs"/>
+      </a:defRPr>
+    </a:lvl6pPr>
+    <a:lvl7pPr marL="2743200" algn="l" defTabSz="914400" rtl="0" eaLnBrk="1" latinLnBrk="0" hangingPunct="1">
+      <a:defRPr sz="1200" kern="1200">
+        <a:solidFill>
+          <a:schemeClr val="tx1"/>
+        </a:solidFill>
+        <a:latin typeface="+mn-lt"/>
+        <a:ea typeface="+mn-ea"/>
+        <a:cs typeface="+mn-cs"/>
+      </a:defRPr>
+    </a:lvl7pPr>
+    <a:lvl8pPr marL="3200400" algn="l" defTabSz="914400" rtl="0" eaLnBrk="1" latinLnBrk="0" hangingPunct="1">
+      <a:defRPr sz="1200" kern="1200">
+        <a:solidFill>
+          <a:schemeClr val="tx1"/>
+        </a:solidFill>
+        <a:latin typeface="+mn-lt"/>
+        <a:ea typeface="+mn-ea"/>
+        <a:cs typeface="+mn-cs"/>
+      </a:defRPr>
+    </a:lvl8pPr>
+    <a:lvl9pPr marL="3657600" algn="l" defTabSz="914400" rtl="0" eaLnBrk="1" latinLnBrk="0" hangingPunct="1">
+      <a:defRPr sz="1200" kern="1200">
+        <a:solidFill>
+          <a:schemeClr val="tx1"/>
+        </a:solidFill>
+        <a:latin typeface="+mn-lt"/>
+        <a:ea typeface="+mn-ea"/>
+        <a:cs typeface="+mn-cs"/>
+      </a:defRPr>
+    </a:lvl9pPr>
+  </p:notesStyle>
+</p:notesMaster>
 </file>
 
 <file path=ppt/slideLayouts/slideLayout1.xml><?xml version="1.0" encoding="utf-8"?>
@@ -268,7 +839,7 @@
           <a:p>
             <a:fld id="{2EA773F6-4FB0-44C4-8194-531D347AAB46}" type="datetimeFigureOut">
               <a:rPr lang="hr-HR" smtClean="0"/>
-              <a:t>1.2.2024.</a:t>
+              <a:t>2.2.2024.</a:t>
             </a:fld>
             <a:endParaRPr lang="hr-HR"/>
           </a:p>
@@ -468,7 +1039,7 @@
           <a:p>
             <a:fld id="{2EA773F6-4FB0-44C4-8194-531D347AAB46}" type="datetimeFigureOut">
               <a:rPr lang="hr-HR" smtClean="0"/>
-              <a:t>1.2.2024.</a:t>
+              <a:t>2.2.2024.</a:t>
             </a:fld>
             <a:endParaRPr lang="hr-HR"/>
           </a:p>
@@ -678,7 +1249,7 @@
           <a:p>
             <a:fld id="{2EA773F6-4FB0-44C4-8194-531D347AAB46}" type="datetimeFigureOut">
               <a:rPr lang="hr-HR" smtClean="0"/>
-              <a:t>1.2.2024.</a:t>
+              <a:t>2.2.2024.</a:t>
             </a:fld>
             <a:endParaRPr lang="hr-HR"/>
           </a:p>
@@ -878,7 +1449,7 @@
           <a:p>
             <a:fld id="{2EA773F6-4FB0-44C4-8194-531D347AAB46}" type="datetimeFigureOut">
               <a:rPr lang="hr-HR" smtClean="0"/>
-              <a:t>1.2.2024.</a:t>
+              <a:t>2.2.2024.</a:t>
             </a:fld>
             <a:endParaRPr lang="hr-HR"/>
           </a:p>
@@ -1154,7 +1725,7 @@
           <a:p>
             <a:fld id="{2EA773F6-4FB0-44C4-8194-531D347AAB46}" type="datetimeFigureOut">
               <a:rPr lang="hr-HR" smtClean="0"/>
-              <a:t>1.2.2024.</a:t>
+              <a:t>2.2.2024.</a:t>
             </a:fld>
             <a:endParaRPr lang="hr-HR"/>
           </a:p>
@@ -1422,7 +1993,7 @@
           <a:p>
             <a:fld id="{2EA773F6-4FB0-44C4-8194-531D347AAB46}" type="datetimeFigureOut">
               <a:rPr lang="hr-HR" smtClean="0"/>
-              <a:t>1.2.2024.</a:t>
+              <a:t>2.2.2024.</a:t>
             </a:fld>
             <a:endParaRPr lang="hr-HR"/>
           </a:p>
@@ -1837,7 +2408,7 @@
           <a:p>
             <a:fld id="{2EA773F6-4FB0-44C4-8194-531D347AAB46}" type="datetimeFigureOut">
               <a:rPr lang="hr-HR" smtClean="0"/>
-              <a:t>1.2.2024.</a:t>
+              <a:t>2.2.2024.</a:t>
             </a:fld>
             <a:endParaRPr lang="hr-HR"/>
           </a:p>
@@ -1979,7 +2550,7 @@
           <a:p>
             <a:fld id="{2EA773F6-4FB0-44C4-8194-531D347AAB46}" type="datetimeFigureOut">
               <a:rPr lang="hr-HR" smtClean="0"/>
-              <a:t>1.2.2024.</a:t>
+              <a:t>2.2.2024.</a:t>
             </a:fld>
             <a:endParaRPr lang="hr-HR"/>
           </a:p>
@@ -2092,7 +2663,7 @@
           <a:p>
             <a:fld id="{2EA773F6-4FB0-44C4-8194-531D347AAB46}" type="datetimeFigureOut">
               <a:rPr lang="hr-HR" smtClean="0"/>
-              <a:t>1.2.2024.</a:t>
+              <a:t>2.2.2024.</a:t>
             </a:fld>
             <a:endParaRPr lang="hr-HR"/>
           </a:p>
@@ -2405,7 +2976,7 @@
           <a:p>
             <a:fld id="{2EA773F6-4FB0-44C4-8194-531D347AAB46}" type="datetimeFigureOut">
               <a:rPr lang="hr-HR" smtClean="0"/>
-              <a:t>1.2.2024.</a:t>
+              <a:t>2.2.2024.</a:t>
             </a:fld>
             <a:endParaRPr lang="hr-HR"/>
           </a:p>
@@ -2694,7 +3265,7 @@
           <a:p>
             <a:fld id="{2EA773F6-4FB0-44C4-8194-531D347AAB46}" type="datetimeFigureOut">
               <a:rPr lang="hr-HR" smtClean="0"/>
-              <a:t>1.2.2024.</a:t>
+              <a:t>2.2.2024.</a:t>
             </a:fld>
             <a:endParaRPr lang="hr-HR"/>
           </a:p>
@@ -2937,7 +3508,7 @@
           <a:p>
             <a:fld id="{2EA773F6-4FB0-44C4-8194-531D347AAB46}" type="datetimeFigureOut">
               <a:rPr lang="hr-HR" smtClean="0"/>
-              <a:t>1.2.2024.</a:t>
+              <a:t>2.2.2024.</a:t>
             </a:fld>
             <a:endParaRPr lang="hr-HR"/>
           </a:p>
@@ -3455,68 +4026,349 @@
       </p:grpSpPr>
       <p:sp>
         <p:nvSpPr>
-          <p:cNvPr id="2" name="Title 1">
-            <a:extLst>
-              <a:ext uri="{FF2B5EF4-FFF2-40B4-BE49-F238E27FC236}">
-                <a16:creationId xmlns:a16="http://schemas.microsoft.com/office/drawing/2014/main" id="{13B651BC-7C97-9C0B-5391-6FC4B556351F}"/>
-              </a:ext>
-            </a:extLst>
-          </p:cNvPr>
-          <p:cNvSpPr>
-            <a:spLocks noGrp="1"/>
-          </p:cNvSpPr>
-          <p:nvPr>
-            <p:ph type="title"/>
-          </p:nvPr>
-        </p:nvSpPr>
-        <p:spPr/>
+          <p:cNvPr id="3" name="Content Placeholder 2">
+            <a:extLst>
+              <a:ext uri="{FF2B5EF4-FFF2-40B4-BE49-F238E27FC236}">
+                <a16:creationId xmlns:a16="http://schemas.microsoft.com/office/drawing/2014/main" id="{D8BFF7E1-9C6C-4A7F-4637-5A32EC8FE319}"/>
+              </a:ext>
+            </a:extLst>
+          </p:cNvPr>
+          <p:cNvSpPr>
+            <a:spLocks noGrp="1"/>
+          </p:cNvSpPr>
+          <p:nvPr>
+            <p:ph idx="1"/>
+          </p:nvPr>
+        </p:nvSpPr>
+        <p:spPr>
+          <a:xfrm>
+            <a:off x="838200" y="377559"/>
+            <a:ext cx="10515600" cy="5799404"/>
+          </a:xfrm>
+        </p:spPr>
         <p:txBody>
           <a:bodyPr/>
           <a:lstStyle/>
           <a:p>
-            <a:endParaRPr lang="hr-HR"/>
-          </a:p>
-        </p:txBody>
-      </p:sp>
-      <p:pic>
-        <p:nvPicPr>
-          <p:cNvPr id="9" name="Content Placeholder 8" descr="A diagram of a computer">
-            <a:extLst>
-              <a:ext uri="{FF2B5EF4-FFF2-40B4-BE49-F238E27FC236}">
-                <a16:creationId xmlns:a16="http://schemas.microsoft.com/office/drawing/2014/main" id="{7AFC93F4-F487-DE0E-ED35-F587E11A58EA}"/>
-              </a:ext>
-            </a:extLst>
-          </p:cNvPr>
-          <p:cNvPicPr>
-            <a:picLocks noGrp="1" noChangeAspect="1"/>
-          </p:cNvPicPr>
-          <p:nvPr>
-            <p:ph idx="1"/>
-          </p:nvPr>
-        </p:nvPicPr>
-        <p:blipFill>
-          <a:blip r:embed="rId2">
-            <a:extLst>
-              <a:ext uri="{28A0092B-C50C-407E-A947-70E740481C1C}">
-                <a14:useLocalDpi xmlns:a14="http://schemas.microsoft.com/office/drawing/2010/main" val="0"/>
-              </a:ext>
-            </a:extLst>
-          </a:blip>
-          <a:stretch>
-            <a:fillRect/>
-          </a:stretch>
-        </p:blipFill>
-        <p:spPr>
-          <a:xfrm>
-            <a:off x="284922" y="430697"/>
-            <a:ext cx="11615530" cy="6062178"/>
-          </a:xfrm>
-        </p:spPr>
-      </p:pic>
+            <a:pPr marL="457200" marR="0" algn="just">
+              <a:spcBef>
+                <a:spcPts val="0"/>
+              </a:spcBef>
+              <a:spcAft>
+                <a:spcPts val="600"/>
+              </a:spcAft>
+            </a:pPr>
+            <a:r>
+              <a:rPr lang="hr-HR" sz="1800" b="1" dirty="0">
+                <a:effectLst/>
+                <a:latin typeface="Times New Roman" panose="02020603050405020304" pitchFamily="18" charset="0"/>
+                <a:ea typeface="Times New Roman" panose="02020603050405020304" pitchFamily="18" charset="0"/>
+              </a:rPr>
+              <a:t>UC4: Komentiranje objave</a:t>
+            </a:r>
+            <a:endParaRPr lang="hr-HR" sz="1800" dirty="0">
+              <a:effectLst/>
+              <a:latin typeface="Times New Roman" panose="02020603050405020304" pitchFamily="18" charset="0"/>
+              <a:ea typeface="Times New Roman" panose="02020603050405020304" pitchFamily="18" charset="0"/>
+            </a:endParaRPr>
+          </a:p>
+          <a:p>
+            <a:pPr marL="457200" marR="0" algn="just">
+              <a:spcBef>
+                <a:spcPts val="0"/>
+              </a:spcBef>
+              <a:spcAft>
+                <a:spcPts val="600"/>
+              </a:spcAft>
+            </a:pPr>
+            <a:r>
+              <a:rPr lang="hr-HR" sz="1800" dirty="0">
+                <a:effectLst/>
+                <a:latin typeface="Times New Roman" panose="02020603050405020304" pitchFamily="18" charset="0"/>
+                <a:ea typeface="Times New Roman" panose="02020603050405020304" pitchFamily="18" charset="0"/>
+              </a:rPr>
+              <a:t>	Glavni sudionik: korisnik sustava</a:t>
+            </a:r>
+          </a:p>
+          <a:p>
+            <a:pPr marL="457200" marR="0" algn="just">
+              <a:spcBef>
+                <a:spcPts val="0"/>
+              </a:spcBef>
+              <a:spcAft>
+                <a:spcPts val="600"/>
+              </a:spcAft>
+            </a:pPr>
+            <a:r>
+              <a:rPr lang="hr-HR" sz="1800" dirty="0">
+                <a:effectLst/>
+                <a:latin typeface="Times New Roman" panose="02020603050405020304" pitchFamily="18" charset="0"/>
+                <a:ea typeface="Times New Roman" panose="02020603050405020304" pitchFamily="18" charset="0"/>
+              </a:rPr>
+              <a:t>	Cilj: Reagiranje na objavu ostavljanjem oznake „</a:t>
+            </a:r>
+            <a:r>
+              <a:rPr lang="hr-HR" sz="1800" dirty="0" err="1">
+                <a:effectLst/>
+                <a:latin typeface="Times New Roman" panose="02020603050405020304" pitchFamily="18" charset="0"/>
+                <a:ea typeface="Times New Roman" panose="02020603050405020304" pitchFamily="18" charset="0"/>
+              </a:rPr>
+              <a:t>like</a:t>
+            </a:r>
+            <a:r>
+              <a:rPr lang="hr-HR" sz="1800" dirty="0">
+                <a:effectLst/>
+                <a:latin typeface="Times New Roman" panose="02020603050405020304" pitchFamily="18" charset="0"/>
+                <a:ea typeface="Times New Roman" panose="02020603050405020304" pitchFamily="18" charset="0"/>
+              </a:rPr>
+              <a:t>“</a:t>
+            </a:r>
+          </a:p>
+          <a:p>
+            <a:pPr marL="457200" marR="0" algn="just">
+              <a:spcBef>
+                <a:spcPts val="0"/>
+              </a:spcBef>
+              <a:spcAft>
+                <a:spcPts val="600"/>
+              </a:spcAft>
+            </a:pPr>
+            <a:r>
+              <a:rPr lang="hr-HR" sz="1800" dirty="0">
+                <a:effectLst/>
+                <a:latin typeface="Times New Roman" panose="02020603050405020304" pitchFamily="18" charset="0"/>
+                <a:ea typeface="Times New Roman" panose="02020603050405020304" pitchFamily="18" charset="0"/>
+              </a:rPr>
+              <a:t>	Preduvjet: Prijavljeni korisnik</a:t>
+            </a:r>
+          </a:p>
+          <a:p>
+            <a:pPr marL="457200" marR="0" algn="just">
+              <a:spcBef>
+                <a:spcPts val="0"/>
+              </a:spcBef>
+              <a:spcAft>
+                <a:spcPts val="600"/>
+              </a:spcAft>
+            </a:pPr>
+            <a:r>
+              <a:rPr lang="hr-HR" sz="1800" dirty="0">
+                <a:effectLst/>
+                <a:latin typeface="Times New Roman" panose="02020603050405020304" pitchFamily="18" charset="0"/>
+                <a:ea typeface="Times New Roman" panose="02020603050405020304" pitchFamily="18" charset="0"/>
+              </a:rPr>
+              <a:t>	Opis tijeka:</a:t>
+            </a:r>
+          </a:p>
+          <a:p>
+            <a:pPr marL="1257300" lvl="2" indent="-342900" algn="just">
+              <a:spcBef>
+                <a:spcPts val="0"/>
+              </a:spcBef>
+              <a:spcAft>
+                <a:spcPts val="600"/>
+              </a:spcAft>
+              <a:buFont typeface="+mj-lt"/>
+              <a:buAutoNum type="arabicPeriod"/>
+            </a:pPr>
+            <a:r>
+              <a:rPr lang="hr-HR" sz="1600" dirty="0">
+                <a:effectLst/>
+                <a:latin typeface="Times New Roman" panose="02020603050405020304" pitchFamily="18" charset="0"/>
+                <a:ea typeface="Times New Roman" panose="02020603050405020304" pitchFamily="18" charset="0"/>
+              </a:rPr>
+              <a:t>Korisnik identificira dugme na kojem s </a:t>
+            </a:r>
+            <a:r>
+              <a:rPr lang="hr-HR" sz="1600" dirty="0" err="1">
+                <a:effectLst/>
+                <a:latin typeface="Times New Roman" panose="02020603050405020304" pitchFamily="18" charset="0"/>
+                <a:ea typeface="Times New Roman" panose="02020603050405020304" pitchFamily="18" charset="0"/>
+              </a:rPr>
+              <a:t>labelom</a:t>
+            </a:r>
+            <a:r>
+              <a:rPr lang="hr-HR" sz="1600" dirty="0">
+                <a:effectLst/>
+                <a:latin typeface="Times New Roman" panose="02020603050405020304" pitchFamily="18" charset="0"/>
+                <a:ea typeface="Times New Roman" panose="02020603050405020304" pitchFamily="18" charset="0"/>
+              </a:rPr>
+              <a:t> Like</a:t>
+            </a:r>
+          </a:p>
+          <a:p>
+            <a:pPr marL="1257300" lvl="2" indent="-342900" algn="just">
+              <a:spcBef>
+                <a:spcPts val="0"/>
+              </a:spcBef>
+              <a:spcAft>
+                <a:spcPts val="600"/>
+              </a:spcAft>
+              <a:buFont typeface="+mj-lt"/>
+              <a:buAutoNum type="arabicPeriod"/>
+            </a:pPr>
+            <a:r>
+              <a:rPr lang="hr-HR" sz="1600" dirty="0">
+                <a:effectLst/>
+                <a:latin typeface="Times New Roman" panose="02020603050405020304" pitchFamily="18" charset="0"/>
+                <a:ea typeface="Times New Roman" panose="02020603050405020304" pitchFamily="18" charset="0"/>
+              </a:rPr>
+              <a:t>Korisnik pritišće dugme</a:t>
+            </a:r>
+          </a:p>
+          <a:p>
+            <a:pPr marL="1257300" lvl="2" indent="-342900" algn="just">
+              <a:spcBef>
+                <a:spcPts val="0"/>
+              </a:spcBef>
+              <a:spcAft>
+                <a:spcPts val="600"/>
+              </a:spcAft>
+              <a:buFont typeface="+mj-lt"/>
+              <a:buAutoNum type="arabicPeriod"/>
+            </a:pPr>
+            <a:r>
+              <a:rPr lang="hr-HR" sz="1600" dirty="0">
+                <a:effectLst/>
+                <a:latin typeface="Times New Roman" panose="02020603050405020304" pitchFamily="18" charset="0"/>
+                <a:ea typeface="Times New Roman" panose="02020603050405020304" pitchFamily="18" charset="0"/>
+              </a:rPr>
+              <a:t>Broj „</a:t>
+            </a:r>
+            <a:r>
+              <a:rPr lang="hr-HR" sz="1600" dirty="0" err="1">
+                <a:effectLst/>
+                <a:latin typeface="Times New Roman" panose="02020603050405020304" pitchFamily="18" charset="0"/>
+                <a:ea typeface="Times New Roman" panose="02020603050405020304" pitchFamily="18" charset="0"/>
+              </a:rPr>
+              <a:t>likeova</a:t>
+            </a:r>
+            <a:r>
+              <a:rPr lang="hr-HR" sz="1600" dirty="0">
+                <a:effectLst/>
+                <a:latin typeface="Times New Roman" panose="02020603050405020304" pitchFamily="18" charset="0"/>
+                <a:ea typeface="Times New Roman" panose="02020603050405020304" pitchFamily="18" charset="0"/>
+              </a:rPr>
+              <a:t>“ objave se povećava za 1</a:t>
+            </a:r>
+          </a:p>
+          <a:p>
+            <a:pPr marL="914400" marR="0" algn="just">
+              <a:spcBef>
+                <a:spcPts val="0"/>
+              </a:spcBef>
+              <a:spcAft>
+                <a:spcPts val="600"/>
+              </a:spcAft>
+            </a:pPr>
+            <a:r>
+              <a:rPr lang="hr-HR" sz="1800" dirty="0">
+                <a:effectLst/>
+                <a:latin typeface="Times New Roman" panose="02020603050405020304" pitchFamily="18" charset="0"/>
+                <a:ea typeface="Times New Roman" panose="02020603050405020304" pitchFamily="18" charset="0"/>
+              </a:rPr>
+              <a:t>Moguća odstupanja:</a:t>
+            </a:r>
+          </a:p>
+          <a:p>
+            <a:pPr marL="1371600" lvl="1" algn="just">
+              <a:spcBef>
+                <a:spcPts val="0"/>
+              </a:spcBef>
+              <a:spcAft>
+                <a:spcPts val="600"/>
+              </a:spcAft>
+            </a:pPr>
+            <a:r>
+              <a:rPr lang="hr-HR" sz="1600" dirty="0">
+                <a:effectLst/>
+                <a:latin typeface="Times New Roman" panose="02020603050405020304" pitchFamily="18" charset="0"/>
+                <a:ea typeface="Times New Roman" panose="02020603050405020304" pitchFamily="18" charset="0"/>
+              </a:rPr>
+              <a:t>Korisnik je već objavu označio sa „</a:t>
+            </a:r>
+            <a:r>
+              <a:rPr lang="hr-HR" sz="1600" dirty="0" err="1">
+                <a:effectLst/>
+                <a:latin typeface="Times New Roman" panose="02020603050405020304" pitchFamily="18" charset="0"/>
+                <a:ea typeface="Times New Roman" panose="02020603050405020304" pitchFamily="18" charset="0"/>
+              </a:rPr>
+              <a:t>like</a:t>
+            </a:r>
+            <a:r>
+              <a:rPr lang="hr-HR" sz="1600" dirty="0">
+                <a:effectLst/>
+                <a:latin typeface="Times New Roman" panose="02020603050405020304" pitchFamily="18" charset="0"/>
+                <a:ea typeface="Times New Roman" panose="02020603050405020304" pitchFamily="18" charset="0"/>
+              </a:rPr>
+              <a:t>“</a:t>
+            </a:r>
+          </a:p>
+          <a:p>
+            <a:pPr marL="1714500" lvl="3" indent="-342900" algn="just">
+              <a:spcBef>
+                <a:spcPts val="0"/>
+              </a:spcBef>
+              <a:spcAft>
+                <a:spcPts val="600"/>
+              </a:spcAft>
+              <a:buFont typeface="+mj-lt"/>
+              <a:buAutoNum type="arabicPeriod"/>
+            </a:pPr>
+            <a:r>
+              <a:rPr lang="hr-HR" sz="1600" dirty="0">
+                <a:effectLst/>
+                <a:latin typeface="Times New Roman" panose="02020603050405020304" pitchFamily="18" charset="0"/>
+                <a:ea typeface="Times New Roman" panose="02020603050405020304" pitchFamily="18" charset="0"/>
+              </a:rPr>
+              <a:t>Korisnikova oznaka „</a:t>
+            </a:r>
+            <a:r>
+              <a:rPr lang="hr-HR" sz="1600" dirty="0" err="1">
+                <a:effectLst/>
+                <a:latin typeface="Times New Roman" panose="02020603050405020304" pitchFamily="18" charset="0"/>
+                <a:ea typeface="Times New Roman" panose="02020603050405020304" pitchFamily="18" charset="0"/>
+              </a:rPr>
+              <a:t>like</a:t>
+            </a:r>
+            <a:r>
+              <a:rPr lang="hr-HR" sz="1600" dirty="0">
+                <a:effectLst/>
+                <a:latin typeface="Times New Roman" panose="02020603050405020304" pitchFamily="18" charset="0"/>
+                <a:ea typeface="Times New Roman" panose="02020603050405020304" pitchFamily="18" charset="0"/>
+              </a:rPr>
+              <a:t>“ se miče s objave</a:t>
+            </a:r>
+          </a:p>
+          <a:p>
+            <a:pPr marL="1714500" lvl="3" indent="-342900" algn="just">
+              <a:spcBef>
+                <a:spcPts val="0"/>
+              </a:spcBef>
+              <a:spcAft>
+                <a:spcPts val="600"/>
+              </a:spcAft>
+              <a:buFont typeface="+mj-lt"/>
+              <a:buAutoNum type="arabicPeriod"/>
+            </a:pPr>
+            <a:r>
+              <a:rPr lang="hr-HR" sz="1600" dirty="0">
+                <a:effectLst/>
+                <a:latin typeface="Times New Roman" panose="02020603050405020304" pitchFamily="18" charset="0"/>
+                <a:ea typeface="Times New Roman" panose="02020603050405020304" pitchFamily="18" charset="0"/>
+              </a:rPr>
+              <a:t>Broj oznaka se smanjuje za 1</a:t>
+            </a:r>
+          </a:p>
+          <a:p>
+            <a:endParaRPr lang="hr-HR" dirty="0"/>
+          </a:p>
+        </p:txBody>
+      </p:sp>
     </p:spTree>
     <p:extLst>
       <p:ext uri="{BB962C8B-B14F-4D97-AF65-F5344CB8AC3E}">
-        <p14:creationId xmlns:p14="http://schemas.microsoft.com/office/powerpoint/2010/main" val="430005950"/>
+        <p14:creationId xmlns:p14="http://schemas.microsoft.com/office/powerpoint/2010/main" val="767889031"/>
       </p:ext>
     </p:extLst>
   </p:cSld>
@@ -3545,142 +4397,439 @@
       </p:grpSpPr>
       <p:sp>
         <p:nvSpPr>
-          <p:cNvPr id="6" name="Title 5">
-            <a:extLst>
-              <a:ext uri="{FF2B5EF4-FFF2-40B4-BE49-F238E27FC236}">
-                <a16:creationId xmlns:a16="http://schemas.microsoft.com/office/drawing/2014/main" id="{CD006B1D-4BF0-1AB7-ED81-A6062CD65055}"/>
-              </a:ext>
-            </a:extLst>
-          </p:cNvPr>
-          <p:cNvSpPr>
-            <a:spLocks noGrp="1"/>
-          </p:cNvSpPr>
-          <p:nvPr>
-            <p:ph type="title"/>
-          </p:nvPr>
-        </p:nvSpPr>
-        <p:spPr/>
+          <p:cNvPr id="3" name="Content Placeholder 2">
+            <a:extLst>
+              <a:ext uri="{FF2B5EF4-FFF2-40B4-BE49-F238E27FC236}">
+                <a16:creationId xmlns:a16="http://schemas.microsoft.com/office/drawing/2014/main" id="{7D642460-86D3-6C99-2239-CA393C1432AC}"/>
+              </a:ext>
+            </a:extLst>
+          </p:cNvPr>
+          <p:cNvSpPr>
+            <a:spLocks noGrp="1"/>
+          </p:cNvSpPr>
+          <p:nvPr>
+            <p:ph idx="1"/>
+          </p:nvPr>
+        </p:nvSpPr>
+        <p:spPr>
+          <a:xfrm>
+            <a:off x="838200" y="359861"/>
+            <a:ext cx="10515600" cy="5817102"/>
+          </a:xfrm>
+        </p:spPr>
         <p:txBody>
           <a:bodyPr/>
           <a:lstStyle/>
           <a:p>
-            <a:r>
-              <a:rPr lang="hr-HR" dirty="0"/>
-              <a:t>Baza podataka</a:t>
-            </a:r>
-          </a:p>
-        </p:txBody>
-      </p:sp>
-      <p:pic>
-        <p:nvPicPr>
-          <p:cNvPr id="5" name="Content Placeholder 4" descr="A screenshot of a computer&#10;&#10;Description automatically generated">
-            <a:extLst>
-              <a:ext uri="{FF2B5EF4-FFF2-40B4-BE49-F238E27FC236}">
-                <a16:creationId xmlns:a16="http://schemas.microsoft.com/office/drawing/2014/main" id="{5205BFD7-4BB9-6903-F8EE-B5CCD9E8A1AF}"/>
-              </a:ext>
-            </a:extLst>
-          </p:cNvPr>
-          <p:cNvPicPr>
-            <a:picLocks noGrp="1" noChangeAspect="1"/>
-          </p:cNvPicPr>
-          <p:nvPr>
-            <p:ph sz="half" idx="1"/>
-          </p:nvPr>
-        </p:nvPicPr>
-        <p:blipFill>
-          <a:blip r:embed="rId2">
-            <a:extLst>
-              <a:ext uri="{28A0092B-C50C-407E-A947-70E740481C1C}">
-                <a14:useLocalDpi xmlns:a14="http://schemas.microsoft.com/office/drawing/2010/main" val="0"/>
-              </a:ext>
-            </a:extLst>
-          </a:blip>
-          <a:stretch>
-            <a:fillRect/>
-          </a:stretch>
-        </p:blipFill>
-        <p:spPr>
-          <a:xfrm>
-            <a:off x="838200" y="2005714"/>
-            <a:ext cx="5181600" cy="3991160"/>
-          </a:xfrm>
-        </p:spPr>
-      </p:pic>
-      <p:sp>
-        <p:nvSpPr>
-          <p:cNvPr id="7" name="Content Placeholder 6">
-            <a:extLst>
-              <a:ext uri="{FF2B5EF4-FFF2-40B4-BE49-F238E27FC236}">
-                <a16:creationId xmlns:a16="http://schemas.microsoft.com/office/drawing/2014/main" id="{BAB067C6-AE57-A4F0-C2AF-C898FD2459E0}"/>
-              </a:ext>
-            </a:extLst>
-          </p:cNvPr>
-          <p:cNvSpPr>
-            <a:spLocks noGrp="1"/>
-          </p:cNvSpPr>
-          <p:nvPr>
-            <p:ph sz="half" idx="2"/>
-          </p:nvPr>
-        </p:nvSpPr>
-        <p:spPr/>
-        <p:txBody>
-          <a:bodyPr/>
-          <a:lstStyle/>
-          <a:p>
-            <a:r>
-              <a:rPr lang="hr-HR" dirty="0" err="1"/>
-              <a:t>blog_comment</a:t>
-            </a:r>
-            <a:r>
-              <a:rPr lang="hr-HR" dirty="0"/>
-              <a:t> – informacije o </a:t>
-            </a:r>
-            <a:r>
-              <a:rPr lang="hr-HR" dirty="0" err="1"/>
-              <a:t>komentarim</a:t>
-            </a:r>
-            <a:endParaRPr lang="hr-HR" dirty="0"/>
-          </a:p>
-          <a:p>
-            <a:r>
-              <a:rPr lang="hr-HR" dirty="0"/>
-              <a:t>post – informacije o  objavama</a:t>
-            </a:r>
-          </a:p>
-          <a:p>
-            <a:r>
-              <a:rPr lang="hr-HR" dirty="0" err="1"/>
-              <a:t>app_user</a:t>
-            </a:r>
-            <a:r>
-              <a:rPr lang="hr-HR" dirty="0"/>
+            <a:pPr marL="457200" marR="0" algn="just">
+              <a:spcBef>
+                <a:spcPts val="0"/>
+              </a:spcBef>
+              <a:spcAft>
+                <a:spcPts val="600"/>
+              </a:spcAft>
+            </a:pPr>
+            <a:r>
+              <a:rPr lang="hr-HR" sz="1800" b="1" dirty="0">
+                <a:effectLst/>
+                <a:latin typeface="Times New Roman" panose="02020603050405020304" pitchFamily="18" charset="0"/>
+                <a:ea typeface="Times New Roman" panose="02020603050405020304" pitchFamily="18" charset="0"/>
+              </a:rPr>
+              <a:t>UC5: Praćenje profila drugog korisnika</a:t>
+            </a:r>
+            <a:endParaRPr lang="hr-HR" sz="1800" dirty="0">
+              <a:effectLst/>
+              <a:latin typeface="Times New Roman" panose="02020603050405020304" pitchFamily="18" charset="0"/>
+              <a:ea typeface="Times New Roman" panose="02020603050405020304" pitchFamily="18" charset="0"/>
+            </a:endParaRPr>
+          </a:p>
+          <a:p>
+            <a:pPr marL="457200" marR="0" algn="just">
+              <a:spcBef>
+                <a:spcPts val="0"/>
+              </a:spcBef>
+              <a:spcAft>
+                <a:spcPts val="600"/>
+              </a:spcAft>
+            </a:pPr>
+            <a:r>
+              <a:rPr lang="hr-HR" sz="1800" dirty="0">
+                <a:effectLst/>
+                <a:latin typeface="Times New Roman" panose="02020603050405020304" pitchFamily="18" charset="0"/>
+                <a:ea typeface="Times New Roman" panose="02020603050405020304" pitchFamily="18" charset="0"/>
+              </a:rPr>
+              <a:t>	Glavni sudionik: korisnik sustava</a:t>
+            </a:r>
+          </a:p>
+          <a:p>
+            <a:pPr marL="457200" marR="0" algn="just">
+              <a:spcBef>
+                <a:spcPts val="0"/>
+              </a:spcBef>
+              <a:spcAft>
+                <a:spcPts val="600"/>
+              </a:spcAft>
+            </a:pPr>
+            <a:r>
+              <a:rPr lang="hr-HR" sz="1800" dirty="0">
+                <a:effectLst/>
+                <a:latin typeface="Times New Roman" panose="02020603050405020304" pitchFamily="18" charset="0"/>
+                <a:ea typeface="Times New Roman" panose="02020603050405020304" pitchFamily="18" charset="0"/>
+              </a:rPr>
+              <a:t>	Cilj: Praćenje profila drugog korisnika u svrhu povećanja </a:t>
+            </a:r>
+            <a:r>
+              <a:rPr lang="hr-HR" sz="1800" dirty="0" err="1">
+                <a:effectLst/>
+                <a:latin typeface="Times New Roman" panose="02020603050405020304" pitchFamily="18" charset="0"/>
+                <a:ea typeface="Times New Roman" panose="02020603050405020304" pitchFamily="18" charset="0"/>
+              </a:rPr>
+              <a:t>viddljivosti</a:t>
+            </a:r>
+            <a:r>
+              <a:rPr lang="hr-HR" sz="1800" dirty="0">
+                <a:effectLst/>
+                <a:latin typeface="Times New Roman" panose="02020603050405020304" pitchFamily="18" charset="0"/>
+                <a:ea typeface="Times New Roman" panose="02020603050405020304" pitchFamily="18" charset="0"/>
+              </a:rPr>
+              <a:t>  njegovih objava</a:t>
+            </a:r>
+          </a:p>
+          <a:p>
+            <a:pPr marL="457200" marR="0" algn="just">
+              <a:spcBef>
+                <a:spcPts val="0"/>
+              </a:spcBef>
+              <a:spcAft>
+                <a:spcPts val="600"/>
+              </a:spcAft>
+            </a:pPr>
+            <a:r>
+              <a:rPr lang="hr-HR" sz="1800" dirty="0">
+                <a:effectLst/>
+                <a:latin typeface="Times New Roman" panose="02020603050405020304" pitchFamily="18" charset="0"/>
+                <a:ea typeface="Times New Roman" panose="02020603050405020304" pitchFamily="18" charset="0"/>
+              </a:rPr>
+              <a:t>	Preduvjet: Prijavljeni korisnik</a:t>
+            </a:r>
+          </a:p>
+          <a:p>
+            <a:pPr marL="457200" marR="0" algn="just">
+              <a:spcBef>
+                <a:spcPts val="0"/>
+              </a:spcBef>
+              <a:spcAft>
+                <a:spcPts val="600"/>
+              </a:spcAft>
+            </a:pPr>
+            <a:r>
+              <a:rPr lang="hr-HR" sz="1800" dirty="0">
+                <a:effectLst/>
+                <a:latin typeface="Times New Roman" panose="02020603050405020304" pitchFamily="18" charset="0"/>
+                <a:ea typeface="Times New Roman" panose="02020603050405020304" pitchFamily="18" charset="0"/>
+              </a:rPr>
+              <a:t>	Opis tijeka:</a:t>
+            </a:r>
+          </a:p>
+          <a:p>
+            <a:pPr lvl="3" algn="just">
+              <a:spcBef>
+                <a:spcPts val="0"/>
+              </a:spcBef>
+              <a:spcAft>
+                <a:spcPts val="600"/>
+              </a:spcAft>
+              <a:buFont typeface="+mj-lt"/>
+              <a:buAutoNum type="arabicPeriod"/>
+            </a:pPr>
+            <a:r>
+              <a:rPr lang="hr-HR" sz="1600" dirty="0">
+                <a:effectLst/>
+                <a:latin typeface="Times New Roman" panose="02020603050405020304" pitchFamily="18" charset="0"/>
+                <a:ea typeface="Times New Roman" panose="02020603050405020304" pitchFamily="18" charset="0"/>
+              </a:rPr>
+              <a:t>Korisnik u tražilicu upisuje ime profila drugog korisnika</a:t>
+            </a:r>
+          </a:p>
+          <a:p>
+            <a:pPr lvl="3" algn="just">
+              <a:spcBef>
+                <a:spcPts val="0"/>
+              </a:spcBef>
+              <a:spcAft>
+                <a:spcPts val="600"/>
+              </a:spcAft>
+              <a:buFont typeface="+mj-lt"/>
+              <a:buAutoNum type="arabicPeriod"/>
+            </a:pPr>
+            <a:r>
+              <a:rPr lang="hr-HR" sz="1600" dirty="0">
+                <a:effectLst/>
+                <a:latin typeface="Times New Roman" panose="02020603050405020304" pitchFamily="18" charset="0"/>
+                <a:ea typeface="Times New Roman" panose="02020603050405020304" pitchFamily="18" charset="0"/>
+              </a:rPr>
+              <a:t>Korisnik iz padajuće liste profila imena sličnih onom </a:t>
+            </a:r>
+            <a:r>
+              <a:rPr lang="hr-HR" sz="1600" dirty="0" err="1">
+                <a:effectLst/>
+                <a:latin typeface="Times New Roman" panose="02020603050405020304" pitchFamily="18" charset="0"/>
+                <a:ea typeface="Times New Roman" panose="02020603050405020304" pitchFamily="18" charset="0"/>
+              </a:rPr>
+              <a:t>upisannom</a:t>
+            </a:r>
+            <a:r>
+              <a:rPr lang="hr-HR" sz="1600" dirty="0">
+                <a:effectLst/>
+                <a:latin typeface="Times New Roman" panose="02020603050405020304" pitchFamily="18" charset="0"/>
+                <a:ea typeface="Times New Roman" panose="02020603050405020304" pitchFamily="18" charset="0"/>
+              </a:rPr>
+              <a:t> odabire korisnika kojeg želi pratiti</a:t>
+            </a:r>
+          </a:p>
+          <a:p>
+            <a:pPr lvl="3" algn="just">
+              <a:spcBef>
+                <a:spcPts val="0"/>
+              </a:spcBef>
+              <a:spcAft>
+                <a:spcPts val="600"/>
+              </a:spcAft>
+              <a:buFont typeface="+mj-lt"/>
+              <a:buAutoNum type="arabicPeriod"/>
+            </a:pPr>
+            <a:r>
+              <a:rPr lang="hr-HR" sz="1600" dirty="0">
+                <a:effectLst/>
+                <a:latin typeface="Times New Roman" panose="02020603050405020304" pitchFamily="18" charset="0"/>
+                <a:ea typeface="Times New Roman" panose="02020603050405020304" pitchFamily="18" charset="0"/>
+              </a:rPr>
+              <a:t>Korisnik na stranici za prikaz profila </a:t>
+            </a:r>
+            <a:r>
+              <a:rPr lang="hr-HR" sz="1600" dirty="0" err="1">
+                <a:effectLst/>
+                <a:latin typeface="Times New Roman" panose="02020603050405020304" pitchFamily="18" charset="0"/>
+                <a:ea typeface="Times New Roman" panose="02020603050405020304" pitchFamily="18" charset="0"/>
+              </a:rPr>
+              <a:t>kllikne</a:t>
+            </a:r>
+            <a:r>
+              <a:rPr lang="hr-HR" sz="1600" dirty="0">
+                <a:effectLst/>
+                <a:latin typeface="Times New Roman" panose="02020603050405020304" pitchFamily="18" charset="0"/>
+                <a:ea typeface="Times New Roman" panose="02020603050405020304" pitchFamily="18" charset="0"/>
+              </a:rPr>
               <a:t> </a:t>
             </a:r>
-          </a:p>
-          <a:p>
-            <a:pPr lvl="1"/>
-            <a:r>
-              <a:rPr lang="hr-HR" dirty="0"/>
-              <a:t>Podatci o korisniku</a:t>
-            </a:r>
-          </a:p>
-          <a:p>
-            <a:endParaRPr lang="hr-HR" dirty="0"/>
-          </a:p>
-          <a:p>
-            <a:r>
-              <a:rPr lang="hr-HR" dirty="0"/>
-              <a:t>Ostale tablice – ostvarivanje relacijskih odnosa među entitetima</a:t>
-            </a:r>
-          </a:p>
-          <a:p>
-            <a:pPr marL="457200" lvl="1" indent="0">
-              <a:buNone/>
+            <a:r>
+              <a:rPr lang="hr-HR" sz="1600" dirty="0" err="1">
+                <a:effectLst/>
+                <a:latin typeface="Times New Roman" panose="02020603050405020304" pitchFamily="18" charset="0"/>
+                <a:ea typeface="Times New Roman" panose="02020603050405020304" pitchFamily="18" charset="0"/>
+              </a:rPr>
+              <a:t>dubgme</a:t>
+            </a:r>
+            <a:r>
+              <a:rPr lang="hr-HR" sz="1600" dirty="0">
+                <a:effectLst/>
+                <a:latin typeface="Times New Roman" panose="02020603050405020304" pitchFamily="18" charset="0"/>
+                <a:ea typeface="Times New Roman" panose="02020603050405020304" pitchFamily="18" charset="0"/>
+              </a:rPr>
+              <a:t> </a:t>
+            </a:r>
+            <a:r>
+              <a:rPr lang="hr-HR" sz="1600" dirty="0" err="1">
+                <a:effectLst/>
+                <a:latin typeface="Times New Roman" panose="02020603050405020304" pitchFamily="18" charset="0"/>
+                <a:ea typeface="Times New Roman" panose="02020603050405020304" pitchFamily="18" charset="0"/>
+              </a:rPr>
+              <a:t>Follow</a:t>
+            </a:r>
+            <a:r>
+              <a:rPr lang="hr-HR" sz="1600" dirty="0">
+                <a:effectLst/>
+                <a:latin typeface="Times New Roman" panose="02020603050405020304" pitchFamily="18" charset="0"/>
+                <a:ea typeface="Times New Roman" panose="02020603050405020304" pitchFamily="18" charset="0"/>
+              </a:rPr>
+              <a:t> kako bi </a:t>
+            </a:r>
+            <a:r>
+              <a:rPr lang="hr-HR" sz="1600" dirty="0" err="1">
+                <a:effectLst/>
+                <a:latin typeface="Times New Roman" panose="02020603050405020304" pitchFamily="18" charset="0"/>
+                <a:ea typeface="Times New Roman" panose="02020603050405020304" pitchFamily="18" charset="0"/>
+              </a:rPr>
+              <a:t>zapratio</a:t>
+            </a:r>
+            <a:r>
+              <a:rPr lang="hr-HR" sz="1600" dirty="0">
+                <a:effectLst/>
+                <a:latin typeface="Times New Roman" panose="02020603050405020304" pitchFamily="18" charset="0"/>
+                <a:ea typeface="Times New Roman" panose="02020603050405020304" pitchFamily="18" charset="0"/>
+              </a:rPr>
+              <a:t> korisnika</a:t>
+            </a:r>
+          </a:p>
+          <a:p>
+            <a:pPr marL="914400" marR="0" algn="just">
+              <a:spcBef>
+                <a:spcPts val="0"/>
+              </a:spcBef>
+              <a:spcAft>
+                <a:spcPts val="600"/>
+              </a:spcAft>
             </a:pPr>
-            <a:endParaRPr lang="hr-HR" dirty="0"/>
-          </a:p>
-          <a:p>
-            <a:pPr lvl="1"/>
+            <a:r>
+              <a:rPr lang="hr-HR" sz="1800" dirty="0">
+                <a:effectLst/>
+                <a:latin typeface="Times New Roman" panose="02020603050405020304" pitchFamily="18" charset="0"/>
+                <a:ea typeface="Times New Roman" panose="02020603050405020304" pitchFamily="18" charset="0"/>
+              </a:rPr>
+              <a:t>Moguća odstupanja:</a:t>
+            </a:r>
+          </a:p>
+          <a:p>
+            <a:pPr marL="1371600" lvl="1" algn="just">
+              <a:spcBef>
+                <a:spcPts val="0"/>
+              </a:spcBef>
+              <a:spcAft>
+                <a:spcPts val="600"/>
+              </a:spcAft>
+            </a:pPr>
+            <a:r>
+              <a:rPr lang="hr-HR" sz="1400" dirty="0">
+                <a:effectLst/>
+                <a:latin typeface="Times New Roman" panose="02020603050405020304" pitchFamily="18" charset="0"/>
+                <a:ea typeface="Times New Roman" panose="02020603050405020304" pitchFamily="18" charset="0"/>
+              </a:rPr>
+              <a:t>Korisnik već prati korisnika</a:t>
+            </a:r>
+          </a:p>
+          <a:p>
+            <a:pPr marL="1714500" lvl="3" indent="-342900" algn="just">
+              <a:spcBef>
+                <a:spcPts val="0"/>
+              </a:spcBef>
+              <a:spcAft>
+                <a:spcPts val="600"/>
+              </a:spcAft>
+              <a:buFont typeface="+mj-lt"/>
+              <a:buAutoNum type="arabicPeriod"/>
+            </a:pPr>
+            <a:r>
+              <a:rPr lang="hr-HR" sz="1600" dirty="0" err="1">
+                <a:effectLst/>
+                <a:latin typeface="Times New Roman" panose="02020603050405020304" pitchFamily="18" charset="0"/>
+                <a:ea typeface="Times New Roman" panose="02020603050405020304" pitchFamily="18" charset="0"/>
+              </a:rPr>
+              <a:t>Korisik</a:t>
+            </a:r>
+            <a:r>
+              <a:rPr lang="hr-HR" sz="1600" dirty="0">
+                <a:effectLst/>
+                <a:latin typeface="Times New Roman" panose="02020603050405020304" pitchFamily="18" charset="0"/>
+                <a:ea typeface="Times New Roman" panose="02020603050405020304" pitchFamily="18" charset="0"/>
+              </a:rPr>
+              <a:t> može ponovno stisnuti na dugme kako bi prestao pratiti profil</a:t>
+            </a:r>
+          </a:p>
+          <a:p>
+            <a:pPr marL="1714500" lvl="3" indent="-342900" algn="just">
+              <a:spcBef>
+                <a:spcPts val="0"/>
+              </a:spcBef>
+              <a:spcAft>
+                <a:spcPts val="600"/>
+              </a:spcAft>
+              <a:buFont typeface="+mj-lt"/>
+              <a:buAutoNum type="arabicPeriod"/>
+            </a:pPr>
+            <a:r>
+              <a:rPr lang="hr-HR" sz="1600" dirty="0">
+                <a:effectLst/>
+                <a:latin typeface="Times New Roman" panose="02020603050405020304" pitchFamily="18" charset="0"/>
+                <a:ea typeface="Times New Roman" panose="02020603050405020304" pitchFamily="18" charset="0"/>
+              </a:rPr>
+              <a:t>Korisnika odustaje i vraća se na početnu stranicu</a:t>
+            </a:r>
+          </a:p>
+          <a:p>
+            <a:pPr marL="1371600" marR="0" algn="just">
+              <a:spcBef>
+                <a:spcPts val="0"/>
+              </a:spcBef>
+              <a:spcAft>
+                <a:spcPts val="600"/>
+              </a:spcAft>
+            </a:pPr>
+            <a:r>
+              <a:rPr lang="hr-HR" sz="1800" dirty="0">
+                <a:effectLst/>
+                <a:latin typeface="Times New Roman" panose="02020603050405020304" pitchFamily="18" charset="0"/>
+                <a:ea typeface="Times New Roman" panose="02020603050405020304" pitchFamily="18" charset="0"/>
+              </a:rPr>
+              <a:t>Korisnik do profila dolazi putem poveznice na objavi koja označava autora</a:t>
+            </a:r>
+          </a:p>
+          <a:p>
+            <a:pPr marL="1714500" lvl="3" indent="-342900" algn="just">
+              <a:spcBef>
+                <a:spcPts val="0"/>
+              </a:spcBef>
+              <a:spcAft>
+                <a:spcPts val="600"/>
+              </a:spcAft>
+              <a:buFont typeface="+mj-lt"/>
+              <a:buAutoNum type="arabicPeriod"/>
+            </a:pPr>
+            <a:r>
+              <a:rPr lang="hr-HR" sz="1600" dirty="0">
+                <a:effectLst/>
+                <a:latin typeface="Times New Roman" panose="02020603050405020304" pitchFamily="18" charset="0"/>
+                <a:ea typeface="Times New Roman" panose="02020603050405020304" pitchFamily="18" charset="0"/>
+              </a:rPr>
+              <a:t>Umjesto tražilice </a:t>
+            </a:r>
+            <a:r>
+              <a:rPr lang="hr-HR" sz="1600" dirty="0" err="1">
+                <a:effectLst/>
+                <a:latin typeface="Times New Roman" panose="02020603050405020304" pitchFamily="18" charset="0"/>
+                <a:ea typeface="Times New Roman" panose="02020603050405020304" pitchFamily="18" charset="0"/>
+              </a:rPr>
+              <a:t>korinik</a:t>
+            </a:r>
+            <a:r>
+              <a:rPr lang="hr-HR" sz="1600" dirty="0">
+                <a:effectLst/>
+                <a:latin typeface="Times New Roman" panose="02020603050405020304" pitchFamily="18" charset="0"/>
+                <a:ea typeface="Times New Roman" panose="02020603050405020304" pitchFamily="18" charset="0"/>
+              </a:rPr>
+              <a:t> izravno preko poveznice autora objave dolazi do profila</a:t>
+            </a:r>
+          </a:p>
+          <a:p>
+            <a:pPr marL="1714500" lvl="3" indent="-342900" algn="just">
+              <a:spcBef>
+                <a:spcPts val="0"/>
+              </a:spcBef>
+              <a:spcAft>
+                <a:spcPts val="600"/>
+              </a:spcAft>
+              <a:buFont typeface="+mj-lt"/>
+              <a:buAutoNum type="arabicPeriod"/>
+            </a:pPr>
+            <a:r>
+              <a:rPr lang="hr-HR" sz="1600" dirty="0">
+                <a:effectLst/>
+                <a:latin typeface="Times New Roman" panose="02020603050405020304" pitchFamily="18" charset="0"/>
+                <a:ea typeface="Times New Roman" panose="02020603050405020304" pitchFamily="18" charset="0"/>
+              </a:rPr>
+              <a:t>Ostatak koraka ostaje isti</a:t>
+            </a:r>
+          </a:p>
+          <a:p>
             <a:endParaRPr lang="hr-HR" dirty="0"/>
           </a:p>
         </p:txBody>
@@ -3688,7 +4837,7 @@
     </p:spTree>
     <p:extLst>
       <p:ext uri="{BB962C8B-B14F-4D97-AF65-F5344CB8AC3E}">
-        <p14:creationId xmlns:p14="http://schemas.microsoft.com/office/powerpoint/2010/main" val="1773009951"/>
+        <p14:creationId xmlns:p14="http://schemas.microsoft.com/office/powerpoint/2010/main" val="822010356"/>
       </p:ext>
     </p:extLst>
   </p:cSld>
@@ -3720,7 +4869,7 @@
           <p:cNvPr id="2" name="Title 1">
             <a:extLst>
               <a:ext uri="{FF2B5EF4-FFF2-40B4-BE49-F238E27FC236}">
-                <a16:creationId xmlns:a16="http://schemas.microsoft.com/office/drawing/2014/main" id="{019FC45D-29F8-ADD6-E7CE-C020F1830C8D}"/>
+                <a16:creationId xmlns:a16="http://schemas.microsoft.com/office/drawing/2014/main" id="{00239439-EA2D-2609-2EA2-A1B0EA5161A1}"/>
               </a:ext>
             </a:extLst>
           </p:cNvPr>
@@ -3731,138 +4880,65 @@
             <p:ph type="title"/>
           </p:nvPr>
         </p:nvSpPr>
-        <p:spPr/>
-        <p:txBody>
-          <a:bodyPr/>
+        <p:spPr>
+          <a:xfrm>
+            <a:off x="0" y="-88274"/>
+            <a:ext cx="10515600" cy="1325563"/>
+          </a:xfrm>
+        </p:spPr>
+        <p:txBody>
+          <a:bodyPr>
+            <a:normAutofit/>
+          </a:bodyPr>
           <a:lstStyle/>
           <a:p>
             <a:r>
-              <a:rPr lang="hr-HR" dirty="0"/>
-              <a:t>Korištene tehnologije</a:t>
-            </a:r>
-          </a:p>
-        </p:txBody>
-      </p:sp>
-      <p:sp>
-        <p:nvSpPr>
-          <p:cNvPr id="8" name="Content Placeholder 7">
-            <a:extLst>
-              <a:ext uri="{FF2B5EF4-FFF2-40B4-BE49-F238E27FC236}">
-                <a16:creationId xmlns:a16="http://schemas.microsoft.com/office/drawing/2014/main" id="{CC10016F-6371-2C3B-3E2A-5863A1E35112}"/>
-              </a:ext>
-            </a:extLst>
-          </p:cNvPr>
-          <p:cNvSpPr>
-            <a:spLocks noGrp="1"/>
-          </p:cNvSpPr>
+              <a:rPr lang="hr-HR" sz="3000" dirty="0" err="1"/>
+              <a:t>Storyboard</a:t>
+            </a:r>
+            <a:endParaRPr lang="hr-HR" sz="3000" dirty="0"/>
+          </a:p>
+        </p:txBody>
+      </p:sp>
+      <p:pic>
+        <p:nvPicPr>
+          <p:cNvPr id="5" name="Content Placeholder 4" descr="A screenshot of a computer screen&#10;&#10;Description automatically generated">
+            <a:extLst>
+              <a:ext uri="{FF2B5EF4-FFF2-40B4-BE49-F238E27FC236}">
+                <a16:creationId xmlns:a16="http://schemas.microsoft.com/office/drawing/2014/main" id="{CB0B3CCC-331F-2A5D-D08A-25B35F8A38F7}"/>
+              </a:ext>
+            </a:extLst>
+          </p:cNvPr>
+          <p:cNvPicPr>
+            <a:picLocks noGrp="1" noChangeAspect="1"/>
+          </p:cNvPicPr>
           <p:nvPr>
             <p:ph idx="1"/>
           </p:nvPr>
-        </p:nvSpPr>
-        <p:spPr/>
-        <p:txBody>
-          <a:bodyPr/>
-          <a:lstStyle/>
-          <a:p>
-            <a:r>
-              <a:rPr lang="hr-HR" dirty="0"/>
-              <a:t>HTML – .</a:t>
-            </a:r>
-            <a:r>
-              <a:rPr lang="hr-HR" dirty="0" err="1"/>
-              <a:t>ejs</a:t>
-            </a:r>
-            <a:r>
-              <a:rPr lang="hr-HR" dirty="0"/>
-              <a:t> </a:t>
-            </a:r>
-            <a:r>
-              <a:rPr lang="hr-HR" dirty="0" err="1"/>
-              <a:t>view</a:t>
-            </a:r>
-            <a:r>
-              <a:rPr lang="hr-HR" dirty="0"/>
-              <a:t> </a:t>
-            </a:r>
-            <a:r>
-              <a:rPr lang="hr-HR" dirty="0" err="1"/>
-              <a:t>engine</a:t>
-            </a:r>
-            <a:r>
-              <a:rPr lang="hr-HR" dirty="0"/>
-              <a:t> za dinamičko generiranje HTML-a</a:t>
-            </a:r>
-          </a:p>
-          <a:p>
-            <a:r>
-              <a:rPr lang="hr-HR" dirty="0"/>
-              <a:t>CSS – </a:t>
-            </a:r>
-            <a:r>
-              <a:rPr lang="hr-HR" dirty="0" err="1"/>
-              <a:t>Boostrap</a:t>
-            </a:r>
-            <a:r>
-              <a:rPr lang="hr-HR" dirty="0"/>
-              <a:t> 5, Font </a:t>
-            </a:r>
-            <a:r>
-              <a:rPr lang="hr-HR" dirty="0" err="1"/>
-              <a:t>Awesome</a:t>
-            </a:r>
-            <a:endParaRPr lang="hr-HR" dirty="0"/>
-          </a:p>
-          <a:p>
-            <a:r>
-              <a:rPr lang="hr-HR" dirty="0" err="1"/>
-              <a:t>Javascript</a:t>
-            </a:r>
-            <a:endParaRPr lang="hr-HR" dirty="0"/>
-          </a:p>
-          <a:p>
-            <a:r>
-              <a:rPr lang="hr-HR" dirty="0"/>
-              <a:t>Java – </a:t>
-            </a:r>
-            <a:r>
-              <a:rPr lang="hr-HR" dirty="0" err="1"/>
-              <a:t>Spring</a:t>
-            </a:r>
-            <a:r>
-              <a:rPr lang="hr-HR" dirty="0"/>
-              <a:t> Framework, </a:t>
-            </a:r>
-            <a:r>
-              <a:rPr lang="hr-HR" dirty="0" err="1"/>
-              <a:t>Hibernate</a:t>
-            </a:r>
-            <a:r>
-              <a:rPr lang="hr-HR" dirty="0"/>
-              <a:t> ORM</a:t>
-            </a:r>
-          </a:p>
-          <a:p>
-            <a:r>
-              <a:rPr lang="hr-HR" dirty="0" err="1"/>
-              <a:t>Postgre</a:t>
-            </a:r>
-            <a:r>
-              <a:rPr lang="hr-HR" dirty="0"/>
-              <a:t> – AWS cloud</a:t>
-            </a:r>
-          </a:p>
-          <a:p>
-            <a:r>
-              <a:rPr lang="hr-HR" dirty="0"/>
-              <a:t>HTTP</a:t>
-            </a:r>
-          </a:p>
-        </p:txBody>
-      </p:sp>
+        </p:nvPicPr>
+        <p:blipFill>
+          <a:blip r:embed="rId2">
+            <a:extLst>
+              <a:ext uri="{28A0092B-C50C-407E-A947-70E740481C1C}">
+                <a14:useLocalDpi xmlns:a14="http://schemas.microsoft.com/office/drawing/2010/main" val="0"/>
+              </a:ext>
+            </a:extLst>
+          </a:blip>
+          <a:stretch>
+            <a:fillRect/>
+          </a:stretch>
+        </p:blipFill>
+        <p:spPr>
+          <a:xfrm>
+            <a:off x="0" y="755009"/>
+            <a:ext cx="12192000" cy="6102991"/>
+          </a:xfrm>
+        </p:spPr>
+      </p:pic>
     </p:spTree>
     <p:extLst>
       <p:ext uri="{BB962C8B-B14F-4D97-AF65-F5344CB8AC3E}">
-        <p14:creationId xmlns:p14="http://schemas.microsoft.com/office/powerpoint/2010/main" val="1255398726"/>
+        <p14:creationId xmlns:p14="http://schemas.microsoft.com/office/powerpoint/2010/main" val="1346395194"/>
       </p:ext>
     </p:extLst>
   </p:cSld>
@@ -3894,7 +4970,7 @@
           <p:cNvPr id="2" name="Title 1">
             <a:extLst>
               <a:ext uri="{FF2B5EF4-FFF2-40B4-BE49-F238E27FC236}">
-                <a16:creationId xmlns:a16="http://schemas.microsoft.com/office/drawing/2014/main" id="{9147A41C-3059-00CD-9013-7B71359FF477}"/>
+                <a16:creationId xmlns:a16="http://schemas.microsoft.com/office/drawing/2014/main" id="{9A087530-790A-4944-D1C0-2C7FD3F15D4F}"/>
               </a:ext>
             </a:extLst>
           </p:cNvPr>
@@ -3910,76 +4986,668 @@
           <a:bodyPr/>
           <a:lstStyle/>
           <a:p>
-            <a:r>
-              <a:rPr lang="hr-HR" dirty="0"/>
-              <a:t>Budući rad</a:t>
-            </a:r>
-          </a:p>
-        </p:txBody>
-      </p:sp>
-      <p:sp>
-        <p:nvSpPr>
-          <p:cNvPr id="3" name="Content Placeholder 2">
-            <a:extLst>
-              <a:ext uri="{FF2B5EF4-FFF2-40B4-BE49-F238E27FC236}">
-                <a16:creationId xmlns:a16="http://schemas.microsoft.com/office/drawing/2014/main" id="{11E87F76-3EBD-4A31-E98C-1052340C71AF}"/>
-              </a:ext>
-            </a:extLst>
-          </p:cNvPr>
-          <p:cNvSpPr>
-            <a:spLocks noGrp="1"/>
-          </p:cNvSpPr>
+            <a:endParaRPr lang="hr-HR"/>
+          </a:p>
+        </p:txBody>
+      </p:sp>
+      <p:pic>
+        <p:nvPicPr>
+          <p:cNvPr id="5" name="Content Placeholder 4" descr="A screenshot of a cartoon&#10;&#10;Description automatically generated">
+            <a:extLst>
+              <a:ext uri="{FF2B5EF4-FFF2-40B4-BE49-F238E27FC236}">
+                <a16:creationId xmlns:a16="http://schemas.microsoft.com/office/drawing/2014/main" id="{8E3E1B06-AE3E-9697-143C-C5918A7B0445}"/>
+              </a:ext>
+            </a:extLst>
+          </p:cNvPr>
+          <p:cNvPicPr>
+            <a:picLocks noGrp="1" noChangeAspect="1"/>
+          </p:cNvPicPr>
           <p:nvPr>
             <p:ph idx="1"/>
           </p:nvPr>
-        </p:nvSpPr>
-        <p:spPr/>
-        <p:txBody>
-          <a:bodyPr/>
-          <a:lstStyle/>
-          <a:p>
-            <a:r>
-              <a:rPr lang="hr-HR" dirty="0"/>
-              <a:t>Optimiranje metoda obrade zahtjeva na REST poslužitelju</a:t>
-            </a:r>
-          </a:p>
-          <a:p>
-            <a:r>
-              <a:rPr lang="hr-HR" dirty="0"/>
-              <a:t>Sigurnost REST poslužitelja</a:t>
-            </a:r>
-          </a:p>
-          <a:p>
-            <a:r>
-              <a:rPr lang="hr-HR" dirty="0"/>
-              <a:t>Ispitivanje sustava kroz vrednovanje rada korisnika</a:t>
-            </a:r>
-          </a:p>
-          <a:p>
-            <a:r>
-              <a:rPr lang="hr-HR" dirty="0"/>
-              <a:t>Puštanje aplikacije u pogon, javno dostupna</a:t>
-            </a:r>
-          </a:p>
-          <a:p>
-            <a:r>
-              <a:rPr lang="hr-HR" dirty="0"/>
-              <a:t>Dodavanje novih operacija poput uređivanja i brisanja komentara i objava</a:t>
-            </a:r>
-          </a:p>
-          <a:p>
-            <a:pPr lvl="1"/>
-            <a:r>
-              <a:rPr lang="hr-HR" dirty="0"/>
-              <a:t>Infrastruktura za neke već postoji na REST poslužitelju</a:t>
-            </a:r>
-          </a:p>
-        </p:txBody>
-      </p:sp>
+        </p:nvPicPr>
+        <p:blipFill>
+          <a:blip r:embed="rId2">
+            <a:extLst>
+              <a:ext uri="{28A0092B-C50C-407E-A947-70E740481C1C}">
+                <a14:useLocalDpi xmlns:a14="http://schemas.microsoft.com/office/drawing/2010/main" val="0"/>
+              </a:ext>
+            </a:extLst>
+          </a:blip>
+          <a:stretch>
+            <a:fillRect/>
+          </a:stretch>
+        </p:blipFill>
+        <p:spPr>
+          <a:xfrm>
+            <a:off x="-117914" y="0"/>
+            <a:ext cx="12309914" cy="6857999"/>
+          </a:xfrm>
+        </p:spPr>
+      </p:pic>
     </p:spTree>
     <p:extLst>
       <p:ext uri="{BB962C8B-B14F-4D97-AF65-F5344CB8AC3E}">
-        <p14:creationId xmlns:p14="http://schemas.microsoft.com/office/powerpoint/2010/main" val="23717075"/>
+        <p14:creationId xmlns:p14="http://schemas.microsoft.com/office/powerpoint/2010/main" val="3939237772"/>
+      </p:ext>
+    </p:extLst>
+  </p:cSld>
+  <p:clrMapOvr>
+    <a:masterClrMapping/>
+  </p:clrMapOvr>
+</p:sld>
+</file>
+
+<file path=ppt/slides/slide14.xml><?xml version="1.0" encoding="utf-8"?>
+<p:sld xmlns:a="http://schemas.openxmlformats.org/drawingml/2006/main" xmlns:r="http://schemas.openxmlformats.org/officeDocument/2006/relationships" xmlns:p="http://schemas.openxmlformats.org/presentationml/2006/main">
+  <p:cSld>
+    <p:spTree>
+      <p:nvGrpSpPr>
+        <p:cNvPr id="1" name=""/>
+        <p:cNvGrpSpPr/>
+        <p:nvPr/>
+      </p:nvGrpSpPr>
+      <p:grpSpPr>
+        <a:xfrm>
+          <a:off x="0" y="0"/>
+          <a:ext cx="0" cy="0"/>
+          <a:chOff x="0" y="0"/>
+          <a:chExt cx="0" cy="0"/>
+        </a:xfrm>
+      </p:grpSpPr>
+      <p:sp>
+        <p:nvSpPr>
+          <p:cNvPr id="2" name="Title 1">
+            <a:extLst>
+              <a:ext uri="{FF2B5EF4-FFF2-40B4-BE49-F238E27FC236}">
+                <a16:creationId xmlns:a16="http://schemas.microsoft.com/office/drawing/2014/main" id="{1CD41A4E-020F-CEEE-5D3E-0BE43A0AC10A}"/>
+              </a:ext>
+            </a:extLst>
+          </p:cNvPr>
+          <p:cNvSpPr>
+            <a:spLocks noGrp="1"/>
+          </p:cNvSpPr>
+          <p:nvPr>
+            <p:ph type="title"/>
+          </p:nvPr>
+        </p:nvSpPr>
+        <p:spPr/>
+        <p:txBody>
+          <a:bodyPr/>
+          <a:lstStyle/>
+          <a:p>
+            <a:endParaRPr lang="hr-HR"/>
+          </a:p>
+        </p:txBody>
+      </p:sp>
+      <p:pic>
+        <p:nvPicPr>
+          <p:cNvPr id="5" name="Content Placeholder 4" descr="A group of images of people">
+            <a:extLst>
+              <a:ext uri="{FF2B5EF4-FFF2-40B4-BE49-F238E27FC236}">
+                <a16:creationId xmlns:a16="http://schemas.microsoft.com/office/drawing/2014/main" id="{66D31626-226F-3615-064C-49772E615667}"/>
+              </a:ext>
+            </a:extLst>
+          </p:cNvPr>
+          <p:cNvPicPr>
+            <a:picLocks noGrp="1" noChangeAspect="1"/>
+          </p:cNvPicPr>
+          <p:nvPr>
+            <p:ph idx="1"/>
+          </p:nvPr>
+        </p:nvPicPr>
+        <p:blipFill>
+          <a:blip r:embed="rId2">
+            <a:extLst>
+              <a:ext uri="{28A0092B-C50C-407E-A947-70E740481C1C}">
+                <a14:useLocalDpi xmlns:a14="http://schemas.microsoft.com/office/drawing/2010/main" val="0"/>
+              </a:ext>
+            </a:extLst>
+          </a:blip>
+          <a:stretch>
+            <a:fillRect/>
+          </a:stretch>
+        </p:blipFill>
+        <p:spPr>
+          <a:xfrm>
+            <a:off x="-1" y="-1"/>
+            <a:ext cx="12192001" cy="6859867"/>
+          </a:xfrm>
+        </p:spPr>
+      </p:pic>
+    </p:spTree>
+    <p:extLst>
+      <p:ext uri="{BB962C8B-B14F-4D97-AF65-F5344CB8AC3E}">
+        <p14:creationId xmlns:p14="http://schemas.microsoft.com/office/powerpoint/2010/main" val="625498948"/>
+      </p:ext>
+    </p:extLst>
+  </p:cSld>
+  <p:clrMapOvr>
+    <a:masterClrMapping/>
+  </p:clrMapOvr>
+</p:sld>
+</file>
+
+<file path=ppt/slides/slide15.xml><?xml version="1.0" encoding="utf-8"?>
+<p:sld xmlns:a="http://schemas.openxmlformats.org/drawingml/2006/main" xmlns:r="http://schemas.openxmlformats.org/officeDocument/2006/relationships" xmlns:p="http://schemas.openxmlformats.org/presentationml/2006/main">
+  <p:cSld>
+    <p:spTree>
+      <p:nvGrpSpPr>
+        <p:cNvPr id="1" name=""/>
+        <p:cNvGrpSpPr/>
+        <p:nvPr/>
+      </p:nvGrpSpPr>
+      <p:grpSpPr>
+        <a:xfrm>
+          <a:off x="0" y="0"/>
+          <a:ext cx="0" cy="0"/>
+          <a:chOff x="0" y="0"/>
+          <a:chExt cx="0" cy="0"/>
+        </a:xfrm>
+      </p:grpSpPr>
+      <p:sp>
+        <p:nvSpPr>
+          <p:cNvPr id="2" name="Title 1">
+            <a:extLst>
+              <a:ext uri="{FF2B5EF4-FFF2-40B4-BE49-F238E27FC236}">
+                <a16:creationId xmlns:a16="http://schemas.microsoft.com/office/drawing/2014/main" id="{774ED5E8-BB64-E97D-A4F7-37321AC47CB7}"/>
+              </a:ext>
+            </a:extLst>
+          </p:cNvPr>
+          <p:cNvSpPr>
+            <a:spLocks noGrp="1"/>
+          </p:cNvSpPr>
+          <p:nvPr>
+            <p:ph type="title"/>
+          </p:nvPr>
+        </p:nvSpPr>
+        <p:spPr/>
+        <p:txBody>
+          <a:bodyPr/>
+          <a:lstStyle/>
+          <a:p>
+            <a:endParaRPr lang="hr-HR"/>
+          </a:p>
+        </p:txBody>
+      </p:sp>
+      <p:pic>
+        <p:nvPicPr>
+          <p:cNvPr id="5" name="Content Placeholder 4" descr="A screenshot of a cartoon&#10;&#10;Description automatically generated">
+            <a:extLst>
+              <a:ext uri="{FF2B5EF4-FFF2-40B4-BE49-F238E27FC236}">
+                <a16:creationId xmlns:a16="http://schemas.microsoft.com/office/drawing/2014/main" id="{B544F3B3-74B9-DDC4-8FB7-6E7C9800408D}"/>
+              </a:ext>
+            </a:extLst>
+          </p:cNvPr>
+          <p:cNvPicPr>
+            <a:picLocks noGrp="1" noChangeAspect="1"/>
+          </p:cNvPicPr>
+          <p:nvPr>
+            <p:ph idx="1"/>
+          </p:nvPr>
+        </p:nvPicPr>
+        <p:blipFill>
+          <a:blip r:embed="rId2">
+            <a:extLst>
+              <a:ext uri="{28A0092B-C50C-407E-A947-70E740481C1C}">
+                <a14:useLocalDpi xmlns:a14="http://schemas.microsoft.com/office/drawing/2010/main" val="0"/>
+              </a:ext>
+            </a:extLst>
+          </a:blip>
+          <a:stretch>
+            <a:fillRect/>
+          </a:stretch>
+        </p:blipFill>
+        <p:spPr>
+          <a:xfrm>
+            <a:off x="-1" y="-1"/>
+            <a:ext cx="12192001" cy="6880861"/>
+          </a:xfrm>
+        </p:spPr>
+      </p:pic>
+    </p:spTree>
+    <p:extLst>
+      <p:ext uri="{BB962C8B-B14F-4D97-AF65-F5344CB8AC3E}">
+        <p14:creationId xmlns:p14="http://schemas.microsoft.com/office/powerpoint/2010/main" val="93377600"/>
+      </p:ext>
+    </p:extLst>
+  </p:cSld>
+  <p:clrMapOvr>
+    <a:masterClrMapping/>
+  </p:clrMapOvr>
+</p:sld>
+</file>
+
+<file path=ppt/slides/slide16.xml><?xml version="1.0" encoding="utf-8"?>
+<p:sld xmlns:a="http://schemas.openxmlformats.org/drawingml/2006/main" xmlns:r="http://schemas.openxmlformats.org/officeDocument/2006/relationships" xmlns:p="http://schemas.openxmlformats.org/presentationml/2006/main">
+  <p:cSld>
+    <p:spTree>
+      <p:nvGrpSpPr>
+        <p:cNvPr id="1" name=""/>
+        <p:cNvGrpSpPr/>
+        <p:nvPr/>
+      </p:nvGrpSpPr>
+      <p:grpSpPr>
+        <a:xfrm>
+          <a:off x="0" y="0"/>
+          <a:ext cx="0" cy="0"/>
+          <a:chOff x="0" y="0"/>
+          <a:chExt cx="0" cy="0"/>
+        </a:xfrm>
+      </p:grpSpPr>
+      <p:sp>
+        <p:nvSpPr>
+          <p:cNvPr id="2" name="Title 1">
+            <a:extLst>
+              <a:ext uri="{FF2B5EF4-FFF2-40B4-BE49-F238E27FC236}">
+                <a16:creationId xmlns:a16="http://schemas.microsoft.com/office/drawing/2014/main" id="{B3A9C4F5-E6E5-1628-693D-07BFF27C3151}"/>
+              </a:ext>
+            </a:extLst>
+          </p:cNvPr>
+          <p:cNvSpPr>
+            <a:spLocks noGrp="1"/>
+          </p:cNvSpPr>
+          <p:nvPr>
+            <p:ph type="title"/>
+          </p:nvPr>
+        </p:nvSpPr>
+        <p:spPr>
+          <a:xfrm>
+            <a:off x="838200" y="365125"/>
+            <a:ext cx="10515600" cy="696759"/>
+          </a:xfrm>
+        </p:spPr>
+        <p:txBody>
+          <a:bodyPr/>
+          <a:lstStyle/>
+          <a:p>
+            <a:r>
+              <a:rPr lang="hr-HR" dirty="0"/>
+              <a:t>Heurističko vrednovanje</a:t>
+            </a:r>
+          </a:p>
+        </p:txBody>
+      </p:sp>
+      <p:pic>
+        <p:nvPicPr>
+          <p:cNvPr id="4" name="Picture 3" descr="A screenshot of a computer&#10;&#10;Description automatically generated">
+            <a:extLst>
+              <a:ext uri="{FF2B5EF4-FFF2-40B4-BE49-F238E27FC236}">
+                <a16:creationId xmlns:a16="http://schemas.microsoft.com/office/drawing/2014/main" id="{03D23BF5-A13D-5720-69A3-A344C9865270}"/>
+              </a:ext>
+            </a:extLst>
+          </p:cNvPr>
+          <p:cNvPicPr>
+            <a:picLocks noChangeAspect="1"/>
+          </p:cNvPicPr>
+          <p:nvPr/>
+        </p:nvPicPr>
+        <p:blipFill>
+          <a:blip r:embed="rId2"/>
+          <a:stretch>
+            <a:fillRect/>
+          </a:stretch>
+        </p:blipFill>
+        <p:spPr>
+          <a:xfrm>
+            <a:off x="1250663" y="1306482"/>
+            <a:ext cx="9173497" cy="4807533"/>
+          </a:xfrm>
+          <a:prstGeom prst="rect">
+            <a:avLst/>
+          </a:prstGeom>
+        </p:spPr>
+      </p:pic>
+    </p:spTree>
+    <p:extLst>
+      <p:ext uri="{BB962C8B-B14F-4D97-AF65-F5344CB8AC3E}">
+        <p14:creationId xmlns:p14="http://schemas.microsoft.com/office/powerpoint/2010/main" val="1252565661"/>
+      </p:ext>
+    </p:extLst>
+  </p:cSld>
+  <p:clrMapOvr>
+    <a:masterClrMapping/>
+  </p:clrMapOvr>
+</p:sld>
+</file>
+
+<file path=ppt/slides/slide17.xml><?xml version="1.0" encoding="utf-8"?>
+<p:sld xmlns:a="http://schemas.openxmlformats.org/drawingml/2006/main" xmlns:r="http://schemas.openxmlformats.org/officeDocument/2006/relationships" xmlns:p="http://schemas.openxmlformats.org/presentationml/2006/main">
+  <p:cSld>
+    <p:spTree>
+      <p:nvGrpSpPr>
+        <p:cNvPr id="1" name=""/>
+        <p:cNvGrpSpPr/>
+        <p:nvPr/>
+      </p:nvGrpSpPr>
+      <p:grpSpPr>
+        <a:xfrm>
+          <a:off x="0" y="0"/>
+          <a:ext cx="0" cy="0"/>
+          <a:chOff x="0" y="0"/>
+          <a:chExt cx="0" cy="0"/>
+        </a:xfrm>
+      </p:grpSpPr>
+      <p:sp>
+        <p:nvSpPr>
+          <p:cNvPr id="2" name="Title 1">
+            <a:extLst>
+              <a:ext uri="{FF2B5EF4-FFF2-40B4-BE49-F238E27FC236}">
+                <a16:creationId xmlns:a16="http://schemas.microsoft.com/office/drawing/2014/main" id="{EB899CBE-C1A9-CE13-A977-7555CA048A45}"/>
+              </a:ext>
+            </a:extLst>
+          </p:cNvPr>
+          <p:cNvSpPr>
+            <a:spLocks noGrp="1"/>
+          </p:cNvSpPr>
+          <p:nvPr>
+            <p:ph type="title"/>
+          </p:nvPr>
+        </p:nvSpPr>
+        <p:spPr/>
+        <p:txBody>
+          <a:bodyPr>
+            <a:normAutofit/>
+          </a:bodyPr>
+          <a:lstStyle/>
+          <a:p>
+            <a:r>
+              <a:rPr lang="hr-HR" sz="3000" dirty="0"/>
+              <a:t>Papirnati prototip</a:t>
+            </a:r>
+          </a:p>
+        </p:txBody>
+      </p:sp>
+      <p:sp>
+        <p:nvSpPr>
+          <p:cNvPr id="3" name="Content Placeholder 2">
+            <a:extLst>
+              <a:ext uri="{FF2B5EF4-FFF2-40B4-BE49-F238E27FC236}">
+                <a16:creationId xmlns:a16="http://schemas.microsoft.com/office/drawing/2014/main" id="{E01FF174-C5B0-8C5F-4EF0-EF258025F4D7}"/>
+              </a:ext>
+            </a:extLst>
+          </p:cNvPr>
+          <p:cNvSpPr>
+            <a:spLocks noGrp="1"/>
+          </p:cNvSpPr>
+          <p:nvPr>
+            <p:ph idx="1"/>
+          </p:nvPr>
+        </p:nvSpPr>
+        <p:spPr/>
+        <p:txBody>
+          <a:bodyPr/>
+          <a:lstStyle/>
+          <a:p>
+            <a:r>
+              <a:rPr lang="hr-HR" dirty="0"/>
+              <a:t>Izrađen u alatu </a:t>
+            </a:r>
+            <a:r>
+              <a:rPr lang="hr-HR" dirty="0" err="1"/>
+              <a:t>Figma</a:t>
+            </a:r>
+            <a:r>
+              <a:rPr lang="hr-HR" dirty="0"/>
+              <a:t> (https://www.figma.com/)</a:t>
+            </a:r>
+          </a:p>
+        </p:txBody>
+      </p:sp>
+      <p:pic>
+        <p:nvPicPr>
+          <p:cNvPr id="5" name="Picture 4">
+            <a:extLst>
+              <a:ext uri="{FF2B5EF4-FFF2-40B4-BE49-F238E27FC236}">
+                <a16:creationId xmlns:a16="http://schemas.microsoft.com/office/drawing/2014/main" id="{7B50279A-7F90-04FC-C188-5C1918C9BA31}"/>
+              </a:ext>
+            </a:extLst>
+          </p:cNvPr>
+          <p:cNvPicPr>
+            <a:picLocks noChangeAspect="1"/>
+          </p:cNvPicPr>
+          <p:nvPr/>
+        </p:nvPicPr>
+        <p:blipFill>
+          <a:blip r:embed="rId2"/>
+          <a:stretch>
+            <a:fillRect/>
+          </a:stretch>
+        </p:blipFill>
+        <p:spPr>
+          <a:xfrm>
+            <a:off x="2028825" y="2316162"/>
+            <a:ext cx="7474689" cy="4351338"/>
+          </a:xfrm>
+          <a:prstGeom prst="rect">
+            <a:avLst/>
+          </a:prstGeom>
+        </p:spPr>
+      </p:pic>
+    </p:spTree>
+    <p:extLst>
+      <p:ext uri="{BB962C8B-B14F-4D97-AF65-F5344CB8AC3E}">
+        <p14:creationId xmlns:p14="http://schemas.microsoft.com/office/powerpoint/2010/main" val="507936462"/>
+      </p:ext>
+    </p:extLst>
+  </p:cSld>
+  <p:clrMapOvr>
+    <a:masterClrMapping/>
+  </p:clrMapOvr>
+</p:sld>
+</file>
+
+<file path=ppt/slides/slide18.xml><?xml version="1.0" encoding="utf-8"?>
+<p:sld xmlns:a="http://schemas.openxmlformats.org/drawingml/2006/main" xmlns:r="http://schemas.openxmlformats.org/officeDocument/2006/relationships" xmlns:p="http://schemas.openxmlformats.org/presentationml/2006/main">
+  <p:cSld>
+    <p:spTree>
+      <p:nvGrpSpPr>
+        <p:cNvPr id="1" name=""/>
+        <p:cNvGrpSpPr/>
+        <p:nvPr/>
+      </p:nvGrpSpPr>
+      <p:grpSpPr>
+        <a:xfrm>
+          <a:off x="0" y="0"/>
+          <a:ext cx="0" cy="0"/>
+          <a:chOff x="0" y="0"/>
+          <a:chExt cx="0" cy="0"/>
+        </a:xfrm>
+      </p:grpSpPr>
+      <p:sp>
+        <p:nvSpPr>
+          <p:cNvPr id="2" name="Title 1">
+            <a:extLst>
+              <a:ext uri="{FF2B5EF4-FFF2-40B4-BE49-F238E27FC236}">
+                <a16:creationId xmlns:a16="http://schemas.microsoft.com/office/drawing/2014/main" id="{65EE6F51-4707-18C8-086B-35A7279681D3}"/>
+              </a:ext>
+            </a:extLst>
+          </p:cNvPr>
+          <p:cNvSpPr>
+            <a:spLocks noGrp="1"/>
+          </p:cNvSpPr>
+          <p:nvPr>
+            <p:ph type="title"/>
+          </p:nvPr>
+        </p:nvSpPr>
+        <p:spPr/>
+        <p:txBody>
+          <a:bodyPr/>
+          <a:lstStyle/>
+          <a:p>
+            <a:endParaRPr lang="hr-HR"/>
+          </a:p>
+        </p:txBody>
+      </p:sp>
+      <p:sp>
+        <p:nvSpPr>
+          <p:cNvPr id="3" name="Content Placeholder 2">
+            <a:extLst>
+              <a:ext uri="{FF2B5EF4-FFF2-40B4-BE49-F238E27FC236}">
+                <a16:creationId xmlns:a16="http://schemas.microsoft.com/office/drawing/2014/main" id="{47A1692E-AC19-3789-E342-21DBDE13593F}"/>
+              </a:ext>
+            </a:extLst>
+          </p:cNvPr>
+          <p:cNvSpPr>
+            <a:spLocks noGrp="1"/>
+          </p:cNvSpPr>
+          <p:nvPr>
+            <p:ph idx="1"/>
+          </p:nvPr>
+        </p:nvSpPr>
+        <p:spPr/>
+        <p:txBody>
+          <a:bodyPr/>
+          <a:lstStyle/>
+          <a:p>
+            <a:endParaRPr lang="hr-HR"/>
+          </a:p>
+        </p:txBody>
+      </p:sp>
+      <p:pic>
+        <p:nvPicPr>
+          <p:cNvPr id="5" name="Picture 4">
+            <a:extLst>
+              <a:ext uri="{FF2B5EF4-FFF2-40B4-BE49-F238E27FC236}">
+                <a16:creationId xmlns:a16="http://schemas.microsoft.com/office/drawing/2014/main" id="{33311990-7D60-3840-158D-9E9EA75B8226}"/>
+              </a:ext>
+            </a:extLst>
+          </p:cNvPr>
+          <p:cNvPicPr>
+            <a:picLocks noChangeAspect="1"/>
+          </p:cNvPicPr>
+          <p:nvPr/>
+        </p:nvPicPr>
+        <p:blipFill>
+          <a:blip r:embed="rId2"/>
+          <a:stretch>
+            <a:fillRect/>
+          </a:stretch>
+        </p:blipFill>
+        <p:spPr>
+          <a:xfrm>
+            <a:off x="0" y="157531"/>
+            <a:ext cx="12192000" cy="6542938"/>
+          </a:xfrm>
+          <a:prstGeom prst="rect">
+            <a:avLst/>
+          </a:prstGeom>
+        </p:spPr>
+      </p:pic>
+    </p:spTree>
+    <p:extLst>
+      <p:ext uri="{BB962C8B-B14F-4D97-AF65-F5344CB8AC3E}">
+        <p14:creationId xmlns:p14="http://schemas.microsoft.com/office/powerpoint/2010/main" val="3833744643"/>
+      </p:ext>
+    </p:extLst>
+  </p:cSld>
+  <p:clrMapOvr>
+    <a:masterClrMapping/>
+  </p:clrMapOvr>
+</p:sld>
+</file>
+
+<file path=ppt/slides/slide19.xml><?xml version="1.0" encoding="utf-8"?>
+<p:sld xmlns:a="http://schemas.openxmlformats.org/drawingml/2006/main" xmlns:r="http://schemas.openxmlformats.org/officeDocument/2006/relationships" xmlns:p="http://schemas.openxmlformats.org/presentationml/2006/main">
+  <p:cSld>
+    <p:spTree>
+      <p:nvGrpSpPr>
+        <p:cNvPr id="1" name=""/>
+        <p:cNvGrpSpPr/>
+        <p:nvPr/>
+      </p:nvGrpSpPr>
+      <p:grpSpPr>
+        <a:xfrm>
+          <a:off x="0" y="0"/>
+          <a:ext cx="0" cy="0"/>
+          <a:chOff x="0" y="0"/>
+          <a:chExt cx="0" cy="0"/>
+        </a:xfrm>
+      </p:grpSpPr>
+      <p:sp>
+        <p:nvSpPr>
+          <p:cNvPr id="2" name="Title 1">
+            <a:extLst>
+              <a:ext uri="{FF2B5EF4-FFF2-40B4-BE49-F238E27FC236}">
+                <a16:creationId xmlns:a16="http://schemas.microsoft.com/office/drawing/2014/main" id="{0856184E-8C19-97D5-C87A-0A3805914E6E}"/>
+              </a:ext>
+            </a:extLst>
+          </p:cNvPr>
+          <p:cNvSpPr>
+            <a:spLocks noGrp="1"/>
+          </p:cNvSpPr>
+          <p:nvPr>
+            <p:ph type="title"/>
+          </p:nvPr>
+        </p:nvSpPr>
+        <p:spPr/>
+        <p:txBody>
+          <a:bodyPr/>
+          <a:lstStyle/>
+          <a:p>
+            <a:endParaRPr lang="hr-HR"/>
+          </a:p>
+        </p:txBody>
+      </p:sp>
+      <p:sp>
+        <p:nvSpPr>
+          <p:cNvPr id="3" name="Content Placeholder 2">
+            <a:extLst>
+              <a:ext uri="{FF2B5EF4-FFF2-40B4-BE49-F238E27FC236}">
+                <a16:creationId xmlns:a16="http://schemas.microsoft.com/office/drawing/2014/main" id="{D6EFFD95-0A3C-B505-7689-CE16F7961781}"/>
+              </a:ext>
+            </a:extLst>
+          </p:cNvPr>
+          <p:cNvSpPr>
+            <a:spLocks noGrp="1"/>
+          </p:cNvSpPr>
+          <p:nvPr>
+            <p:ph idx="1"/>
+          </p:nvPr>
+        </p:nvSpPr>
+        <p:spPr/>
+        <p:txBody>
+          <a:bodyPr/>
+          <a:lstStyle/>
+          <a:p>
+            <a:endParaRPr lang="hr-HR"/>
+          </a:p>
+        </p:txBody>
+      </p:sp>
+      <p:pic>
+        <p:nvPicPr>
+          <p:cNvPr id="5" name="Picture 4">
+            <a:extLst>
+              <a:ext uri="{FF2B5EF4-FFF2-40B4-BE49-F238E27FC236}">
+                <a16:creationId xmlns:a16="http://schemas.microsoft.com/office/drawing/2014/main" id="{B44FCB37-879E-B9A9-BD91-1163DF8D8E38}"/>
+              </a:ext>
+            </a:extLst>
+          </p:cNvPr>
+          <p:cNvPicPr>
+            <a:picLocks noChangeAspect="1"/>
+          </p:cNvPicPr>
+          <p:nvPr/>
+        </p:nvPicPr>
+        <p:blipFill>
+          <a:blip r:embed="rId2"/>
+          <a:stretch>
+            <a:fillRect/>
+          </a:stretch>
+        </p:blipFill>
+        <p:spPr>
+          <a:xfrm>
+            <a:off x="0" y="0"/>
+            <a:ext cx="12192000" cy="6858000"/>
+          </a:xfrm>
+          <a:prstGeom prst="rect">
+            <a:avLst/>
+          </a:prstGeom>
+        </p:spPr>
+      </p:pic>
+    </p:spTree>
+    <p:extLst>
+      <p:ext uri="{BB962C8B-B14F-4D97-AF65-F5344CB8AC3E}">
+        <p14:creationId xmlns:p14="http://schemas.microsoft.com/office/powerpoint/2010/main" val="1993541370"/>
       </p:ext>
     </p:extLst>
   </p:cSld>
@@ -4011,7 +5679,7 @@
           <p:cNvPr id="2" name="Title 1">
             <a:extLst>
               <a:ext uri="{FF2B5EF4-FFF2-40B4-BE49-F238E27FC236}">
-                <a16:creationId xmlns:a16="http://schemas.microsoft.com/office/drawing/2014/main" id="{89DBFC16-31B3-5773-10B3-61BB3BF74170}"/>
+                <a16:creationId xmlns:a16="http://schemas.microsoft.com/office/drawing/2014/main" id="{36D6D314-A94B-00BE-24E2-25E8DC925512}"/>
               </a:ext>
             </a:extLst>
           </p:cNvPr>
@@ -4022,14 +5690,19 @@
             <p:ph type="title"/>
           </p:nvPr>
         </p:nvSpPr>
-        <p:spPr/>
+        <p:spPr>
+          <a:xfrm>
+            <a:off x="838200" y="365126"/>
+            <a:ext cx="10515600" cy="878728"/>
+          </a:xfrm>
+        </p:spPr>
         <p:txBody>
           <a:bodyPr/>
           <a:lstStyle/>
           <a:p>
             <a:r>
               <a:rPr lang="hr-HR" dirty="0"/>
-              <a:t>Funkcionalni zahtjevi</a:t>
+              <a:t>Opis aplikacije</a:t>
             </a:r>
           </a:p>
         </p:txBody>
@@ -4039,7 +5712,7 @@
           <p:cNvPr id="3" name="Content Placeholder 2">
             <a:extLst>
               <a:ext uri="{FF2B5EF4-FFF2-40B4-BE49-F238E27FC236}">
-                <a16:creationId xmlns:a16="http://schemas.microsoft.com/office/drawing/2014/main" id="{7D598172-2E0D-89AE-B88C-856D5B88A0B4}"/>
+                <a16:creationId xmlns:a16="http://schemas.microsoft.com/office/drawing/2014/main" id="{FAFBD6DF-431A-7417-7865-30DF42259256}"/>
               </a:ext>
             </a:extLst>
           </p:cNvPr>
@@ -4050,194 +5723,1356 @@
             <p:ph idx="1"/>
           </p:nvPr>
         </p:nvSpPr>
-        <p:spPr/>
+        <p:spPr>
+          <a:xfrm>
+            <a:off x="838200" y="1351429"/>
+            <a:ext cx="10515600" cy="4825534"/>
+          </a:xfrm>
+        </p:spPr>
         <p:txBody>
           <a:bodyPr/>
           <a:lstStyle/>
           <a:p>
-            <a:pPr marL="457200" marR="0" lvl="1" indent="0" algn="just">
-              <a:spcBef>
-                <a:spcPts val="0"/>
-              </a:spcBef>
-              <a:spcAft>
-                <a:spcPts val="600"/>
-              </a:spcAft>
-              <a:buNone/>
-            </a:pPr>
-            <a:r>
-              <a:rPr lang="hr-HR" sz="1800" b="1" dirty="0">
-                <a:effectLst/>
-                <a:latin typeface="Times New Roman" panose="02020603050405020304" pitchFamily="18" charset="0"/>
-                <a:ea typeface="Times New Roman" panose="02020603050405020304" pitchFamily="18" charset="0"/>
-              </a:rPr>
-              <a:t>Registracija korisnika – </a:t>
-            </a:r>
-            <a:r>
-              <a:rPr lang="hr-HR" sz="1800" dirty="0">
-                <a:effectLst/>
-                <a:latin typeface="Times New Roman" panose="02020603050405020304" pitchFamily="18" charset="0"/>
-                <a:ea typeface="Times New Roman" panose="02020603050405020304" pitchFamily="18" charset="0"/>
-              </a:rPr>
-              <a:t>korisnik može stvoriti vlastit korisnički račun</a:t>
-            </a:r>
-          </a:p>
-          <a:p>
-            <a:pPr marL="457200" marR="0" lvl="1" indent="0" algn="just">
-              <a:spcBef>
-                <a:spcPts val="0"/>
-              </a:spcBef>
-              <a:spcAft>
-                <a:spcPts val="600"/>
-              </a:spcAft>
-              <a:buNone/>
-            </a:pPr>
-            <a:r>
-              <a:rPr lang="hr-HR" sz="1800" b="1" dirty="0">
-                <a:effectLst/>
-                <a:latin typeface="Times New Roman" panose="02020603050405020304" pitchFamily="18" charset="0"/>
-                <a:ea typeface="Times New Roman" panose="02020603050405020304" pitchFamily="18" charset="0"/>
-              </a:rPr>
-              <a:t>Stvaranje objave – </a:t>
-            </a:r>
-            <a:r>
-              <a:rPr lang="hr-HR" sz="1800" dirty="0" err="1">
-                <a:effectLst/>
-                <a:latin typeface="Times New Roman" panose="02020603050405020304" pitchFamily="18" charset="0"/>
-                <a:ea typeface="Times New Roman" panose="02020603050405020304" pitchFamily="18" charset="0"/>
-              </a:rPr>
-              <a:t>registirani</a:t>
-            </a:r>
-            <a:r>
-              <a:rPr lang="hr-HR" sz="1800" dirty="0">
-                <a:effectLst/>
-                <a:latin typeface="Times New Roman" panose="02020603050405020304" pitchFamily="18" charset="0"/>
-                <a:ea typeface="Times New Roman" panose="02020603050405020304" pitchFamily="18" charset="0"/>
-              </a:rPr>
-              <a:t> i prijavljeni korisnik može stvoriti vlastitu objavu koja se sastoji od naslova, teksta i/ili slike i vidljiva je drugim korisnicima</a:t>
-            </a:r>
-          </a:p>
-          <a:p>
-            <a:pPr marL="457200" marR="0" lvl="1" indent="0" algn="just">
-              <a:spcBef>
-                <a:spcPts val="0"/>
-              </a:spcBef>
-              <a:spcAft>
-                <a:spcPts val="600"/>
-              </a:spcAft>
-              <a:buNone/>
-            </a:pPr>
-            <a:r>
-              <a:rPr lang="hr-HR" sz="1800" b="1" dirty="0">
-                <a:effectLst/>
-                <a:latin typeface="Times New Roman" panose="02020603050405020304" pitchFamily="18" charset="0"/>
-                <a:ea typeface="Times New Roman" panose="02020603050405020304" pitchFamily="18" charset="0"/>
-              </a:rPr>
-              <a:t>Komentiranje objave – </a:t>
-            </a:r>
-            <a:r>
-              <a:rPr lang="hr-HR" sz="1800" dirty="0">
-                <a:effectLst/>
-                <a:latin typeface="Times New Roman" panose="02020603050405020304" pitchFamily="18" charset="0"/>
-                <a:ea typeface="Times New Roman" panose="02020603050405020304" pitchFamily="18" charset="0"/>
-              </a:rPr>
-              <a:t>prijavljeni korisnik može na proizvoljnoj objavi ostaviti tekstualni komentar</a:t>
-            </a:r>
-          </a:p>
-          <a:p>
-            <a:pPr marL="457200" marR="0" lvl="1" indent="0" algn="just">
-              <a:spcBef>
-                <a:spcPts val="0"/>
-              </a:spcBef>
-              <a:spcAft>
-                <a:spcPts val="600"/>
-              </a:spcAft>
-              <a:buNone/>
-            </a:pPr>
-            <a:r>
-              <a:rPr lang="hr-HR" sz="1800" b="1" dirty="0">
-                <a:effectLst/>
-                <a:latin typeface="Times New Roman" panose="02020603050405020304" pitchFamily="18" charset="0"/>
-                <a:ea typeface="Times New Roman" panose="02020603050405020304" pitchFamily="18" charset="0"/>
-              </a:rPr>
-              <a:t>Reakcija na objavu – </a:t>
-            </a:r>
-            <a:r>
-              <a:rPr lang="hr-HR" sz="1800" dirty="0">
-                <a:effectLst/>
-                <a:latin typeface="Times New Roman" panose="02020603050405020304" pitchFamily="18" charset="0"/>
-                <a:ea typeface="Times New Roman" panose="02020603050405020304" pitchFamily="18" charset="0"/>
-              </a:rPr>
-              <a:t>prijavljeni korisnik na </a:t>
-            </a:r>
-            <a:r>
-              <a:rPr lang="hr-HR" sz="1800" dirty="0" err="1">
-                <a:effectLst/>
-                <a:latin typeface="Times New Roman" panose="02020603050405020304" pitchFamily="18" charset="0"/>
-                <a:ea typeface="Times New Roman" panose="02020603050405020304" pitchFamily="18" charset="0"/>
-              </a:rPr>
-              <a:t>porizvoljnoj</a:t>
-            </a:r>
-            <a:r>
-              <a:rPr lang="hr-HR" sz="1800" dirty="0">
-                <a:effectLst/>
-                <a:latin typeface="Times New Roman" panose="02020603050405020304" pitchFamily="18" charset="0"/>
-                <a:ea typeface="Times New Roman" panose="02020603050405020304" pitchFamily="18" charset="0"/>
-              </a:rPr>
-              <a:t> objavi može ostaviti reakciju u obliku oznake „Sviđa mi se“.</a:t>
-            </a:r>
-          </a:p>
-          <a:p>
-            <a:pPr marL="457200" marR="0" lvl="1" indent="0" algn="just">
-              <a:spcBef>
-                <a:spcPts val="0"/>
-              </a:spcBef>
-              <a:spcAft>
-                <a:spcPts val="600"/>
-              </a:spcAft>
-              <a:buNone/>
-            </a:pPr>
-            <a:r>
-              <a:rPr lang="hr-HR" sz="1800" b="1" dirty="0">
-                <a:effectLst/>
-                <a:latin typeface="Times New Roman" panose="02020603050405020304" pitchFamily="18" charset="0"/>
-                <a:ea typeface="Times New Roman" panose="02020603050405020304" pitchFamily="18" charset="0"/>
-              </a:rPr>
-              <a:t>Praćenje drugih korisnika – </a:t>
-            </a:r>
-            <a:r>
-              <a:rPr lang="hr-HR" sz="1800" dirty="0">
-                <a:effectLst/>
-                <a:latin typeface="Times New Roman" panose="02020603050405020304" pitchFamily="18" charset="0"/>
-                <a:ea typeface="Times New Roman" panose="02020603050405020304" pitchFamily="18" charset="0"/>
-              </a:rPr>
-              <a:t>prijavljeni korisnik može pratiti korisnički račun drugog korisnika u svrhu veće vidljivosti objava </a:t>
-            </a:r>
-            <a:r>
-              <a:rPr lang="hr-HR" sz="1800" dirty="0" err="1">
-                <a:effectLst/>
-                <a:latin typeface="Times New Roman" panose="02020603050405020304" pitchFamily="18" charset="0"/>
-                <a:ea typeface="Times New Roman" panose="02020603050405020304" pitchFamily="18" charset="0"/>
-              </a:rPr>
-              <a:t>pračenog</a:t>
-            </a:r>
-            <a:r>
-              <a:rPr lang="hr-HR" sz="1800" dirty="0">
-                <a:effectLst/>
-                <a:latin typeface="Times New Roman" panose="02020603050405020304" pitchFamily="18" charset="0"/>
-                <a:ea typeface="Times New Roman" panose="02020603050405020304" pitchFamily="18" charset="0"/>
-              </a:rPr>
-              <a:t> korisnika</a:t>
-            </a:r>
-          </a:p>
-          <a:p>
-            <a:endParaRPr lang="hr-HR" dirty="0"/>
+            <a:r>
+              <a:rPr lang="hr-HR" dirty="0"/>
+              <a:t>WEB aplikacija</a:t>
+            </a:r>
+          </a:p>
+          <a:p>
+            <a:r>
+              <a:rPr lang="hr-HR" dirty="0"/>
+              <a:t>Postavljanje objava u obliku teksta i/ili slike</a:t>
+            </a:r>
+          </a:p>
+          <a:p>
+            <a:r>
+              <a:rPr lang="hr-HR" dirty="0"/>
+              <a:t>Mogućnost komentiranja objava </a:t>
+            </a:r>
+          </a:p>
+          <a:p>
+            <a:r>
+              <a:rPr lang="hr-HR" dirty="0"/>
+              <a:t>Ostavljanje reakcije na objavama i komentarima</a:t>
+            </a:r>
+          </a:p>
+          <a:p>
+            <a:r>
+              <a:rPr lang="hr-HR" dirty="0"/>
+              <a:t>Praćenje profila drugih korisnika kako bi prije vidjeli njihove objave</a:t>
+            </a:r>
           </a:p>
         </p:txBody>
       </p:sp>
     </p:spTree>
     <p:extLst>
       <p:ext uri="{BB962C8B-B14F-4D97-AF65-F5344CB8AC3E}">
-        <p14:creationId xmlns:p14="http://schemas.microsoft.com/office/powerpoint/2010/main" val="2703888348"/>
+        <p14:creationId xmlns:p14="http://schemas.microsoft.com/office/powerpoint/2010/main" val="4109929126"/>
+      </p:ext>
+    </p:extLst>
+  </p:cSld>
+  <p:clrMapOvr>
+    <a:masterClrMapping/>
+  </p:clrMapOvr>
+</p:sld>
+</file>
+
+<file path=ppt/slides/slide20.xml><?xml version="1.0" encoding="utf-8"?>
+<p:sld xmlns:a="http://schemas.openxmlformats.org/drawingml/2006/main" xmlns:r="http://schemas.openxmlformats.org/officeDocument/2006/relationships" xmlns:p="http://schemas.openxmlformats.org/presentationml/2006/main">
+  <p:cSld>
+    <p:spTree>
+      <p:nvGrpSpPr>
+        <p:cNvPr id="1" name=""/>
+        <p:cNvGrpSpPr/>
+        <p:nvPr/>
+      </p:nvGrpSpPr>
+      <p:grpSpPr>
+        <a:xfrm>
+          <a:off x="0" y="0"/>
+          <a:ext cx="0" cy="0"/>
+          <a:chOff x="0" y="0"/>
+          <a:chExt cx="0" cy="0"/>
+        </a:xfrm>
+      </p:grpSpPr>
+      <p:sp>
+        <p:nvSpPr>
+          <p:cNvPr id="2" name="Title 1">
+            <a:extLst>
+              <a:ext uri="{FF2B5EF4-FFF2-40B4-BE49-F238E27FC236}">
+                <a16:creationId xmlns:a16="http://schemas.microsoft.com/office/drawing/2014/main" id="{EE37808F-D1ED-9C40-A5AA-106694582196}"/>
+              </a:ext>
+            </a:extLst>
+          </p:cNvPr>
+          <p:cNvSpPr>
+            <a:spLocks noGrp="1"/>
+          </p:cNvSpPr>
+          <p:nvPr>
+            <p:ph type="title"/>
+          </p:nvPr>
+        </p:nvSpPr>
+        <p:spPr/>
+        <p:txBody>
+          <a:bodyPr/>
+          <a:lstStyle/>
+          <a:p>
+            <a:endParaRPr lang="hr-HR"/>
+          </a:p>
+        </p:txBody>
+      </p:sp>
+      <p:sp>
+        <p:nvSpPr>
+          <p:cNvPr id="3" name="Content Placeholder 2">
+            <a:extLst>
+              <a:ext uri="{FF2B5EF4-FFF2-40B4-BE49-F238E27FC236}">
+                <a16:creationId xmlns:a16="http://schemas.microsoft.com/office/drawing/2014/main" id="{9C537711-C2F2-A6A6-A5EA-A7629BDC4920}"/>
+              </a:ext>
+            </a:extLst>
+          </p:cNvPr>
+          <p:cNvSpPr>
+            <a:spLocks noGrp="1"/>
+          </p:cNvSpPr>
+          <p:nvPr>
+            <p:ph idx="1"/>
+          </p:nvPr>
+        </p:nvSpPr>
+        <p:spPr/>
+        <p:txBody>
+          <a:bodyPr/>
+          <a:lstStyle/>
+          <a:p>
+            <a:endParaRPr lang="hr-HR"/>
+          </a:p>
+        </p:txBody>
+      </p:sp>
+      <p:pic>
+        <p:nvPicPr>
+          <p:cNvPr id="5" name="Picture 4">
+            <a:extLst>
+              <a:ext uri="{FF2B5EF4-FFF2-40B4-BE49-F238E27FC236}">
+                <a16:creationId xmlns:a16="http://schemas.microsoft.com/office/drawing/2014/main" id="{E8E7D6C7-E261-19D6-E203-CC2A8E1141FA}"/>
+              </a:ext>
+            </a:extLst>
+          </p:cNvPr>
+          <p:cNvPicPr>
+            <a:picLocks noChangeAspect="1"/>
+          </p:cNvPicPr>
+          <p:nvPr/>
+        </p:nvPicPr>
+        <p:blipFill>
+          <a:blip r:embed="rId2"/>
+          <a:stretch>
+            <a:fillRect/>
+          </a:stretch>
+        </p:blipFill>
+        <p:spPr>
+          <a:xfrm>
+            <a:off x="0" y="0"/>
+            <a:ext cx="12191999" cy="6858000"/>
+          </a:xfrm>
+          <a:prstGeom prst="rect">
+            <a:avLst/>
+          </a:prstGeom>
+        </p:spPr>
+      </p:pic>
+    </p:spTree>
+    <p:extLst>
+      <p:ext uri="{BB962C8B-B14F-4D97-AF65-F5344CB8AC3E}">
+        <p14:creationId xmlns:p14="http://schemas.microsoft.com/office/powerpoint/2010/main" val="3738723571"/>
+      </p:ext>
+    </p:extLst>
+  </p:cSld>
+  <p:clrMapOvr>
+    <a:masterClrMapping/>
+  </p:clrMapOvr>
+</p:sld>
+</file>
+
+<file path=ppt/slides/slide21.xml><?xml version="1.0" encoding="utf-8"?>
+<p:sld xmlns:a="http://schemas.openxmlformats.org/drawingml/2006/main" xmlns:r="http://schemas.openxmlformats.org/officeDocument/2006/relationships" xmlns:p="http://schemas.openxmlformats.org/presentationml/2006/main">
+  <p:cSld>
+    <p:spTree>
+      <p:nvGrpSpPr>
+        <p:cNvPr id="1" name=""/>
+        <p:cNvGrpSpPr/>
+        <p:nvPr/>
+      </p:nvGrpSpPr>
+      <p:grpSpPr>
+        <a:xfrm>
+          <a:off x="0" y="0"/>
+          <a:ext cx="0" cy="0"/>
+          <a:chOff x="0" y="0"/>
+          <a:chExt cx="0" cy="0"/>
+        </a:xfrm>
+      </p:grpSpPr>
+      <p:sp>
+        <p:nvSpPr>
+          <p:cNvPr id="2" name="Title 1">
+            <a:extLst>
+              <a:ext uri="{FF2B5EF4-FFF2-40B4-BE49-F238E27FC236}">
+                <a16:creationId xmlns:a16="http://schemas.microsoft.com/office/drawing/2014/main" id="{B8773A31-046B-C5CA-B539-287F50D6129E}"/>
+              </a:ext>
+            </a:extLst>
+          </p:cNvPr>
+          <p:cNvSpPr>
+            <a:spLocks noGrp="1"/>
+          </p:cNvSpPr>
+          <p:nvPr>
+            <p:ph type="title"/>
+          </p:nvPr>
+        </p:nvSpPr>
+        <p:spPr/>
+        <p:txBody>
+          <a:bodyPr/>
+          <a:lstStyle/>
+          <a:p>
+            <a:endParaRPr lang="hr-HR"/>
+          </a:p>
+        </p:txBody>
+      </p:sp>
+      <p:sp>
+        <p:nvSpPr>
+          <p:cNvPr id="3" name="Content Placeholder 2">
+            <a:extLst>
+              <a:ext uri="{FF2B5EF4-FFF2-40B4-BE49-F238E27FC236}">
+                <a16:creationId xmlns:a16="http://schemas.microsoft.com/office/drawing/2014/main" id="{83E79730-6ED1-DB86-E5DF-691C859C8E1E}"/>
+              </a:ext>
+            </a:extLst>
+          </p:cNvPr>
+          <p:cNvSpPr>
+            <a:spLocks noGrp="1"/>
+          </p:cNvSpPr>
+          <p:nvPr>
+            <p:ph idx="1"/>
+          </p:nvPr>
+        </p:nvSpPr>
+        <p:spPr/>
+        <p:txBody>
+          <a:bodyPr/>
+          <a:lstStyle/>
+          <a:p>
+            <a:endParaRPr lang="hr-HR"/>
+          </a:p>
+        </p:txBody>
+      </p:sp>
+      <p:pic>
+        <p:nvPicPr>
+          <p:cNvPr id="5" name="Picture 4">
+            <a:extLst>
+              <a:ext uri="{FF2B5EF4-FFF2-40B4-BE49-F238E27FC236}">
+                <a16:creationId xmlns:a16="http://schemas.microsoft.com/office/drawing/2014/main" id="{15B560CA-FFF5-EB4F-6ED5-84A3CB98ABEA}"/>
+              </a:ext>
+            </a:extLst>
+          </p:cNvPr>
+          <p:cNvPicPr>
+            <a:picLocks noChangeAspect="1"/>
+          </p:cNvPicPr>
+          <p:nvPr/>
+        </p:nvPicPr>
+        <p:blipFill>
+          <a:blip r:embed="rId2"/>
+          <a:stretch>
+            <a:fillRect/>
+          </a:stretch>
+        </p:blipFill>
+        <p:spPr>
+          <a:xfrm>
+            <a:off x="-143624" y="0"/>
+            <a:ext cx="12335623" cy="6858000"/>
+          </a:xfrm>
+          <a:prstGeom prst="rect">
+            <a:avLst/>
+          </a:prstGeom>
+        </p:spPr>
+      </p:pic>
+    </p:spTree>
+    <p:extLst>
+      <p:ext uri="{BB962C8B-B14F-4D97-AF65-F5344CB8AC3E}">
+        <p14:creationId xmlns:p14="http://schemas.microsoft.com/office/powerpoint/2010/main" val="2596343964"/>
+      </p:ext>
+    </p:extLst>
+  </p:cSld>
+  <p:clrMapOvr>
+    <a:masterClrMapping/>
+  </p:clrMapOvr>
+</p:sld>
+</file>
+
+<file path=ppt/slides/slide22.xml><?xml version="1.0" encoding="utf-8"?>
+<p:sld xmlns:a="http://schemas.openxmlformats.org/drawingml/2006/main" xmlns:r="http://schemas.openxmlformats.org/officeDocument/2006/relationships" xmlns:p="http://schemas.openxmlformats.org/presentationml/2006/main">
+  <p:cSld>
+    <p:spTree>
+      <p:nvGrpSpPr>
+        <p:cNvPr id="1" name=""/>
+        <p:cNvGrpSpPr/>
+        <p:nvPr/>
+      </p:nvGrpSpPr>
+      <p:grpSpPr>
+        <a:xfrm>
+          <a:off x="0" y="0"/>
+          <a:ext cx="0" cy="0"/>
+          <a:chOff x="0" y="0"/>
+          <a:chExt cx="0" cy="0"/>
+        </a:xfrm>
+      </p:grpSpPr>
+      <p:sp>
+        <p:nvSpPr>
+          <p:cNvPr id="2" name="Title 1">
+            <a:extLst>
+              <a:ext uri="{FF2B5EF4-FFF2-40B4-BE49-F238E27FC236}">
+                <a16:creationId xmlns:a16="http://schemas.microsoft.com/office/drawing/2014/main" id="{BAF34B7B-D282-30DD-2DE4-96D9EC4580B7}"/>
+              </a:ext>
+            </a:extLst>
+          </p:cNvPr>
+          <p:cNvSpPr>
+            <a:spLocks noGrp="1"/>
+          </p:cNvSpPr>
+          <p:nvPr>
+            <p:ph type="title"/>
+          </p:nvPr>
+        </p:nvSpPr>
+        <p:spPr/>
+        <p:txBody>
+          <a:bodyPr/>
+          <a:lstStyle/>
+          <a:p>
+            <a:endParaRPr lang="hr-HR"/>
+          </a:p>
+        </p:txBody>
+      </p:sp>
+      <p:sp>
+        <p:nvSpPr>
+          <p:cNvPr id="3" name="Content Placeholder 2">
+            <a:extLst>
+              <a:ext uri="{FF2B5EF4-FFF2-40B4-BE49-F238E27FC236}">
+                <a16:creationId xmlns:a16="http://schemas.microsoft.com/office/drawing/2014/main" id="{17D8D705-6589-9206-548C-95B76C33C133}"/>
+              </a:ext>
+            </a:extLst>
+          </p:cNvPr>
+          <p:cNvSpPr>
+            <a:spLocks noGrp="1"/>
+          </p:cNvSpPr>
+          <p:nvPr>
+            <p:ph idx="1"/>
+          </p:nvPr>
+        </p:nvSpPr>
+        <p:spPr/>
+        <p:txBody>
+          <a:bodyPr/>
+          <a:lstStyle/>
+          <a:p>
+            <a:endParaRPr lang="hr-HR"/>
+          </a:p>
+        </p:txBody>
+      </p:sp>
+      <p:pic>
+        <p:nvPicPr>
+          <p:cNvPr id="5" name="Picture 4">
+            <a:extLst>
+              <a:ext uri="{FF2B5EF4-FFF2-40B4-BE49-F238E27FC236}">
+                <a16:creationId xmlns:a16="http://schemas.microsoft.com/office/drawing/2014/main" id="{3DF82114-77DC-1921-DF4E-E60082327890}"/>
+              </a:ext>
+            </a:extLst>
+          </p:cNvPr>
+          <p:cNvPicPr>
+            <a:picLocks noChangeAspect="1"/>
+          </p:cNvPicPr>
+          <p:nvPr/>
+        </p:nvPicPr>
+        <p:blipFill>
+          <a:blip r:embed="rId2"/>
+          <a:stretch>
+            <a:fillRect/>
+          </a:stretch>
+        </p:blipFill>
+        <p:spPr>
+          <a:xfrm>
+            <a:off x="0" y="0"/>
+            <a:ext cx="12192000" cy="6858000"/>
+          </a:xfrm>
+          <a:prstGeom prst="rect">
+            <a:avLst/>
+          </a:prstGeom>
+        </p:spPr>
+      </p:pic>
+    </p:spTree>
+    <p:extLst>
+      <p:ext uri="{BB962C8B-B14F-4D97-AF65-F5344CB8AC3E}">
+        <p14:creationId xmlns:p14="http://schemas.microsoft.com/office/powerpoint/2010/main" val="2151673225"/>
+      </p:ext>
+    </p:extLst>
+  </p:cSld>
+  <p:clrMapOvr>
+    <a:masterClrMapping/>
+  </p:clrMapOvr>
+</p:sld>
+</file>
+
+<file path=ppt/slides/slide23.xml><?xml version="1.0" encoding="utf-8"?>
+<p:sld xmlns:a="http://schemas.openxmlformats.org/drawingml/2006/main" xmlns:r="http://schemas.openxmlformats.org/officeDocument/2006/relationships" xmlns:p="http://schemas.openxmlformats.org/presentationml/2006/main">
+  <p:cSld>
+    <p:spTree>
+      <p:nvGrpSpPr>
+        <p:cNvPr id="1" name=""/>
+        <p:cNvGrpSpPr/>
+        <p:nvPr/>
+      </p:nvGrpSpPr>
+      <p:grpSpPr>
+        <a:xfrm>
+          <a:off x="0" y="0"/>
+          <a:ext cx="0" cy="0"/>
+          <a:chOff x="0" y="0"/>
+          <a:chExt cx="0" cy="0"/>
+        </a:xfrm>
+      </p:grpSpPr>
+      <p:sp>
+        <p:nvSpPr>
+          <p:cNvPr id="2" name="Title 1">
+            <a:extLst>
+              <a:ext uri="{FF2B5EF4-FFF2-40B4-BE49-F238E27FC236}">
+                <a16:creationId xmlns:a16="http://schemas.microsoft.com/office/drawing/2014/main" id="{A6E9FA1A-64CF-D05C-DC8A-52357187058D}"/>
+              </a:ext>
+            </a:extLst>
+          </p:cNvPr>
+          <p:cNvSpPr>
+            <a:spLocks noGrp="1"/>
+          </p:cNvSpPr>
+          <p:nvPr>
+            <p:ph type="title"/>
+          </p:nvPr>
+        </p:nvSpPr>
+        <p:spPr>
+          <a:xfrm>
+            <a:off x="381000" y="18255"/>
+            <a:ext cx="10515600" cy="1325563"/>
+          </a:xfrm>
+        </p:spPr>
+        <p:txBody>
+          <a:bodyPr>
+            <a:normAutofit/>
+          </a:bodyPr>
+          <a:lstStyle/>
+          <a:p>
+            <a:r>
+              <a:rPr lang="hr-HR" sz="3000" dirty="0"/>
+              <a:t>Problemi upotrebljivosti iz samostalne analize </a:t>
+            </a:r>
+            <a:r>
+              <a:rPr lang="hr-HR" sz="3000" dirty="0" err="1"/>
+              <a:t>protipa</a:t>
+            </a:r>
+            <a:endParaRPr lang="hr-HR" sz="3000" dirty="0"/>
+          </a:p>
+        </p:txBody>
+      </p:sp>
+      <p:sp>
+        <p:nvSpPr>
+          <p:cNvPr id="3" name="Content Placeholder 2">
+            <a:extLst>
+              <a:ext uri="{FF2B5EF4-FFF2-40B4-BE49-F238E27FC236}">
+                <a16:creationId xmlns:a16="http://schemas.microsoft.com/office/drawing/2014/main" id="{D6A0272C-9AFB-A8F9-16C8-72BFC5ACBF7C}"/>
+              </a:ext>
+            </a:extLst>
+          </p:cNvPr>
+          <p:cNvSpPr>
+            <a:spLocks noGrp="1"/>
+          </p:cNvSpPr>
+          <p:nvPr>
+            <p:ph idx="1"/>
+          </p:nvPr>
+        </p:nvSpPr>
+        <p:spPr>
+          <a:xfrm>
+            <a:off x="381000" y="1076325"/>
+            <a:ext cx="10515600" cy="4929188"/>
+          </a:xfrm>
+        </p:spPr>
+        <p:txBody>
+          <a:bodyPr>
+            <a:normAutofit lnSpcReduction="10000"/>
+          </a:bodyPr>
+          <a:lstStyle/>
+          <a:p>
+            <a:r>
+              <a:rPr lang="hr-HR" dirty="0"/>
+              <a:t>Neprilagođenost za mobilne uređaje</a:t>
+            </a:r>
+          </a:p>
+          <a:p>
+            <a:r>
+              <a:rPr lang="hr-HR" dirty="0"/>
+              <a:t>Siromašna paleta boja</a:t>
+            </a:r>
+          </a:p>
+          <a:p>
+            <a:r>
+              <a:rPr lang="hr-HR" dirty="0"/>
+              <a:t>Nedostatak navigacijske trake</a:t>
+            </a:r>
+          </a:p>
+          <a:p>
+            <a:r>
+              <a:rPr lang="hr-HR" dirty="0"/>
+              <a:t>Neintuitivan raspored elemenata na Home stranici</a:t>
+            </a:r>
+          </a:p>
+          <a:p>
+            <a:r>
+              <a:rPr lang="hr-HR" dirty="0"/>
+              <a:t>Nejasan mehanizam dodavanja fotografije</a:t>
+            </a:r>
+          </a:p>
+          <a:p>
+            <a:r>
+              <a:rPr lang="hr-HR" dirty="0"/>
+              <a:t>Pretraga korisnika nije integrirana u Home </a:t>
+            </a:r>
+            <a:r>
+              <a:rPr lang="hr-HR" dirty="0" err="1"/>
+              <a:t>page</a:t>
+            </a:r>
+            <a:r>
+              <a:rPr lang="hr-HR" dirty="0"/>
+              <a:t>, nego zasebna stranica</a:t>
+            </a:r>
+          </a:p>
+          <a:p>
+            <a:r>
+              <a:rPr lang="hr-HR" dirty="0"/>
+              <a:t>Nedostatak ikona uz </a:t>
+            </a:r>
+            <a:r>
+              <a:rPr lang="hr-HR" dirty="0" err="1"/>
+              <a:t>labele</a:t>
+            </a:r>
+            <a:endParaRPr lang="hr-HR" dirty="0"/>
+          </a:p>
+          <a:p>
+            <a:r>
+              <a:rPr lang="hr-HR" dirty="0"/>
+              <a:t>Nejasan prikaz objava</a:t>
+            </a:r>
+          </a:p>
+          <a:p>
+            <a:r>
+              <a:rPr lang="hr-HR" dirty="0"/>
+              <a:t>Nedostatak sortiranja objava</a:t>
+            </a:r>
+          </a:p>
+        </p:txBody>
+      </p:sp>
+    </p:spTree>
+    <p:extLst>
+      <p:ext uri="{BB962C8B-B14F-4D97-AF65-F5344CB8AC3E}">
+        <p14:creationId xmlns:p14="http://schemas.microsoft.com/office/powerpoint/2010/main" val="1710035667"/>
+      </p:ext>
+    </p:extLst>
+  </p:cSld>
+  <p:clrMapOvr>
+    <a:masterClrMapping/>
+  </p:clrMapOvr>
+</p:sld>
+</file>
+
+<file path=ppt/slides/slide24.xml><?xml version="1.0" encoding="utf-8"?>
+<p:sld xmlns:a="http://schemas.openxmlformats.org/drawingml/2006/main" xmlns:r="http://schemas.openxmlformats.org/officeDocument/2006/relationships" xmlns:p="http://schemas.openxmlformats.org/presentationml/2006/main">
+  <p:cSld>
+    <p:spTree>
+      <p:nvGrpSpPr>
+        <p:cNvPr id="1" name=""/>
+        <p:cNvGrpSpPr/>
+        <p:nvPr/>
+      </p:nvGrpSpPr>
+      <p:grpSpPr>
+        <a:xfrm>
+          <a:off x="0" y="0"/>
+          <a:ext cx="0" cy="0"/>
+          <a:chOff x="0" y="0"/>
+          <a:chExt cx="0" cy="0"/>
+        </a:xfrm>
+      </p:grpSpPr>
+      <p:sp>
+        <p:nvSpPr>
+          <p:cNvPr id="2" name="Title 1">
+            <a:extLst>
+              <a:ext uri="{FF2B5EF4-FFF2-40B4-BE49-F238E27FC236}">
+                <a16:creationId xmlns:a16="http://schemas.microsoft.com/office/drawing/2014/main" id="{D4B5EF92-139C-E1D1-D3A2-9E648A77EAB6}"/>
+              </a:ext>
+            </a:extLst>
+          </p:cNvPr>
+          <p:cNvSpPr>
+            <a:spLocks noGrp="1"/>
+          </p:cNvSpPr>
+          <p:nvPr>
+            <p:ph type="title"/>
+          </p:nvPr>
+        </p:nvSpPr>
+        <p:spPr>
+          <a:xfrm>
+            <a:off x="838200" y="365126"/>
+            <a:ext cx="9172575" cy="901700"/>
+          </a:xfrm>
+        </p:spPr>
+        <p:txBody>
+          <a:bodyPr>
+            <a:normAutofit/>
+          </a:bodyPr>
+          <a:lstStyle/>
+          <a:p>
+            <a:r>
+              <a:rPr lang="hr-HR" sz="3000" dirty="0"/>
+              <a:t>Heurističko vrednovanje</a:t>
+            </a:r>
+          </a:p>
+        </p:txBody>
+      </p:sp>
+      <p:sp>
+        <p:nvSpPr>
+          <p:cNvPr id="3" name="Content Placeholder 2">
+            <a:extLst>
+              <a:ext uri="{FF2B5EF4-FFF2-40B4-BE49-F238E27FC236}">
+                <a16:creationId xmlns:a16="http://schemas.microsoft.com/office/drawing/2014/main" id="{7A2494B6-59E1-CC9A-2F66-71B00E1656F6}"/>
+              </a:ext>
+            </a:extLst>
+          </p:cNvPr>
+          <p:cNvSpPr>
+            <a:spLocks noGrp="1"/>
+          </p:cNvSpPr>
+          <p:nvPr>
+            <p:ph idx="1"/>
+          </p:nvPr>
+        </p:nvSpPr>
+        <p:spPr>
+          <a:xfrm>
+            <a:off x="838200" y="1266826"/>
+            <a:ext cx="10515600" cy="4910137"/>
+          </a:xfrm>
+        </p:spPr>
+        <p:txBody>
+          <a:bodyPr/>
+          <a:lstStyle/>
+          <a:p>
+            <a:r>
+              <a:rPr lang="hr-HR" dirty="0"/>
+              <a:t>Korištena radna bilježnica za heurističko vrednovanje iz prve laboratorijske vježbe</a:t>
+            </a:r>
+          </a:p>
+          <a:p>
+            <a:pPr marL="0" indent="0">
+              <a:buNone/>
+            </a:pPr>
+            <a:endParaRPr lang="hr-HR" dirty="0"/>
+          </a:p>
+        </p:txBody>
+      </p:sp>
+      <p:pic>
+        <p:nvPicPr>
+          <p:cNvPr id="7" name="Picture 6">
+            <a:extLst>
+              <a:ext uri="{FF2B5EF4-FFF2-40B4-BE49-F238E27FC236}">
+                <a16:creationId xmlns:a16="http://schemas.microsoft.com/office/drawing/2014/main" id="{BBCDC0C8-2FFB-09B5-FAD2-77F930CFA99A}"/>
+              </a:ext>
+            </a:extLst>
+          </p:cNvPr>
+          <p:cNvPicPr>
+            <a:picLocks noChangeAspect="1"/>
+          </p:cNvPicPr>
+          <p:nvPr/>
+        </p:nvPicPr>
+        <p:blipFill>
+          <a:blip r:embed="rId2"/>
+          <a:stretch>
+            <a:fillRect/>
+          </a:stretch>
+        </p:blipFill>
+        <p:spPr>
+          <a:xfrm>
+            <a:off x="328132" y="2202445"/>
+            <a:ext cx="6887536" cy="4179305"/>
+          </a:xfrm>
+          <a:prstGeom prst="rect">
+            <a:avLst/>
+          </a:prstGeom>
+        </p:spPr>
+      </p:pic>
+      <p:pic>
+        <p:nvPicPr>
+          <p:cNvPr id="9" name="Picture 8">
+            <a:extLst>
+              <a:ext uri="{FF2B5EF4-FFF2-40B4-BE49-F238E27FC236}">
+                <a16:creationId xmlns:a16="http://schemas.microsoft.com/office/drawing/2014/main" id="{2D32327E-644F-ABAF-EC53-15441064FEC6}"/>
+              </a:ext>
+            </a:extLst>
+          </p:cNvPr>
+          <p:cNvPicPr>
+            <a:picLocks noChangeAspect="1"/>
+          </p:cNvPicPr>
+          <p:nvPr/>
+        </p:nvPicPr>
+        <p:blipFill>
+          <a:blip r:embed="rId3"/>
+          <a:stretch>
+            <a:fillRect/>
+          </a:stretch>
+        </p:blipFill>
+        <p:spPr>
+          <a:xfrm>
+            <a:off x="7352951" y="3009539"/>
+            <a:ext cx="4667600" cy="2581635"/>
+          </a:xfrm>
+          <a:prstGeom prst="rect">
+            <a:avLst/>
+          </a:prstGeom>
+        </p:spPr>
+      </p:pic>
+    </p:spTree>
+    <p:extLst>
+      <p:ext uri="{BB962C8B-B14F-4D97-AF65-F5344CB8AC3E}">
+        <p14:creationId xmlns:p14="http://schemas.microsoft.com/office/powerpoint/2010/main" val="2876916378"/>
+      </p:ext>
+    </p:extLst>
+  </p:cSld>
+  <p:clrMapOvr>
+    <a:masterClrMapping/>
+  </p:clrMapOvr>
+</p:sld>
+</file>
+
+<file path=ppt/slides/slide25.xml><?xml version="1.0" encoding="utf-8"?>
+<p:sld xmlns:a="http://schemas.openxmlformats.org/drawingml/2006/main" xmlns:r="http://schemas.openxmlformats.org/officeDocument/2006/relationships" xmlns:p="http://schemas.openxmlformats.org/presentationml/2006/main">
+  <p:cSld>
+    <p:spTree>
+      <p:nvGrpSpPr>
+        <p:cNvPr id="1" name=""/>
+        <p:cNvGrpSpPr/>
+        <p:nvPr/>
+      </p:nvGrpSpPr>
+      <p:grpSpPr>
+        <a:xfrm>
+          <a:off x="0" y="0"/>
+          <a:ext cx="0" cy="0"/>
+          <a:chOff x="0" y="0"/>
+          <a:chExt cx="0" cy="0"/>
+        </a:xfrm>
+      </p:grpSpPr>
+      <p:sp>
+        <p:nvSpPr>
+          <p:cNvPr id="2" name="Title 1">
+            <a:extLst>
+              <a:ext uri="{FF2B5EF4-FFF2-40B4-BE49-F238E27FC236}">
+                <a16:creationId xmlns:a16="http://schemas.microsoft.com/office/drawing/2014/main" id="{6F67846C-6E8F-BD5D-C5D0-66F1AE6AA31C}"/>
+              </a:ext>
+            </a:extLst>
+          </p:cNvPr>
+          <p:cNvSpPr>
+            <a:spLocks noGrp="1"/>
+          </p:cNvSpPr>
+          <p:nvPr>
+            <p:ph type="title"/>
+          </p:nvPr>
+        </p:nvSpPr>
+        <p:spPr>
+          <a:xfrm>
+            <a:off x="743810" y="18255"/>
+            <a:ext cx="10515600" cy="1325563"/>
+          </a:xfrm>
+        </p:spPr>
+        <p:txBody>
+          <a:bodyPr/>
+          <a:lstStyle/>
+          <a:p>
+            <a:r>
+              <a:rPr lang="hr-HR" dirty="0"/>
+              <a:t>NGOMSL analiza u alatu </a:t>
+            </a:r>
+            <a:r>
+              <a:rPr lang="hr-HR" dirty="0" err="1"/>
+              <a:t>Cogulator</a:t>
+            </a:r>
+            <a:endParaRPr lang="hr-HR" dirty="0"/>
+          </a:p>
+        </p:txBody>
+      </p:sp>
+      <p:pic>
+        <p:nvPicPr>
+          <p:cNvPr id="5" name="Content Placeholder 4" descr="A screenshot of a computer&#10;&#10;Description automatically generated">
+            <a:extLst>
+              <a:ext uri="{FF2B5EF4-FFF2-40B4-BE49-F238E27FC236}">
+                <a16:creationId xmlns:a16="http://schemas.microsoft.com/office/drawing/2014/main" id="{DEF7F560-CB7F-78FB-E51B-9C93C7694AAE}"/>
+              </a:ext>
+            </a:extLst>
+          </p:cNvPr>
+          <p:cNvPicPr>
+            <a:picLocks noGrp="1" noChangeAspect="1"/>
+          </p:cNvPicPr>
+          <p:nvPr>
+            <p:ph idx="1"/>
+          </p:nvPr>
+        </p:nvPicPr>
+        <p:blipFill>
+          <a:blip r:embed="rId2">
+            <a:extLst>
+              <a:ext uri="{28A0092B-C50C-407E-A947-70E740481C1C}">
+                <a14:useLocalDpi xmlns:a14="http://schemas.microsoft.com/office/drawing/2010/main" val="0"/>
+              </a:ext>
+            </a:extLst>
+          </a:blip>
+          <a:stretch>
+            <a:fillRect/>
+          </a:stretch>
+        </p:blipFill>
+        <p:spPr>
+          <a:xfrm>
+            <a:off x="641997" y="1100004"/>
+            <a:ext cx="5091241" cy="4351338"/>
+          </a:xfrm>
+        </p:spPr>
+      </p:pic>
+      <p:pic>
+        <p:nvPicPr>
+          <p:cNvPr id="7" name="Picture 6" descr="A screenshot of a computer&#10;&#10;Description automatically generated">
+            <a:extLst>
+              <a:ext uri="{FF2B5EF4-FFF2-40B4-BE49-F238E27FC236}">
+                <a16:creationId xmlns:a16="http://schemas.microsoft.com/office/drawing/2014/main" id="{068D953E-4B2B-B638-73F7-102251ED0D4E}"/>
+              </a:ext>
+            </a:extLst>
+          </p:cNvPr>
+          <p:cNvPicPr>
+            <a:picLocks noChangeAspect="1"/>
+          </p:cNvPicPr>
+          <p:nvPr/>
+        </p:nvPicPr>
+        <p:blipFill>
+          <a:blip r:embed="rId3">
+            <a:extLst>
+              <a:ext uri="{28A0092B-C50C-407E-A947-70E740481C1C}">
+                <a14:useLocalDpi xmlns:a14="http://schemas.microsoft.com/office/drawing/2010/main" val="0"/>
+              </a:ext>
+            </a:extLst>
+          </a:blip>
+          <a:stretch>
+            <a:fillRect/>
+          </a:stretch>
+        </p:blipFill>
+        <p:spPr>
+          <a:xfrm>
+            <a:off x="5733238" y="1100004"/>
+            <a:ext cx="4887007" cy="4305901"/>
+          </a:xfrm>
+          <a:prstGeom prst="rect">
+            <a:avLst/>
+          </a:prstGeom>
+        </p:spPr>
+      </p:pic>
+    </p:spTree>
+    <p:extLst>
+      <p:ext uri="{BB962C8B-B14F-4D97-AF65-F5344CB8AC3E}">
+        <p14:creationId xmlns:p14="http://schemas.microsoft.com/office/powerpoint/2010/main" val="1508686911"/>
+      </p:ext>
+    </p:extLst>
+  </p:cSld>
+  <p:clrMapOvr>
+    <a:masterClrMapping/>
+  </p:clrMapOvr>
+</p:sld>
+</file>
+
+<file path=ppt/slides/slide26.xml><?xml version="1.0" encoding="utf-8"?>
+<p:sld xmlns:a="http://schemas.openxmlformats.org/drawingml/2006/main" xmlns:r="http://schemas.openxmlformats.org/officeDocument/2006/relationships" xmlns:p="http://schemas.openxmlformats.org/presentationml/2006/main">
+  <p:cSld>
+    <p:spTree>
+      <p:nvGrpSpPr>
+        <p:cNvPr id="1" name=""/>
+        <p:cNvGrpSpPr/>
+        <p:nvPr/>
+      </p:nvGrpSpPr>
+      <p:grpSpPr>
+        <a:xfrm>
+          <a:off x="0" y="0"/>
+          <a:ext cx="0" cy="0"/>
+          <a:chOff x="0" y="0"/>
+          <a:chExt cx="0" cy="0"/>
+        </a:xfrm>
+      </p:grpSpPr>
+      <p:sp>
+        <p:nvSpPr>
+          <p:cNvPr id="8" name="Title 7">
+            <a:extLst>
+              <a:ext uri="{FF2B5EF4-FFF2-40B4-BE49-F238E27FC236}">
+                <a16:creationId xmlns:a16="http://schemas.microsoft.com/office/drawing/2014/main" id="{6F9CEEC1-36DF-7706-4623-40F62CE86699}"/>
+              </a:ext>
+            </a:extLst>
+          </p:cNvPr>
+          <p:cNvSpPr>
+            <a:spLocks noGrp="1"/>
+          </p:cNvSpPr>
+          <p:nvPr>
+            <p:ph type="title"/>
+          </p:nvPr>
+        </p:nvSpPr>
+        <p:spPr/>
+        <p:txBody>
+          <a:bodyPr/>
+          <a:lstStyle/>
+          <a:p>
+            <a:endParaRPr lang="hr-HR" dirty="0"/>
+          </a:p>
+        </p:txBody>
+      </p:sp>
+      <p:pic>
+        <p:nvPicPr>
+          <p:cNvPr id="5" name="Content Placeholder 4" descr="A screenshot of a computer&#10;&#10;Description automatically generated">
+            <a:extLst>
+              <a:ext uri="{FF2B5EF4-FFF2-40B4-BE49-F238E27FC236}">
+                <a16:creationId xmlns:a16="http://schemas.microsoft.com/office/drawing/2014/main" id="{32B7743F-8108-2D7B-5923-750DE9413860}"/>
+              </a:ext>
+            </a:extLst>
+          </p:cNvPr>
+          <p:cNvPicPr>
+            <a:picLocks noGrp="1" noChangeAspect="1"/>
+          </p:cNvPicPr>
+          <p:nvPr>
+            <p:ph idx="1"/>
+          </p:nvPr>
+        </p:nvPicPr>
+        <p:blipFill>
+          <a:blip r:embed="rId2">
+            <a:extLst>
+              <a:ext uri="{28A0092B-C50C-407E-A947-70E740481C1C}">
+                <a14:useLocalDpi xmlns:a14="http://schemas.microsoft.com/office/drawing/2010/main" val="0"/>
+              </a:ext>
+            </a:extLst>
+          </a:blip>
+          <a:stretch>
+            <a:fillRect/>
+          </a:stretch>
+        </p:blipFill>
+        <p:spPr>
+          <a:xfrm>
+            <a:off x="502024" y="144742"/>
+            <a:ext cx="5061850" cy="5906433"/>
+          </a:xfrm>
+        </p:spPr>
+      </p:pic>
+      <p:pic>
+        <p:nvPicPr>
+          <p:cNvPr id="7" name="Picture 6" descr="A screenshot of a computer&#10;&#10;Description automatically generated">
+            <a:extLst>
+              <a:ext uri="{FF2B5EF4-FFF2-40B4-BE49-F238E27FC236}">
+                <a16:creationId xmlns:a16="http://schemas.microsoft.com/office/drawing/2014/main" id="{92F8E602-D714-B99B-C029-31FD178AFDF5}"/>
+              </a:ext>
+            </a:extLst>
+          </p:cNvPr>
+          <p:cNvPicPr>
+            <a:picLocks noChangeAspect="1"/>
+          </p:cNvPicPr>
+          <p:nvPr/>
+        </p:nvPicPr>
+        <p:blipFill>
+          <a:blip r:embed="rId3">
+            <a:extLst>
+              <a:ext uri="{28A0092B-C50C-407E-A947-70E740481C1C}">
+                <a14:useLocalDpi xmlns:a14="http://schemas.microsoft.com/office/drawing/2010/main" val="0"/>
+              </a:ext>
+            </a:extLst>
+          </a:blip>
+          <a:stretch>
+            <a:fillRect/>
+          </a:stretch>
+        </p:blipFill>
+        <p:spPr>
+          <a:xfrm>
+            <a:off x="5563874" y="144742"/>
+            <a:ext cx="4245203" cy="5906433"/>
+          </a:xfrm>
+          <a:prstGeom prst="rect">
+            <a:avLst/>
+          </a:prstGeom>
+        </p:spPr>
+      </p:pic>
+    </p:spTree>
+    <p:extLst>
+      <p:ext uri="{BB962C8B-B14F-4D97-AF65-F5344CB8AC3E}">
+        <p14:creationId xmlns:p14="http://schemas.microsoft.com/office/powerpoint/2010/main" val="3533286852"/>
+      </p:ext>
+    </p:extLst>
+  </p:cSld>
+  <p:clrMapOvr>
+    <a:masterClrMapping/>
+  </p:clrMapOvr>
+</p:sld>
+</file>
+
+<file path=ppt/slides/slide27.xml><?xml version="1.0" encoding="utf-8"?>
+<p:sld xmlns:a="http://schemas.openxmlformats.org/drawingml/2006/main" xmlns:r="http://schemas.openxmlformats.org/officeDocument/2006/relationships" xmlns:p="http://schemas.openxmlformats.org/presentationml/2006/main">
+  <p:cSld>
+    <p:spTree>
+      <p:nvGrpSpPr>
+        <p:cNvPr id="1" name=""/>
+        <p:cNvGrpSpPr/>
+        <p:nvPr/>
+      </p:nvGrpSpPr>
+      <p:grpSpPr>
+        <a:xfrm>
+          <a:off x="0" y="0"/>
+          <a:ext cx="0" cy="0"/>
+          <a:chOff x="0" y="0"/>
+          <a:chExt cx="0" cy="0"/>
+        </a:xfrm>
+      </p:grpSpPr>
+      <p:sp>
+        <p:nvSpPr>
+          <p:cNvPr id="2" name="Title 1">
+            <a:extLst>
+              <a:ext uri="{FF2B5EF4-FFF2-40B4-BE49-F238E27FC236}">
+                <a16:creationId xmlns:a16="http://schemas.microsoft.com/office/drawing/2014/main" id="{86513AB5-62D0-80AF-6E69-01D298890649}"/>
+              </a:ext>
+            </a:extLst>
+          </p:cNvPr>
+          <p:cNvSpPr>
+            <a:spLocks noGrp="1"/>
+          </p:cNvSpPr>
+          <p:nvPr>
+            <p:ph type="title"/>
+          </p:nvPr>
+        </p:nvSpPr>
+        <p:spPr>
+          <a:xfrm>
+            <a:off x="838200" y="365126"/>
+            <a:ext cx="10515600" cy="962230"/>
+          </a:xfrm>
+        </p:spPr>
+        <p:txBody>
+          <a:bodyPr>
+            <a:normAutofit fontScale="90000"/>
+          </a:bodyPr>
+          <a:lstStyle/>
+          <a:p>
+            <a:r>
+              <a:rPr lang="hr-HR" dirty="0"/>
+              <a:t>Vrednovanje rada korisnika na papirnatom prototipu</a:t>
+            </a:r>
+          </a:p>
+        </p:txBody>
+      </p:sp>
+      <p:pic>
+        <p:nvPicPr>
+          <p:cNvPr id="5" name="Content Placeholder 4" descr="A white and black text on a white surface&#10;&#10;Description automatically generated">
+            <a:extLst>
+              <a:ext uri="{FF2B5EF4-FFF2-40B4-BE49-F238E27FC236}">
+                <a16:creationId xmlns:a16="http://schemas.microsoft.com/office/drawing/2014/main" id="{60A12A63-4BFF-85E9-594B-D9DFAEB54E77}"/>
+              </a:ext>
+            </a:extLst>
+          </p:cNvPr>
+          <p:cNvPicPr>
+            <a:picLocks noGrp="1" noChangeAspect="1"/>
+          </p:cNvPicPr>
+          <p:nvPr>
+            <p:ph idx="1"/>
+          </p:nvPr>
+        </p:nvPicPr>
+        <p:blipFill rotWithShape="1">
+          <a:blip r:embed="rId2">
+            <a:extLst>
+              <a:ext uri="{28A0092B-C50C-407E-A947-70E740481C1C}">
+                <a14:useLocalDpi xmlns:a14="http://schemas.microsoft.com/office/drawing/2010/main" val="0"/>
+              </a:ext>
+            </a:extLst>
+          </a:blip>
+          <a:srcRect l="1480" t="15925" r="6432" b="1151"/>
+          <a:stretch/>
+        </p:blipFill>
+        <p:spPr>
+          <a:xfrm>
+            <a:off x="3597088" y="1754842"/>
+            <a:ext cx="3684494" cy="2709582"/>
+          </a:xfrm>
+        </p:spPr>
+      </p:pic>
+      <p:pic>
+        <p:nvPicPr>
+          <p:cNvPr id="7" name="Picture 6" descr="A white rectangular box with black text">
+            <a:extLst>
+              <a:ext uri="{FF2B5EF4-FFF2-40B4-BE49-F238E27FC236}">
+                <a16:creationId xmlns:a16="http://schemas.microsoft.com/office/drawing/2014/main" id="{9F38DBBE-DDD6-858E-71FA-6D7DA91E45F5}"/>
+              </a:ext>
+            </a:extLst>
+          </p:cNvPr>
+          <p:cNvPicPr>
+            <a:picLocks noChangeAspect="1"/>
+          </p:cNvPicPr>
+          <p:nvPr/>
+        </p:nvPicPr>
+        <p:blipFill rotWithShape="1">
+          <a:blip r:embed="rId3">
+            <a:extLst>
+              <a:ext uri="{28A0092B-C50C-407E-A947-70E740481C1C}">
+                <a14:useLocalDpi xmlns:a14="http://schemas.microsoft.com/office/drawing/2010/main" val="0"/>
+              </a:ext>
+            </a:extLst>
+          </a:blip>
+          <a:srcRect l="2368" t="2856" r="2244" b="1881"/>
+          <a:stretch/>
+        </p:blipFill>
+        <p:spPr>
+          <a:xfrm>
+            <a:off x="3570194" y="4464424"/>
+            <a:ext cx="3738282" cy="1972724"/>
+          </a:xfrm>
+          <a:prstGeom prst="rect">
+            <a:avLst/>
+          </a:prstGeom>
+        </p:spPr>
+      </p:pic>
+    </p:spTree>
+    <p:extLst>
+      <p:ext uri="{BB962C8B-B14F-4D97-AF65-F5344CB8AC3E}">
+        <p14:creationId xmlns:p14="http://schemas.microsoft.com/office/powerpoint/2010/main" val="2489195663"/>
+      </p:ext>
+    </p:extLst>
+  </p:cSld>
+  <p:clrMapOvr>
+    <a:masterClrMapping/>
+  </p:clrMapOvr>
+</p:sld>
+</file>
+
+<file path=ppt/slides/slide28.xml><?xml version="1.0" encoding="utf-8"?>
+<p:sld xmlns:a="http://schemas.openxmlformats.org/drawingml/2006/main" xmlns:r="http://schemas.openxmlformats.org/officeDocument/2006/relationships" xmlns:p="http://schemas.openxmlformats.org/presentationml/2006/main">
+  <p:cSld>
+    <p:spTree>
+      <p:nvGrpSpPr>
+        <p:cNvPr id="1" name=""/>
+        <p:cNvGrpSpPr/>
+        <p:nvPr/>
+      </p:nvGrpSpPr>
+      <p:grpSpPr>
+        <a:xfrm>
+          <a:off x="0" y="0"/>
+          <a:ext cx="0" cy="0"/>
+          <a:chOff x="0" y="0"/>
+          <a:chExt cx="0" cy="0"/>
+        </a:xfrm>
+      </p:grpSpPr>
+      <p:sp>
+        <p:nvSpPr>
+          <p:cNvPr id="2" name="Title 1">
+            <a:extLst>
+              <a:ext uri="{FF2B5EF4-FFF2-40B4-BE49-F238E27FC236}">
+                <a16:creationId xmlns:a16="http://schemas.microsoft.com/office/drawing/2014/main" id="{93EB5002-0463-0724-08FB-CFE6E1AFA674}"/>
+              </a:ext>
+            </a:extLst>
+          </p:cNvPr>
+          <p:cNvSpPr>
+            <a:spLocks noGrp="1"/>
+          </p:cNvSpPr>
+          <p:nvPr>
+            <p:ph type="title"/>
+          </p:nvPr>
+        </p:nvSpPr>
+        <p:spPr>
+          <a:xfrm>
+            <a:off x="838200" y="365126"/>
+            <a:ext cx="10515600" cy="575400"/>
+          </a:xfrm>
+        </p:spPr>
+        <p:txBody>
+          <a:bodyPr>
+            <a:normAutofit fontScale="90000"/>
+          </a:bodyPr>
+          <a:lstStyle/>
+          <a:p>
+            <a:r>
+              <a:rPr lang="hr-HR" dirty="0" err="1"/>
+              <a:t>Rezultirajući</a:t>
+            </a:r>
+            <a:r>
+              <a:rPr lang="hr-HR" dirty="0"/>
+              <a:t> problemi upotrebljivosti </a:t>
+            </a:r>
+          </a:p>
+        </p:txBody>
+      </p:sp>
+      <p:sp>
+        <p:nvSpPr>
+          <p:cNvPr id="3" name="Content Placeholder 2">
+            <a:extLst>
+              <a:ext uri="{FF2B5EF4-FFF2-40B4-BE49-F238E27FC236}">
+                <a16:creationId xmlns:a16="http://schemas.microsoft.com/office/drawing/2014/main" id="{F1BEC54B-E423-C18D-0634-3E87F344DEAB}"/>
+              </a:ext>
+            </a:extLst>
+          </p:cNvPr>
+          <p:cNvSpPr>
+            <a:spLocks noGrp="1"/>
+          </p:cNvSpPr>
+          <p:nvPr>
+            <p:ph idx="1"/>
+          </p:nvPr>
+        </p:nvSpPr>
+        <p:spPr>
+          <a:xfrm>
+            <a:off x="838200" y="1084217"/>
+            <a:ext cx="10515600" cy="5131934"/>
+          </a:xfrm>
+        </p:spPr>
+        <p:txBody>
+          <a:bodyPr/>
+          <a:lstStyle/>
+          <a:p>
+            <a:r>
+              <a:rPr lang="hr-HR" dirty="0"/>
+              <a:t>Slaba vidljivost gumba za prijavu korisnika – dodati boje i ikone</a:t>
+            </a:r>
+          </a:p>
+          <a:p>
+            <a:r>
+              <a:rPr lang="hr-HR" dirty="0"/>
+              <a:t>Slaba vidljivost gumba za izradu objave – dodati boje</a:t>
+            </a:r>
+          </a:p>
+          <a:p>
+            <a:r>
+              <a:rPr lang="hr-HR" dirty="0"/>
+              <a:t>Nedostatak navigacijske trake</a:t>
+            </a:r>
+          </a:p>
+          <a:p>
+            <a:r>
+              <a:rPr lang="hr-HR" dirty="0"/>
+              <a:t>Nepostojeća povratna informacija nakon pritiska gumba </a:t>
+            </a:r>
+            <a:r>
+              <a:rPr lang="hr-HR" dirty="0" err="1"/>
+              <a:t>follow</a:t>
+            </a:r>
+            <a:r>
+              <a:rPr lang="hr-HR" dirty="0"/>
+              <a:t>	</a:t>
+            </a:r>
+          </a:p>
+          <a:p>
+            <a:pPr lvl="1"/>
+            <a:r>
+              <a:rPr lang="hr-HR" dirty="0"/>
+              <a:t>Dovodi do </a:t>
+            </a:r>
+            <a:r>
+              <a:rPr lang="hr-HR" dirty="0" err="1"/>
+              <a:t>klikanja</a:t>
+            </a:r>
+            <a:r>
+              <a:rPr lang="hr-HR" dirty="0"/>
+              <a:t> više puta po gumbu što može aplikaciju dovesti u stanje koje korisnik nije želi</a:t>
+            </a:r>
+          </a:p>
+          <a:p>
+            <a:r>
+              <a:rPr lang="hr-HR" dirty="0"/>
+              <a:t>Nedostatak padajuće liste imena profila</a:t>
+            </a:r>
+          </a:p>
+          <a:p>
+            <a:pPr lvl="1"/>
+            <a:r>
+              <a:rPr lang="hr-HR" dirty="0"/>
+              <a:t>Korisnici zaboravljaju točno ime profila i ne mogu doći do profila kojeg žele</a:t>
+            </a:r>
+          </a:p>
+        </p:txBody>
+      </p:sp>
+    </p:spTree>
+    <p:extLst>
+      <p:ext uri="{BB962C8B-B14F-4D97-AF65-F5344CB8AC3E}">
+        <p14:creationId xmlns:p14="http://schemas.microsoft.com/office/powerpoint/2010/main" val="311827150"/>
+      </p:ext>
+    </p:extLst>
+  </p:cSld>
+  <p:clrMapOvr>
+    <a:masterClrMapping/>
+  </p:clrMapOvr>
+</p:sld>
+</file>
+
+<file path=ppt/slides/slide29.xml><?xml version="1.0" encoding="utf-8"?>
+<p:sld xmlns:a="http://schemas.openxmlformats.org/drawingml/2006/main" xmlns:r="http://schemas.openxmlformats.org/officeDocument/2006/relationships" xmlns:p="http://schemas.openxmlformats.org/presentationml/2006/main">
+  <p:cSld>
+    <p:spTree>
+      <p:nvGrpSpPr>
+        <p:cNvPr id="1" name=""/>
+        <p:cNvGrpSpPr/>
+        <p:nvPr/>
+      </p:nvGrpSpPr>
+      <p:grpSpPr>
+        <a:xfrm>
+          <a:off x="0" y="0"/>
+          <a:ext cx="0" cy="0"/>
+          <a:chOff x="0" y="0"/>
+          <a:chExt cx="0" cy="0"/>
+        </a:xfrm>
+      </p:grpSpPr>
+      <p:sp>
+        <p:nvSpPr>
+          <p:cNvPr id="2" name="Title 1">
+            <a:extLst>
+              <a:ext uri="{FF2B5EF4-FFF2-40B4-BE49-F238E27FC236}">
+                <a16:creationId xmlns:a16="http://schemas.microsoft.com/office/drawing/2014/main" id="{13B651BC-7C97-9C0B-5391-6FC4B556351F}"/>
+              </a:ext>
+            </a:extLst>
+          </p:cNvPr>
+          <p:cNvSpPr>
+            <a:spLocks noGrp="1"/>
+          </p:cNvSpPr>
+          <p:nvPr>
+            <p:ph type="title"/>
+          </p:nvPr>
+        </p:nvSpPr>
+        <p:spPr/>
+        <p:txBody>
+          <a:bodyPr/>
+          <a:lstStyle/>
+          <a:p>
+            <a:endParaRPr lang="hr-HR"/>
+          </a:p>
+        </p:txBody>
+      </p:sp>
+      <p:pic>
+        <p:nvPicPr>
+          <p:cNvPr id="9" name="Content Placeholder 8" descr="A diagram of a computer">
+            <a:extLst>
+              <a:ext uri="{FF2B5EF4-FFF2-40B4-BE49-F238E27FC236}">
+                <a16:creationId xmlns:a16="http://schemas.microsoft.com/office/drawing/2014/main" id="{7AFC93F4-F487-DE0E-ED35-F587E11A58EA}"/>
+              </a:ext>
+            </a:extLst>
+          </p:cNvPr>
+          <p:cNvPicPr>
+            <a:picLocks noGrp="1" noChangeAspect="1"/>
+          </p:cNvPicPr>
+          <p:nvPr>
+            <p:ph idx="1"/>
+          </p:nvPr>
+        </p:nvPicPr>
+        <p:blipFill>
+          <a:blip r:embed="rId2">
+            <a:extLst>
+              <a:ext uri="{28A0092B-C50C-407E-A947-70E740481C1C}">
+                <a14:useLocalDpi xmlns:a14="http://schemas.microsoft.com/office/drawing/2010/main" val="0"/>
+              </a:ext>
+            </a:extLst>
+          </a:blip>
+          <a:stretch>
+            <a:fillRect/>
+          </a:stretch>
+        </p:blipFill>
+        <p:spPr>
+          <a:xfrm>
+            <a:off x="284922" y="430697"/>
+            <a:ext cx="11615530" cy="6062178"/>
+          </a:xfrm>
+        </p:spPr>
+      </p:pic>
+    </p:spTree>
+    <p:extLst>
+      <p:ext uri="{BB962C8B-B14F-4D97-AF65-F5344CB8AC3E}">
+        <p14:creationId xmlns:p14="http://schemas.microsoft.com/office/powerpoint/2010/main" val="430005950"/>
       </p:ext>
     </p:extLst>
   </p:cSld>
@@ -4269,7 +7104,7 @@
           <p:cNvPr id="2" name="Title 1">
             <a:extLst>
               <a:ext uri="{FF2B5EF4-FFF2-40B4-BE49-F238E27FC236}">
-                <a16:creationId xmlns:a16="http://schemas.microsoft.com/office/drawing/2014/main" id="{E3FEA8D3-0907-2287-63A6-497F1AB4A47E}"/>
+                <a16:creationId xmlns:a16="http://schemas.microsoft.com/office/drawing/2014/main" id="{2F799F5C-50E1-39D5-462E-5873825A7C7F}"/>
               </a:ext>
             </a:extLst>
           </p:cNvPr>
@@ -4280,65 +7115,340 @@
             <p:ph type="title"/>
           </p:nvPr>
         </p:nvSpPr>
-        <p:spPr/>
-        <p:txBody>
-          <a:bodyPr/>
+        <p:spPr>
+          <a:xfrm>
+            <a:off x="838200" y="365125"/>
+            <a:ext cx="9065821" cy="549275"/>
+          </a:xfrm>
+        </p:spPr>
+        <p:txBody>
+          <a:bodyPr>
+            <a:normAutofit fontScale="90000"/>
+          </a:bodyPr>
           <a:lstStyle/>
           <a:p>
             <a:r>
+              <a:rPr lang="hr-HR" u="sng" dirty="0"/>
+              <a:t>Persone</a:t>
+            </a:r>
+          </a:p>
+        </p:txBody>
+      </p:sp>
+      <p:sp>
+        <p:nvSpPr>
+          <p:cNvPr id="3" name="Content Placeholder 2">
+            <a:extLst>
+              <a:ext uri="{FF2B5EF4-FFF2-40B4-BE49-F238E27FC236}">
+                <a16:creationId xmlns:a16="http://schemas.microsoft.com/office/drawing/2014/main" id="{40080665-FAC9-B6ED-DF42-76CEA8F98FB3}"/>
+              </a:ext>
+            </a:extLst>
+          </p:cNvPr>
+          <p:cNvSpPr>
+            <a:spLocks noGrp="1"/>
+          </p:cNvSpPr>
+          <p:nvPr>
+            <p:ph idx="1"/>
+          </p:nvPr>
+        </p:nvSpPr>
+        <p:spPr>
+          <a:xfrm>
+            <a:off x="838200" y="1229096"/>
+            <a:ext cx="10515600" cy="4947867"/>
+          </a:xfrm>
+        </p:spPr>
+        <p:txBody>
+          <a:bodyPr>
+            <a:normAutofit fontScale="55000" lnSpcReduction="20000"/>
+          </a:bodyPr>
+          <a:lstStyle/>
+          <a:p>
+            <a:pPr>
+              <a:buFont typeface="Wingdings" panose="05000000000000000000" pitchFamily="2" charset="2"/>
+              <a:buChar char="§"/>
+            </a:pPr>
+            <a:r>
               <a:rPr lang="hr-HR" dirty="0"/>
-              <a:t>Nefunkcionalni zahtjevi</a:t>
-            </a:r>
-          </a:p>
-        </p:txBody>
-      </p:sp>
-      <p:sp>
-        <p:nvSpPr>
-          <p:cNvPr id="3" name="Content Placeholder 2">
-            <a:extLst>
-              <a:ext uri="{FF2B5EF4-FFF2-40B4-BE49-F238E27FC236}">
-                <a16:creationId xmlns:a16="http://schemas.microsoft.com/office/drawing/2014/main" id="{F64C3460-1729-232C-9C02-B2883B35B353}"/>
-              </a:ext>
-            </a:extLst>
-          </p:cNvPr>
-          <p:cNvSpPr>
-            <a:spLocks noGrp="1"/>
-          </p:cNvSpPr>
-          <p:nvPr>
-            <p:ph idx="1"/>
-          </p:nvPr>
-        </p:nvSpPr>
-        <p:spPr/>
-        <p:txBody>
-          <a:bodyPr/>
-          <a:lstStyle/>
-          <a:p>
+              <a:t>Ivan (17 god.)</a:t>
+            </a:r>
+          </a:p>
+          <a:p>
+            <a:pPr lvl="1">
+              <a:buFont typeface="Wingdings" panose="05000000000000000000" pitchFamily="2" charset="2"/>
+              <a:buChar char="§"/>
+            </a:pPr>
             <a:r>
               <a:rPr lang="hr-HR" dirty="0"/>
-              <a:t>Odziv sustava neće biti dulji od 6 sekundi.</a:t>
-            </a:r>
-          </a:p>
-          <a:p>
+              <a:t>Srednjoškolac</a:t>
+            </a:r>
+          </a:p>
+          <a:p>
+            <a:pPr lvl="1">
+              <a:buFont typeface="Wingdings" panose="05000000000000000000" pitchFamily="2" charset="2"/>
+              <a:buChar char="§"/>
+            </a:pPr>
             <a:r>
               <a:rPr lang="hr-HR" dirty="0"/>
-              <a:t>Pri stvaranju objave dodavanje slike omogućiti kroz izbornike datotečnog sustava ili putem drag-</a:t>
+              <a:t>Zanima ga programiranje, nogomet i glazba</a:t>
+            </a:r>
+          </a:p>
+          <a:p>
+            <a:pPr lvl="1">
+              <a:buFont typeface="Wingdings" panose="05000000000000000000" pitchFamily="2" charset="2"/>
+              <a:buChar char="§"/>
+            </a:pPr>
+            <a:r>
+              <a:rPr lang="hr-HR" dirty="0"/>
+              <a:t>Slobodno vrijeme provodi učeći programirati i surfajući po internetu i društvenim mrežama</a:t>
+            </a:r>
+          </a:p>
+          <a:p>
+            <a:pPr lvl="1">
+              <a:buFont typeface="Wingdings" panose="05000000000000000000" pitchFamily="2" charset="2"/>
+              <a:buChar char="§"/>
+            </a:pPr>
+            <a:r>
+              <a:rPr lang="hr-HR" dirty="0"/>
+              <a:t>Planira upisati TVZ</a:t>
+            </a:r>
+          </a:p>
+          <a:p>
+            <a:pPr lvl="1">
+              <a:buFont typeface="Wingdings" panose="05000000000000000000" pitchFamily="2" charset="2"/>
+              <a:buChar char="§"/>
+            </a:pPr>
+            <a:r>
+              <a:rPr lang="hr-HR" dirty="0"/>
+              <a:t>Članovima obitelji uvijek pomaže s poteškoćama u radu s računalima, mobitelima i ostalom tehnologijom</a:t>
+            </a:r>
+          </a:p>
+          <a:p>
+            <a:pPr lvl="1">
+              <a:buFont typeface="Wingdings" panose="05000000000000000000" pitchFamily="2" charset="2"/>
+              <a:buChar char="§"/>
+            </a:pPr>
+            <a:r>
+              <a:rPr lang="hr-HR" dirty="0"/>
+              <a:t>Brzo usvaja nova znanja i vještine</a:t>
+            </a:r>
+          </a:p>
+          <a:p>
+            <a:pPr>
+              <a:buFont typeface="Wingdings" panose="05000000000000000000" pitchFamily="2" charset="2"/>
+              <a:buChar char="§"/>
+            </a:pPr>
+            <a:r>
+              <a:rPr lang="hr-HR" dirty="0"/>
+              <a:t>Jasna(30 god.)</a:t>
+            </a:r>
+          </a:p>
+          <a:p>
+            <a:pPr lvl="1">
+              <a:buFont typeface="Wingdings" panose="05000000000000000000" pitchFamily="2" charset="2"/>
+              <a:buChar char="§"/>
+            </a:pPr>
+            <a:r>
+              <a:rPr lang="hr-HR" dirty="0"/>
+              <a:t>Radi u putničkoj agenciji</a:t>
+            </a:r>
+          </a:p>
+          <a:p>
+            <a:pPr lvl="1">
+              <a:buFont typeface="Wingdings" panose="05000000000000000000" pitchFamily="2" charset="2"/>
+              <a:buChar char="§"/>
+            </a:pPr>
+            <a:r>
+              <a:rPr lang="hr-HR" dirty="0"/>
+              <a:t>Voli putovati</a:t>
+            </a:r>
+          </a:p>
+          <a:p>
+            <a:pPr lvl="1">
+              <a:buFont typeface="Wingdings" panose="05000000000000000000" pitchFamily="2" charset="2"/>
+              <a:buChar char="§"/>
+            </a:pPr>
+            <a:r>
+              <a:rPr lang="hr-HR" dirty="0"/>
+              <a:t>U slobodno se vrijeme bavi modnim dizajnom</a:t>
+            </a:r>
+          </a:p>
+          <a:p>
+            <a:pPr lvl="1">
+              <a:buFont typeface="Wingdings" panose="05000000000000000000" pitchFamily="2" charset="2"/>
+              <a:buChar char="§"/>
+            </a:pPr>
+            <a:r>
+              <a:rPr lang="hr-HR" dirty="0"/>
+              <a:t>San joj je stvoriti vlastiti modni brend</a:t>
+            </a:r>
+          </a:p>
+          <a:p>
+            <a:pPr lvl="1">
+              <a:buFont typeface="Wingdings" panose="05000000000000000000" pitchFamily="2" charset="2"/>
+              <a:buChar char="§"/>
+            </a:pPr>
+            <a:r>
+              <a:rPr lang="hr-HR" dirty="0"/>
+              <a:t>Koristi društvene mreže kako bi podijelila iskustva sa svojih putovanja, kao i za razvijanje svog modnog brenda dijeleći slike svojih </a:t>
             </a:r>
             <a:r>
               <a:rPr lang="hr-HR" dirty="0" err="1"/>
-              <a:t>and</a:t>
+              <a:t>dizajnova</a:t>
             </a:r>
             <a:r>
               <a:rPr lang="hr-HR" dirty="0"/>
-              <a:t>-drop funkcionalnosti.</a:t>
-            </a:r>
-          </a:p>
-          <a:p>
+              <a:t> </a:t>
+            </a:r>
+          </a:p>
+          <a:p>
+            <a:pPr lvl="1">
+              <a:buFont typeface="Wingdings" panose="05000000000000000000" pitchFamily="2" charset="2"/>
+              <a:buChar char="§"/>
+            </a:pPr>
+            <a:endParaRPr lang="hr-HR" dirty="0"/>
+          </a:p>
+          <a:p>
+            <a:pPr>
+              <a:buFont typeface="Wingdings" panose="05000000000000000000" pitchFamily="2" charset="2"/>
+              <a:buChar char="§"/>
+            </a:pPr>
             <a:r>
               <a:rPr lang="hr-HR" dirty="0"/>
-              <a:t>Objave će biti prikazane kronološki, a u slučaju da je korisnik prijavljen, dodatno će objave korisnika koje on prati biti vidljive prije ostalih objava.</a:t>
-            </a:r>
-          </a:p>
-          <a:p>
+              <a:t>Štefa (67 god.)</a:t>
+            </a:r>
+          </a:p>
+          <a:p>
+            <a:pPr lvl="1">
+              <a:buFont typeface="Wingdings" panose="05000000000000000000" pitchFamily="2" charset="2"/>
+              <a:buChar char="§"/>
+            </a:pPr>
+            <a:r>
+              <a:rPr lang="hr-HR" dirty="0"/>
+              <a:t>Umirovljenica</a:t>
+            </a:r>
+          </a:p>
+          <a:p>
+            <a:pPr lvl="1">
+              <a:buFont typeface="Wingdings" panose="05000000000000000000" pitchFamily="2" charset="2"/>
+              <a:buChar char="§"/>
+            </a:pPr>
+            <a:r>
+              <a:rPr lang="hr-HR" dirty="0"/>
+              <a:t>Obožava kuhati i peći kolače te u njima uživati zajedno s obitelji</a:t>
+            </a:r>
+          </a:p>
+          <a:p>
+            <a:pPr lvl="1">
+              <a:buFont typeface="Wingdings" panose="05000000000000000000" pitchFamily="2" charset="2"/>
+              <a:buChar char="§"/>
+            </a:pPr>
+            <a:r>
+              <a:rPr lang="hr-HR" dirty="0"/>
+              <a:t>Obrađuje vlastiti vrt i uzgaja cvijeće u dvorištu</a:t>
+            </a:r>
+          </a:p>
+          <a:p>
+            <a:pPr lvl="1">
+              <a:buFont typeface="Wingdings" panose="05000000000000000000" pitchFamily="2" charset="2"/>
+              <a:buChar char="§"/>
+            </a:pPr>
+            <a:r>
+              <a:rPr lang="hr-HR" dirty="0"/>
+              <a:t>Ima prijateljice svojih godina koje su na društvenim mrežama, no ona im se još nije pridružila jer misli da je rad s računalima/pametnim telefonima kompliciran .</a:t>
+            </a:r>
+          </a:p>
+          <a:p>
+            <a:pPr lvl="1">
+              <a:buFont typeface="Wingdings" panose="05000000000000000000" pitchFamily="2" charset="2"/>
+              <a:buChar char="§"/>
+            </a:pPr>
+            <a:r>
+              <a:rPr lang="hr-HR" dirty="0"/>
+              <a:t>Htjela bi podijeliti svoje kulinarske pothvate i cvijeće koje je uzgojila, kao i podijeliti savjete vezane za svoje hobije</a:t>
+            </a:r>
+          </a:p>
+          <a:p>
+            <a:pPr lvl="1">
+              <a:buFont typeface="Wingdings" panose="05000000000000000000" pitchFamily="2" charset="2"/>
+              <a:buChar char="§"/>
+            </a:pPr>
+            <a:endParaRPr lang="hr-HR" dirty="0"/>
+          </a:p>
+          <a:p>
+            <a:pPr lvl="1">
+              <a:buFont typeface="Wingdings" panose="05000000000000000000" pitchFamily="2" charset="2"/>
+              <a:buChar char="§"/>
+            </a:pPr>
+            <a:endParaRPr lang="hr-HR" dirty="0"/>
+          </a:p>
+          <a:p>
+            <a:pPr lvl="1">
+              <a:buFont typeface="Wingdings" panose="05000000000000000000" pitchFamily="2" charset="2"/>
+              <a:buChar char="§"/>
+            </a:pPr>
+            <a:endParaRPr lang="hr-HR" dirty="0"/>
+          </a:p>
+          <a:p>
+            <a:pPr lvl="1">
+              <a:buFont typeface="Wingdings" panose="05000000000000000000" pitchFamily="2" charset="2"/>
+              <a:buChar char="§"/>
+            </a:pPr>
+            <a:endParaRPr lang="hr-HR" dirty="0"/>
+          </a:p>
+          <a:p>
+            <a:pPr lvl="1">
+              <a:buFont typeface="Wingdings" panose="05000000000000000000" pitchFamily="2" charset="2"/>
+              <a:buChar char="§"/>
+            </a:pPr>
+            <a:endParaRPr lang="hr-HR" dirty="0"/>
+          </a:p>
+          <a:p>
+            <a:pPr lvl="1">
+              <a:buFont typeface="Wingdings" panose="05000000000000000000" pitchFamily="2" charset="2"/>
+              <a:buChar char="§"/>
+            </a:pPr>
+            <a:endParaRPr lang="hr-HR" dirty="0"/>
+          </a:p>
+          <a:p>
+            <a:pPr marL="457200" lvl="1" indent="0">
+              <a:buNone/>
+            </a:pPr>
+            <a:endParaRPr lang="hr-HR" dirty="0"/>
+          </a:p>
+          <a:p>
+            <a:pPr marL="457200" lvl="1" indent="0">
+              <a:buNone/>
+            </a:pPr>
+            <a:endParaRPr lang="hr-HR" dirty="0"/>
+          </a:p>
+          <a:p>
+            <a:pPr marL="457200" lvl="1" indent="0">
+              <a:buNone/>
+            </a:pPr>
+            <a:endParaRPr lang="hr-HR" dirty="0"/>
+          </a:p>
+          <a:p>
+            <a:pPr marL="457200" lvl="1" indent="0">
+              <a:buNone/>
+            </a:pPr>
+            <a:endParaRPr lang="hr-HR" dirty="0"/>
+          </a:p>
+          <a:p>
+            <a:pPr marL="457200" lvl="1" indent="0">
+              <a:buNone/>
+            </a:pPr>
+            <a:endParaRPr lang="hr-HR" dirty="0"/>
+          </a:p>
+          <a:p>
+            <a:pPr marL="457200" lvl="1" indent="0">
+              <a:buNone/>
+            </a:pPr>
+            <a:endParaRPr lang="hr-HR" dirty="0"/>
+          </a:p>
+          <a:p>
+            <a:pPr lvl="1">
+              <a:buFont typeface="Wingdings" panose="05000000000000000000" pitchFamily="2" charset="2"/>
+              <a:buChar char="§"/>
+            </a:pPr>
             <a:endParaRPr lang="hr-HR" dirty="0"/>
           </a:p>
         </p:txBody>
@@ -4346,7 +7456,470 @@
     </p:spTree>
     <p:extLst>
       <p:ext uri="{BB962C8B-B14F-4D97-AF65-F5344CB8AC3E}">
-        <p14:creationId xmlns:p14="http://schemas.microsoft.com/office/powerpoint/2010/main" val="2181529867"/>
+        <p14:creationId xmlns:p14="http://schemas.microsoft.com/office/powerpoint/2010/main" val="176671628"/>
+      </p:ext>
+    </p:extLst>
+  </p:cSld>
+  <p:clrMapOvr>
+    <a:masterClrMapping/>
+  </p:clrMapOvr>
+</p:sld>
+</file>
+
+<file path=ppt/slides/slide30.xml><?xml version="1.0" encoding="utf-8"?>
+<p:sld xmlns:a="http://schemas.openxmlformats.org/drawingml/2006/main" xmlns:r="http://schemas.openxmlformats.org/officeDocument/2006/relationships" xmlns:p="http://schemas.openxmlformats.org/presentationml/2006/main">
+  <p:cSld>
+    <p:spTree>
+      <p:nvGrpSpPr>
+        <p:cNvPr id="1" name=""/>
+        <p:cNvGrpSpPr/>
+        <p:nvPr/>
+      </p:nvGrpSpPr>
+      <p:grpSpPr>
+        <a:xfrm>
+          <a:off x="0" y="0"/>
+          <a:ext cx="0" cy="0"/>
+          <a:chOff x="0" y="0"/>
+          <a:chExt cx="0" cy="0"/>
+        </a:xfrm>
+      </p:grpSpPr>
+      <p:sp>
+        <p:nvSpPr>
+          <p:cNvPr id="6" name="Title 5">
+            <a:extLst>
+              <a:ext uri="{FF2B5EF4-FFF2-40B4-BE49-F238E27FC236}">
+                <a16:creationId xmlns:a16="http://schemas.microsoft.com/office/drawing/2014/main" id="{CD006B1D-4BF0-1AB7-ED81-A6062CD65055}"/>
+              </a:ext>
+            </a:extLst>
+          </p:cNvPr>
+          <p:cNvSpPr>
+            <a:spLocks noGrp="1"/>
+          </p:cNvSpPr>
+          <p:nvPr>
+            <p:ph type="title"/>
+          </p:nvPr>
+        </p:nvSpPr>
+        <p:spPr/>
+        <p:txBody>
+          <a:bodyPr/>
+          <a:lstStyle/>
+          <a:p>
+            <a:r>
+              <a:rPr lang="hr-HR" dirty="0"/>
+              <a:t>Baza podataka</a:t>
+            </a:r>
+          </a:p>
+        </p:txBody>
+      </p:sp>
+      <p:pic>
+        <p:nvPicPr>
+          <p:cNvPr id="5" name="Content Placeholder 4" descr="A screenshot of a computer&#10;&#10;Description automatically generated">
+            <a:extLst>
+              <a:ext uri="{FF2B5EF4-FFF2-40B4-BE49-F238E27FC236}">
+                <a16:creationId xmlns:a16="http://schemas.microsoft.com/office/drawing/2014/main" id="{5205BFD7-4BB9-6903-F8EE-B5CCD9E8A1AF}"/>
+              </a:ext>
+            </a:extLst>
+          </p:cNvPr>
+          <p:cNvPicPr>
+            <a:picLocks noGrp="1" noChangeAspect="1"/>
+          </p:cNvPicPr>
+          <p:nvPr>
+            <p:ph sz="half" idx="1"/>
+          </p:nvPr>
+        </p:nvPicPr>
+        <p:blipFill>
+          <a:blip r:embed="rId2">
+            <a:extLst>
+              <a:ext uri="{28A0092B-C50C-407E-A947-70E740481C1C}">
+                <a14:useLocalDpi xmlns:a14="http://schemas.microsoft.com/office/drawing/2010/main" val="0"/>
+              </a:ext>
+            </a:extLst>
+          </a:blip>
+          <a:stretch>
+            <a:fillRect/>
+          </a:stretch>
+        </p:blipFill>
+        <p:spPr>
+          <a:xfrm>
+            <a:off x="838200" y="2005714"/>
+            <a:ext cx="5181600" cy="3991160"/>
+          </a:xfrm>
+        </p:spPr>
+      </p:pic>
+      <p:sp>
+        <p:nvSpPr>
+          <p:cNvPr id="7" name="Content Placeholder 6">
+            <a:extLst>
+              <a:ext uri="{FF2B5EF4-FFF2-40B4-BE49-F238E27FC236}">
+                <a16:creationId xmlns:a16="http://schemas.microsoft.com/office/drawing/2014/main" id="{BAB067C6-AE57-A4F0-C2AF-C898FD2459E0}"/>
+              </a:ext>
+            </a:extLst>
+          </p:cNvPr>
+          <p:cNvSpPr>
+            <a:spLocks noGrp="1"/>
+          </p:cNvSpPr>
+          <p:nvPr>
+            <p:ph sz="half" idx="2"/>
+          </p:nvPr>
+        </p:nvSpPr>
+        <p:spPr/>
+        <p:txBody>
+          <a:bodyPr/>
+          <a:lstStyle/>
+          <a:p>
+            <a:r>
+              <a:rPr lang="hr-HR" dirty="0" err="1"/>
+              <a:t>blog_comment</a:t>
+            </a:r>
+            <a:r>
+              <a:rPr lang="hr-HR" dirty="0"/>
+              <a:t> – informacije o </a:t>
+            </a:r>
+            <a:r>
+              <a:rPr lang="hr-HR" dirty="0" err="1"/>
+              <a:t>komentarim</a:t>
+            </a:r>
+            <a:endParaRPr lang="hr-HR" dirty="0"/>
+          </a:p>
+          <a:p>
+            <a:r>
+              <a:rPr lang="hr-HR" dirty="0"/>
+              <a:t>post – informacije o  objavama</a:t>
+            </a:r>
+          </a:p>
+          <a:p>
+            <a:r>
+              <a:rPr lang="hr-HR" dirty="0" err="1"/>
+              <a:t>app_user</a:t>
+            </a:r>
+            <a:r>
+              <a:rPr lang="hr-HR" dirty="0"/>
+              <a:t> </a:t>
+            </a:r>
+          </a:p>
+          <a:p>
+            <a:pPr lvl="1"/>
+            <a:r>
+              <a:rPr lang="hr-HR" dirty="0"/>
+              <a:t>Podatci o korisniku</a:t>
+            </a:r>
+          </a:p>
+          <a:p>
+            <a:endParaRPr lang="hr-HR" dirty="0"/>
+          </a:p>
+          <a:p>
+            <a:r>
+              <a:rPr lang="hr-HR" dirty="0"/>
+              <a:t>Ostale tablice – ostvarivanje relacijskih odnosa među entitetima</a:t>
+            </a:r>
+          </a:p>
+          <a:p>
+            <a:pPr marL="457200" lvl="1" indent="0">
+              <a:buNone/>
+            </a:pPr>
+            <a:endParaRPr lang="hr-HR" dirty="0"/>
+          </a:p>
+          <a:p>
+            <a:pPr lvl="1"/>
+            <a:endParaRPr lang="hr-HR" dirty="0"/>
+          </a:p>
+        </p:txBody>
+      </p:sp>
+    </p:spTree>
+    <p:extLst>
+      <p:ext uri="{BB962C8B-B14F-4D97-AF65-F5344CB8AC3E}">
+        <p14:creationId xmlns:p14="http://schemas.microsoft.com/office/powerpoint/2010/main" val="1773009951"/>
+      </p:ext>
+    </p:extLst>
+  </p:cSld>
+  <p:clrMapOvr>
+    <a:masterClrMapping/>
+  </p:clrMapOvr>
+</p:sld>
+</file>
+
+<file path=ppt/slides/slide31.xml><?xml version="1.0" encoding="utf-8"?>
+<p:sld xmlns:a="http://schemas.openxmlformats.org/drawingml/2006/main" xmlns:r="http://schemas.openxmlformats.org/officeDocument/2006/relationships" xmlns:p="http://schemas.openxmlformats.org/presentationml/2006/main">
+  <p:cSld>
+    <p:spTree>
+      <p:nvGrpSpPr>
+        <p:cNvPr id="1" name=""/>
+        <p:cNvGrpSpPr/>
+        <p:nvPr/>
+      </p:nvGrpSpPr>
+      <p:grpSpPr>
+        <a:xfrm>
+          <a:off x="0" y="0"/>
+          <a:ext cx="0" cy="0"/>
+          <a:chOff x="0" y="0"/>
+          <a:chExt cx="0" cy="0"/>
+        </a:xfrm>
+      </p:grpSpPr>
+      <p:sp>
+        <p:nvSpPr>
+          <p:cNvPr id="2" name="Title 1">
+            <a:extLst>
+              <a:ext uri="{FF2B5EF4-FFF2-40B4-BE49-F238E27FC236}">
+                <a16:creationId xmlns:a16="http://schemas.microsoft.com/office/drawing/2014/main" id="{019FC45D-29F8-ADD6-E7CE-C020F1830C8D}"/>
+              </a:ext>
+            </a:extLst>
+          </p:cNvPr>
+          <p:cNvSpPr>
+            <a:spLocks noGrp="1"/>
+          </p:cNvSpPr>
+          <p:nvPr>
+            <p:ph type="title"/>
+          </p:nvPr>
+        </p:nvSpPr>
+        <p:spPr/>
+        <p:txBody>
+          <a:bodyPr/>
+          <a:lstStyle/>
+          <a:p>
+            <a:r>
+              <a:rPr lang="hr-HR" dirty="0"/>
+              <a:t>Korištene tehnologije</a:t>
+            </a:r>
+          </a:p>
+        </p:txBody>
+      </p:sp>
+      <p:sp>
+        <p:nvSpPr>
+          <p:cNvPr id="8" name="Content Placeholder 7">
+            <a:extLst>
+              <a:ext uri="{FF2B5EF4-FFF2-40B4-BE49-F238E27FC236}">
+                <a16:creationId xmlns:a16="http://schemas.microsoft.com/office/drawing/2014/main" id="{CC10016F-6371-2C3B-3E2A-5863A1E35112}"/>
+              </a:ext>
+            </a:extLst>
+          </p:cNvPr>
+          <p:cNvSpPr>
+            <a:spLocks noGrp="1"/>
+          </p:cNvSpPr>
+          <p:nvPr>
+            <p:ph idx="1"/>
+          </p:nvPr>
+        </p:nvSpPr>
+        <p:spPr/>
+        <p:txBody>
+          <a:bodyPr/>
+          <a:lstStyle/>
+          <a:p>
+            <a:r>
+              <a:rPr lang="hr-HR" dirty="0"/>
+              <a:t>HTML – .</a:t>
+            </a:r>
+            <a:r>
+              <a:rPr lang="hr-HR" dirty="0" err="1"/>
+              <a:t>ejs</a:t>
+            </a:r>
+            <a:r>
+              <a:rPr lang="hr-HR" dirty="0"/>
+              <a:t> </a:t>
+            </a:r>
+            <a:r>
+              <a:rPr lang="hr-HR" dirty="0" err="1"/>
+              <a:t>view</a:t>
+            </a:r>
+            <a:r>
+              <a:rPr lang="hr-HR" dirty="0"/>
+              <a:t> </a:t>
+            </a:r>
+            <a:r>
+              <a:rPr lang="hr-HR" dirty="0" err="1"/>
+              <a:t>engine</a:t>
+            </a:r>
+            <a:r>
+              <a:rPr lang="hr-HR" dirty="0"/>
+              <a:t> za dinamičko generiranje HTML-a</a:t>
+            </a:r>
+          </a:p>
+          <a:p>
+            <a:r>
+              <a:rPr lang="hr-HR" dirty="0"/>
+              <a:t>CSS – </a:t>
+            </a:r>
+            <a:r>
+              <a:rPr lang="hr-HR" dirty="0" err="1"/>
+              <a:t>Boostrap</a:t>
+            </a:r>
+            <a:r>
+              <a:rPr lang="hr-HR" dirty="0"/>
+              <a:t> 5, Font </a:t>
+            </a:r>
+            <a:r>
+              <a:rPr lang="hr-HR" dirty="0" err="1"/>
+              <a:t>Awesome</a:t>
+            </a:r>
+            <a:endParaRPr lang="hr-HR" dirty="0"/>
+          </a:p>
+          <a:p>
+            <a:r>
+              <a:rPr lang="hr-HR" dirty="0" err="1"/>
+              <a:t>Javascript</a:t>
+            </a:r>
+            <a:endParaRPr lang="hr-HR" dirty="0"/>
+          </a:p>
+          <a:p>
+            <a:r>
+              <a:rPr lang="hr-HR" dirty="0"/>
+              <a:t>Java – </a:t>
+            </a:r>
+            <a:r>
+              <a:rPr lang="hr-HR" dirty="0" err="1"/>
+              <a:t>Spring</a:t>
+            </a:r>
+            <a:r>
+              <a:rPr lang="hr-HR" dirty="0"/>
+              <a:t> Framework, </a:t>
+            </a:r>
+            <a:r>
+              <a:rPr lang="hr-HR" dirty="0" err="1"/>
+              <a:t>Hibernate</a:t>
+            </a:r>
+            <a:r>
+              <a:rPr lang="hr-HR" dirty="0"/>
+              <a:t> ORM</a:t>
+            </a:r>
+          </a:p>
+          <a:p>
+            <a:r>
+              <a:rPr lang="hr-HR" dirty="0" err="1"/>
+              <a:t>Postgre</a:t>
+            </a:r>
+            <a:r>
+              <a:rPr lang="hr-HR" dirty="0"/>
+              <a:t> – AWS cloud</a:t>
+            </a:r>
+          </a:p>
+          <a:p>
+            <a:r>
+              <a:rPr lang="hr-HR" dirty="0"/>
+              <a:t>HTTP</a:t>
+            </a:r>
+          </a:p>
+        </p:txBody>
+      </p:sp>
+    </p:spTree>
+    <p:extLst>
+      <p:ext uri="{BB962C8B-B14F-4D97-AF65-F5344CB8AC3E}">
+        <p14:creationId xmlns:p14="http://schemas.microsoft.com/office/powerpoint/2010/main" val="1255398726"/>
+      </p:ext>
+    </p:extLst>
+  </p:cSld>
+  <p:clrMapOvr>
+    <a:masterClrMapping/>
+  </p:clrMapOvr>
+</p:sld>
+</file>
+
+<file path=ppt/slides/slide32.xml><?xml version="1.0" encoding="utf-8"?>
+<p:sld xmlns:a="http://schemas.openxmlformats.org/drawingml/2006/main" xmlns:r="http://schemas.openxmlformats.org/officeDocument/2006/relationships" xmlns:p="http://schemas.openxmlformats.org/presentationml/2006/main">
+  <p:cSld>
+    <p:spTree>
+      <p:nvGrpSpPr>
+        <p:cNvPr id="1" name=""/>
+        <p:cNvGrpSpPr/>
+        <p:nvPr/>
+      </p:nvGrpSpPr>
+      <p:grpSpPr>
+        <a:xfrm>
+          <a:off x="0" y="0"/>
+          <a:ext cx="0" cy="0"/>
+          <a:chOff x="0" y="0"/>
+          <a:chExt cx="0" cy="0"/>
+        </a:xfrm>
+      </p:grpSpPr>
+      <p:sp>
+        <p:nvSpPr>
+          <p:cNvPr id="2" name="Title 1">
+            <a:extLst>
+              <a:ext uri="{FF2B5EF4-FFF2-40B4-BE49-F238E27FC236}">
+                <a16:creationId xmlns:a16="http://schemas.microsoft.com/office/drawing/2014/main" id="{9147A41C-3059-00CD-9013-7B71359FF477}"/>
+              </a:ext>
+            </a:extLst>
+          </p:cNvPr>
+          <p:cNvSpPr>
+            <a:spLocks noGrp="1"/>
+          </p:cNvSpPr>
+          <p:nvPr>
+            <p:ph type="title"/>
+          </p:nvPr>
+        </p:nvSpPr>
+        <p:spPr/>
+        <p:txBody>
+          <a:bodyPr/>
+          <a:lstStyle/>
+          <a:p>
+            <a:r>
+              <a:rPr lang="hr-HR" dirty="0"/>
+              <a:t>Budući rad</a:t>
+            </a:r>
+          </a:p>
+        </p:txBody>
+      </p:sp>
+      <p:sp>
+        <p:nvSpPr>
+          <p:cNvPr id="3" name="Content Placeholder 2">
+            <a:extLst>
+              <a:ext uri="{FF2B5EF4-FFF2-40B4-BE49-F238E27FC236}">
+                <a16:creationId xmlns:a16="http://schemas.microsoft.com/office/drawing/2014/main" id="{11E87F76-3EBD-4A31-E98C-1052340C71AF}"/>
+              </a:ext>
+            </a:extLst>
+          </p:cNvPr>
+          <p:cNvSpPr>
+            <a:spLocks noGrp="1"/>
+          </p:cNvSpPr>
+          <p:nvPr>
+            <p:ph idx="1"/>
+          </p:nvPr>
+        </p:nvSpPr>
+        <p:spPr/>
+        <p:txBody>
+          <a:bodyPr/>
+          <a:lstStyle/>
+          <a:p>
+            <a:r>
+              <a:rPr lang="hr-HR" dirty="0"/>
+              <a:t>Optimiranje metoda obrade zahtjeva na REST poslužitelju</a:t>
+            </a:r>
+          </a:p>
+          <a:p>
+            <a:r>
+              <a:rPr lang="hr-HR" dirty="0"/>
+              <a:t>Sigurnost REST poslužitelja</a:t>
+            </a:r>
+          </a:p>
+          <a:p>
+            <a:r>
+              <a:rPr lang="hr-HR" dirty="0"/>
+              <a:t>Ispitivanje sustava kroz vrednovanje rada korisnika</a:t>
+            </a:r>
+          </a:p>
+          <a:p>
+            <a:r>
+              <a:rPr lang="hr-HR" dirty="0"/>
+              <a:t>Puštanje aplikacije u pogon, javno dostupna</a:t>
+            </a:r>
+          </a:p>
+          <a:p>
+            <a:r>
+              <a:rPr lang="hr-HR" dirty="0"/>
+              <a:t>Dodavanje novih operacija poput uređivanja i brisanja komentara i objava</a:t>
+            </a:r>
+          </a:p>
+          <a:p>
+            <a:pPr lvl="1"/>
+            <a:r>
+              <a:rPr lang="hr-HR" dirty="0"/>
+              <a:t>Infrastruktura za neke već postoji na REST poslužitelju</a:t>
+            </a:r>
+          </a:p>
+        </p:txBody>
+      </p:sp>
+    </p:spTree>
+    <p:extLst>
+      <p:ext uri="{BB962C8B-B14F-4D97-AF65-F5344CB8AC3E}">
+        <p14:creationId xmlns:p14="http://schemas.microsoft.com/office/powerpoint/2010/main" val="23717075"/>
       </p:ext>
     </p:extLst>
   </p:cSld>
@@ -4378,7 +7951,7 @@
           <p:cNvPr id="2" name="Title 1">
             <a:extLst>
               <a:ext uri="{FF2B5EF4-FFF2-40B4-BE49-F238E27FC236}">
-                <a16:creationId xmlns:a16="http://schemas.microsoft.com/office/drawing/2014/main" id="{4D5D348C-A93E-8F4A-8C6C-7D2CBBCBD1BF}"/>
+                <a16:creationId xmlns:a16="http://schemas.microsoft.com/office/drawing/2014/main" id="{5D2CB593-17A6-40B4-7493-44E001CDC133}"/>
               </a:ext>
             </a:extLst>
           </p:cNvPr>
@@ -4389,14 +7962,21 @@
             <p:ph type="title"/>
           </p:nvPr>
         </p:nvSpPr>
-        <p:spPr/>
-        <p:txBody>
-          <a:bodyPr/>
+        <p:spPr>
+          <a:xfrm>
+            <a:off x="838200" y="365126"/>
+            <a:ext cx="10515600" cy="589032"/>
+          </a:xfrm>
+        </p:spPr>
+        <p:txBody>
+          <a:bodyPr>
+            <a:normAutofit fontScale="90000"/>
+          </a:bodyPr>
           <a:lstStyle/>
           <a:p>
             <a:r>
               <a:rPr lang="hr-HR" dirty="0"/>
-              <a:t>Obrasci upotrebe</a:t>
+              <a:t>Dijagram stanja</a:t>
             </a:r>
             <a:br>
               <a:rPr lang="hr-HR" dirty="0"/>
@@ -4405,229 +7985,45 @@
           </a:p>
         </p:txBody>
       </p:sp>
-      <p:sp>
-        <p:nvSpPr>
-          <p:cNvPr id="3" name="Content Placeholder 2">
-            <a:extLst>
-              <a:ext uri="{FF2B5EF4-FFF2-40B4-BE49-F238E27FC236}">
-                <a16:creationId xmlns:a16="http://schemas.microsoft.com/office/drawing/2014/main" id="{B16ACE7C-035C-B51E-9668-3AB5C703BB63}"/>
-              </a:ext>
-            </a:extLst>
-          </p:cNvPr>
-          <p:cNvSpPr>
-            <a:spLocks noGrp="1"/>
-          </p:cNvSpPr>
+      <p:pic>
+        <p:nvPicPr>
+          <p:cNvPr id="9" name="Content Placeholder 8" descr="A diagram of a flowchart">
+            <a:extLst>
+              <a:ext uri="{FF2B5EF4-FFF2-40B4-BE49-F238E27FC236}">
+                <a16:creationId xmlns:a16="http://schemas.microsoft.com/office/drawing/2014/main" id="{43A23BBB-43F8-4D37-DFB3-FDBBDEE166FF}"/>
+              </a:ext>
+            </a:extLst>
+          </p:cNvPr>
+          <p:cNvPicPr>
+            <a:picLocks noGrp="1" noChangeAspect="1"/>
+          </p:cNvPicPr>
           <p:nvPr>
             <p:ph idx="1"/>
           </p:nvPr>
-        </p:nvSpPr>
-        <p:spPr/>
-        <p:txBody>
-          <a:bodyPr/>
-          <a:lstStyle/>
-          <a:p>
-            <a:r>
-              <a:rPr lang="hr-HR" dirty="0"/>
-              <a:t>UC1 – Registracija korisnika</a:t>
-            </a:r>
-          </a:p>
-          <a:p>
-            <a:pPr marL="457200" marR="0" algn="just">
-              <a:spcBef>
-                <a:spcPts val="0"/>
-              </a:spcBef>
-              <a:spcAft>
-                <a:spcPts val="600"/>
-              </a:spcAft>
-            </a:pPr>
-            <a:r>
-              <a:rPr lang="hr-HR" sz="1800" dirty="0">
-                <a:effectLst/>
-                <a:latin typeface="Times New Roman" panose="02020603050405020304" pitchFamily="18" charset="0"/>
-                <a:ea typeface="Times New Roman" panose="02020603050405020304" pitchFamily="18" charset="0"/>
-              </a:rPr>
-              <a:t>Glavni sudionik: korisnik sustava</a:t>
-            </a:r>
-          </a:p>
-          <a:p>
-            <a:pPr marL="457200" marR="0" algn="just">
-              <a:spcBef>
-                <a:spcPts val="0"/>
-              </a:spcBef>
-              <a:spcAft>
-                <a:spcPts val="600"/>
-              </a:spcAft>
-            </a:pPr>
-            <a:r>
-              <a:rPr lang="hr-HR" sz="1800" dirty="0">
-                <a:effectLst/>
-                <a:latin typeface="Times New Roman" panose="02020603050405020304" pitchFamily="18" charset="0"/>
-                <a:ea typeface="Times New Roman" panose="02020603050405020304" pitchFamily="18" charset="0"/>
-              </a:rPr>
-              <a:t>Cilj: Stvaranje korisničkog računa</a:t>
-            </a:r>
-          </a:p>
-          <a:p>
-            <a:pPr marL="457200" marR="0" algn="just">
-              <a:spcBef>
-                <a:spcPts val="0"/>
-              </a:spcBef>
-              <a:spcAft>
-                <a:spcPts val="600"/>
-              </a:spcAft>
-            </a:pPr>
-            <a:r>
-              <a:rPr lang="hr-HR" sz="1800" dirty="0">
-                <a:effectLst/>
-                <a:latin typeface="Times New Roman" panose="02020603050405020304" pitchFamily="18" charset="0"/>
-                <a:ea typeface="Times New Roman" panose="02020603050405020304" pitchFamily="18" charset="0"/>
-              </a:rPr>
-              <a:t>Opis tijeka:</a:t>
-            </a:r>
-          </a:p>
-          <a:p>
-            <a:pPr marL="800100" lvl="1" indent="-342900" algn="just">
-              <a:spcBef>
-                <a:spcPts val="0"/>
-              </a:spcBef>
-              <a:spcAft>
-                <a:spcPts val="600"/>
-              </a:spcAft>
-              <a:buFont typeface="+mj-lt"/>
-              <a:buAutoNum type="arabicPeriod"/>
-            </a:pPr>
-            <a:r>
-              <a:rPr lang="hr-HR" sz="1400" dirty="0">
-                <a:effectLst/>
-                <a:latin typeface="Times New Roman" panose="02020603050405020304" pitchFamily="18" charset="0"/>
-                <a:ea typeface="Times New Roman" panose="02020603050405020304" pitchFamily="18" charset="0"/>
-              </a:rPr>
-              <a:t>Korisnik odabire opciju za registraciju</a:t>
-            </a:r>
-          </a:p>
-          <a:p>
-            <a:pPr marL="800100" lvl="1" indent="-342900" algn="just">
-              <a:spcBef>
-                <a:spcPts val="0"/>
-              </a:spcBef>
-              <a:spcAft>
-                <a:spcPts val="600"/>
-              </a:spcAft>
-              <a:buFont typeface="+mj-lt"/>
-              <a:buAutoNum type="arabicPeriod"/>
-            </a:pPr>
-            <a:r>
-              <a:rPr lang="hr-HR" sz="1400" dirty="0">
-                <a:effectLst/>
-                <a:latin typeface="Times New Roman" panose="02020603050405020304" pitchFamily="18" charset="0"/>
-                <a:ea typeface="Times New Roman" panose="02020603050405020304" pitchFamily="18" charset="0"/>
-              </a:rPr>
-              <a:t>Korisnik unosi potrebne podatke</a:t>
-            </a:r>
-          </a:p>
-          <a:p>
-            <a:pPr marL="800100" lvl="1" indent="-342900" algn="just">
-              <a:spcBef>
-                <a:spcPts val="0"/>
-              </a:spcBef>
-              <a:spcAft>
-                <a:spcPts val="600"/>
-              </a:spcAft>
-              <a:buFont typeface="+mj-lt"/>
-              <a:buAutoNum type="arabicPeriod"/>
-            </a:pPr>
-            <a:r>
-              <a:rPr lang="hr-HR" sz="1400" dirty="0">
-                <a:effectLst/>
-                <a:latin typeface="Times New Roman" panose="02020603050405020304" pitchFamily="18" charset="0"/>
-                <a:ea typeface="Times New Roman" panose="02020603050405020304" pitchFamily="18" charset="0"/>
-              </a:rPr>
-              <a:t>Korisnika se pri uspješnoj registraciji automatski prijavljuje u sustav</a:t>
-            </a:r>
-          </a:p>
-          <a:p>
-            <a:pPr marL="457200" lvl="1" indent="0" algn="just">
-              <a:spcBef>
-                <a:spcPts val="0"/>
-              </a:spcBef>
-              <a:spcAft>
-                <a:spcPts val="600"/>
-              </a:spcAft>
-              <a:buNone/>
-            </a:pPr>
-            <a:r>
-              <a:rPr lang="hr-HR" sz="1800" dirty="0">
-                <a:effectLst/>
-                <a:latin typeface="Times New Roman" panose="02020603050405020304" pitchFamily="18" charset="0"/>
-                <a:ea typeface="Times New Roman" panose="02020603050405020304" pitchFamily="18" charset="0"/>
-              </a:rPr>
-              <a:t>Moguća odstupanja:</a:t>
-            </a:r>
-          </a:p>
-          <a:p>
-            <a:pPr marL="914400" marR="0" algn="just">
-              <a:spcBef>
-                <a:spcPts val="0"/>
-              </a:spcBef>
-              <a:spcAft>
-                <a:spcPts val="600"/>
-              </a:spcAft>
-            </a:pPr>
-            <a:r>
-              <a:rPr lang="hr-HR" sz="1800" dirty="0">
-                <a:effectLst/>
-                <a:latin typeface="Times New Roman" panose="02020603050405020304" pitchFamily="18" charset="0"/>
-                <a:ea typeface="Times New Roman" panose="02020603050405020304" pitchFamily="18" charset="0"/>
-              </a:rPr>
-              <a:t>Unos podataka nevaljan:</a:t>
-            </a:r>
-          </a:p>
-          <a:p>
-            <a:pPr marL="800100" lvl="1" indent="-342900" algn="just">
-              <a:spcBef>
-                <a:spcPts val="0"/>
-              </a:spcBef>
-              <a:spcAft>
-                <a:spcPts val="600"/>
-              </a:spcAft>
-              <a:buFont typeface="+mj-lt"/>
-              <a:buAutoNum type="arabicPeriod"/>
-            </a:pPr>
-            <a:r>
-              <a:rPr lang="hr-HR" sz="1400" dirty="0">
-                <a:effectLst/>
-                <a:latin typeface="Times New Roman" panose="02020603050405020304" pitchFamily="18" charset="0"/>
-                <a:ea typeface="Times New Roman" panose="02020603050405020304" pitchFamily="18" charset="0"/>
-              </a:rPr>
-              <a:t>Sustav šalje obavijest o pogrešci pri registraciji</a:t>
-            </a:r>
-          </a:p>
-          <a:p>
-            <a:pPr marL="800100" lvl="1" indent="-342900" algn="just">
-              <a:spcBef>
-                <a:spcPts val="0"/>
-              </a:spcBef>
-              <a:spcAft>
-                <a:spcPts val="600"/>
-              </a:spcAft>
-              <a:buFont typeface="+mj-lt"/>
-              <a:buAutoNum type="arabicPeriod"/>
-            </a:pPr>
-            <a:r>
-              <a:rPr lang="hr-HR" sz="1400" dirty="0">
-                <a:effectLst/>
-                <a:latin typeface="Times New Roman" panose="02020603050405020304" pitchFamily="18" charset="0"/>
-                <a:ea typeface="Times New Roman" panose="02020603050405020304" pitchFamily="18" charset="0"/>
-              </a:rPr>
-              <a:t>Korisnik mijenja podatke u valjane ili odustaje</a:t>
-            </a:r>
-          </a:p>
-        </p:txBody>
-      </p:sp>
+        </p:nvPicPr>
+        <p:blipFill>
+          <a:blip r:embed="rId2">
+            <a:extLst>
+              <a:ext uri="{28A0092B-C50C-407E-A947-70E740481C1C}">
+                <a14:useLocalDpi xmlns:a14="http://schemas.microsoft.com/office/drawing/2010/main" val="0"/>
+              </a:ext>
+            </a:extLst>
+          </a:blip>
+          <a:stretch>
+            <a:fillRect/>
+          </a:stretch>
+        </p:blipFill>
+        <p:spPr>
+          <a:xfrm>
+            <a:off x="788505" y="907774"/>
+            <a:ext cx="10422834" cy="5498342"/>
+          </a:xfrm>
+        </p:spPr>
+      </p:pic>
     </p:spTree>
     <p:extLst>
       <p:ext uri="{BB962C8B-B14F-4D97-AF65-F5344CB8AC3E}">
-        <p14:creationId xmlns:p14="http://schemas.microsoft.com/office/powerpoint/2010/main" val="1141560669"/>
+        <p14:creationId xmlns:p14="http://schemas.microsoft.com/office/powerpoint/2010/main" val="3592298925"/>
       </p:ext>
     </p:extLst>
   </p:cSld>
@@ -4656,10 +8052,38 @@
       </p:grpSpPr>
       <p:sp>
         <p:nvSpPr>
+          <p:cNvPr id="2" name="Title 1">
+            <a:extLst>
+              <a:ext uri="{FF2B5EF4-FFF2-40B4-BE49-F238E27FC236}">
+                <a16:creationId xmlns:a16="http://schemas.microsoft.com/office/drawing/2014/main" id="{89DBFC16-31B3-5773-10B3-61BB3BF74170}"/>
+              </a:ext>
+            </a:extLst>
+          </p:cNvPr>
+          <p:cNvSpPr>
+            <a:spLocks noGrp="1"/>
+          </p:cNvSpPr>
+          <p:nvPr>
+            <p:ph type="title"/>
+          </p:nvPr>
+        </p:nvSpPr>
+        <p:spPr/>
+        <p:txBody>
+          <a:bodyPr/>
+          <a:lstStyle/>
+          <a:p>
+            <a:r>
+              <a:rPr lang="hr-HR" dirty="0"/>
+              <a:t>Funkcionalni zahtjevi</a:t>
+            </a:r>
+          </a:p>
+        </p:txBody>
+      </p:sp>
+      <p:sp>
+        <p:nvSpPr>
           <p:cNvPr id="3" name="Content Placeholder 2">
             <a:extLst>
               <a:ext uri="{FF2B5EF4-FFF2-40B4-BE49-F238E27FC236}">
-                <a16:creationId xmlns:a16="http://schemas.microsoft.com/office/drawing/2014/main" id="{241737D7-0F83-B8A2-F8E3-6E02384973D2}"/>
+                <a16:creationId xmlns:a16="http://schemas.microsoft.com/office/drawing/2014/main" id="{7D598172-2E0D-89AE-B88C-856D5B88A0B4}"/>
               </a:ext>
             </a:extLst>
           </p:cNvPr>
@@ -4672,210 +8096,17 @@
         </p:nvSpPr>
         <p:spPr>
           <a:xfrm>
-            <a:off x="838200" y="123886"/>
-            <a:ext cx="10515600" cy="5804965"/>
+            <a:off x="972671" y="1872689"/>
+            <a:ext cx="10515600" cy="4351338"/>
           </a:xfrm>
         </p:spPr>
         <p:txBody>
           <a:bodyPr>
-            <a:normAutofit/>
+            <a:normAutofit fontScale="92500" lnSpcReduction="20000"/>
           </a:bodyPr>
           <a:lstStyle/>
           <a:p>
-            <a:pPr marL="457200" marR="0" algn="just">
-              <a:spcBef>
-                <a:spcPts val="0"/>
-              </a:spcBef>
-              <a:spcAft>
-                <a:spcPts val="600"/>
-              </a:spcAft>
-            </a:pPr>
-            <a:r>
-              <a:rPr lang="hr-HR" sz="1800" b="1" dirty="0">
-                <a:effectLst/>
-                <a:latin typeface="Times New Roman" panose="02020603050405020304" pitchFamily="18" charset="0"/>
-                <a:ea typeface="Times New Roman" panose="02020603050405020304" pitchFamily="18" charset="0"/>
-              </a:rPr>
-              <a:t>UC2: Stvaranje objave</a:t>
-            </a:r>
-            <a:endParaRPr lang="hr-HR" sz="1800" dirty="0">
-              <a:effectLst/>
-              <a:latin typeface="Times New Roman" panose="02020603050405020304" pitchFamily="18" charset="0"/>
-              <a:ea typeface="Times New Roman" panose="02020603050405020304" pitchFamily="18" charset="0"/>
-            </a:endParaRPr>
-          </a:p>
-          <a:p>
-            <a:pPr marL="457200" marR="0" algn="just">
-              <a:spcBef>
-                <a:spcPts val="0"/>
-              </a:spcBef>
-              <a:spcAft>
-                <a:spcPts val="600"/>
-              </a:spcAft>
-            </a:pPr>
-            <a:r>
-              <a:rPr lang="hr-HR" sz="1800" dirty="0">
-                <a:effectLst/>
-                <a:latin typeface="Times New Roman" panose="02020603050405020304" pitchFamily="18" charset="0"/>
-                <a:ea typeface="Times New Roman" panose="02020603050405020304" pitchFamily="18" charset="0"/>
-              </a:rPr>
-              <a:t>	Glavni sudionik: korisnik sustava</a:t>
-            </a:r>
-          </a:p>
-          <a:p>
-            <a:pPr marL="457200" marR="0" algn="just">
-              <a:spcBef>
-                <a:spcPts val="0"/>
-              </a:spcBef>
-              <a:spcAft>
-                <a:spcPts val="600"/>
-              </a:spcAft>
-            </a:pPr>
-            <a:r>
-              <a:rPr lang="hr-HR" sz="1800" dirty="0">
-                <a:effectLst/>
-                <a:latin typeface="Times New Roman" panose="02020603050405020304" pitchFamily="18" charset="0"/>
-                <a:ea typeface="Times New Roman" panose="02020603050405020304" pitchFamily="18" charset="0"/>
-              </a:rPr>
-              <a:t>	Cilj: Stvaranje objave</a:t>
-            </a:r>
-          </a:p>
-          <a:p>
-            <a:pPr marL="457200" marR="0" algn="just">
-              <a:spcBef>
-                <a:spcPts val="0"/>
-              </a:spcBef>
-              <a:spcAft>
-                <a:spcPts val="600"/>
-              </a:spcAft>
-            </a:pPr>
-            <a:r>
-              <a:rPr lang="hr-HR" sz="1800" dirty="0">
-                <a:effectLst/>
-                <a:latin typeface="Times New Roman" panose="02020603050405020304" pitchFamily="18" charset="0"/>
-                <a:ea typeface="Times New Roman" panose="02020603050405020304" pitchFamily="18" charset="0"/>
-              </a:rPr>
-              <a:t>	Preduvjet: Prijavljeni korisnik</a:t>
-            </a:r>
-          </a:p>
-          <a:p>
-            <a:pPr marL="457200" marR="0" algn="just">
-              <a:spcBef>
-                <a:spcPts val="0"/>
-              </a:spcBef>
-              <a:spcAft>
-                <a:spcPts val="600"/>
-              </a:spcAft>
-            </a:pPr>
-            <a:r>
-              <a:rPr lang="hr-HR" sz="1800" dirty="0">
-                <a:effectLst/>
-                <a:latin typeface="Times New Roman" panose="02020603050405020304" pitchFamily="18" charset="0"/>
-                <a:ea typeface="Times New Roman" panose="02020603050405020304" pitchFamily="18" charset="0"/>
-              </a:rPr>
-              <a:t>	Opis tijeka:</a:t>
-            </a:r>
-          </a:p>
-          <a:p>
-            <a:pPr marL="800100" lvl="1" indent="-342900" algn="just">
-              <a:spcBef>
-                <a:spcPts val="0"/>
-              </a:spcBef>
-              <a:spcAft>
-                <a:spcPts val="600"/>
-              </a:spcAft>
-              <a:buFont typeface="+mj-lt"/>
-              <a:buAutoNum type="arabicPeriod"/>
-            </a:pPr>
-            <a:r>
-              <a:rPr lang="hr-HR" sz="1600" dirty="0">
-                <a:effectLst/>
-                <a:latin typeface="Times New Roman" panose="02020603050405020304" pitchFamily="18" charset="0"/>
-                <a:ea typeface="Times New Roman" panose="02020603050405020304" pitchFamily="18" charset="0"/>
-              </a:rPr>
-              <a:t>Korisnik odabire opciju za izradu nove objave</a:t>
-            </a:r>
-          </a:p>
-          <a:p>
-            <a:pPr marL="800100" lvl="1" indent="-342900" algn="just">
-              <a:spcBef>
-                <a:spcPts val="0"/>
-              </a:spcBef>
-              <a:spcAft>
-                <a:spcPts val="600"/>
-              </a:spcAft>
-              <a:buFont typeface="+mj-lt"/>
-              <a:buAutoNum type="arabicPeriod"/>
-            </a:pPr>
-            <a:r>
-              <a:rPr lang="hr-HR" sz="1600" dirty="0">
-                <a:effectLst/>
-                <a:latin typeface="Times New Roman" panose="02020603050405020304" pitchFamily="18" charset="0"/>
-                <a:ea typeface="Times New Roman" panose="02020603050405020304" pitchFamily="18" charset="0"/>
-              </a:rPr>
-              <a:t>Korisnik unosi naslov i tekst</a:t>
-            </a:r>
-          </a:p>
-          <a:p>
-            <a:pPr marL="800100" lvl="1" indent="-342900" algn="just">
-              <a:spcBef>
-                <a:spcPts val="0"/>
-              </a:spcBef>
-              <a:spcAft>
-                <a:spcPts val="600"/>
-              </a:spcAft>
-              <a:buFont typeface="+mj-lt"/>
-              <a:buAutoNum type="arabicPeriod"/>
-            </a:pPr>
-            <a:r>
-              <a:rPr lang="hr-HR" sz="1600" dirty="0">
-                <a:effectLst/>
-                <a:latin typeface="Times New Roman" panose="02020603050405020304" pitchFamily="18" charset="0"/>
-                <a:ea typeface="Times New Roman" panose="02020603050405020304" pitchFamily="18" charset="0"/>
-              </a:rPr>
-              <a:t>Korisnik klika na prozor za unos slike i iz izbornika datotečnog sustava  odabire sliku koju želi postaviti </a:t>
-            </a:r>
-          </a:p>
-          <a:p>
-            <a:pPr marL="800100" lvl="1" indent="-342900" algn="just">
-              <a:spcBef>
-                <a:spcPts val="0"/>
-              </a:spcBef>
-              <a:spcAft>
-                <a:spcPts val="600"/>
-              </a:spcAft>
-              <a:buFont typeface="+mj-lt"/>
-              <a:buAutoNum type="arabicPeriod"/>
-            </a:pPr>
-            <a:r>
-              <a:rPr lang="hr-HR" sz="1400" dirty="0">
-                <a:effectLst/>
-                <a:latin typeface="Times New Roman" panose="02020603050405020304" pitchFamily="18" charset="0"/>
-                <a:ea typeface="Times New Roman" panose="02020603050405020304" pitchFamily="18" charset="0"/>
-              </a:rPr>
-              <a:t>Korisnika se po uspješnom stvaranju objave preusmjerava na stranicu s objavama</a:t>
-            </a:r>
-          </a:p>
-          <a:p>
-            <a:pPr marL="914400" marR="0" algn="just">
-              <a:spcBef>
-                <a:spcPts val="0"/>
-              </a:spcBef>
-              <a:spcAft>
-                <a:spcPts val="600"/>
-              </a:spcAft>
-            </a:pPr>
-            <a:r>
-              <a:rPr lang="hr-HR" sz="1800" dirty="0">
-                <a:effectLst/>
-                <a:latin typeface="Times New Roman" panose="02020603050405020304" pitchFamily="18" charset="0"/>
-                <a:ea typeface="Times New Roman" panose="02020603050405020304" pitchFamily="18" charset="0"/>
-              </a:rPr>
-              <a:t>Moguća odstupanja:</a:t>
-            </a:r>
-          </a:p>
-          <a:p>
-            <a:pPr marL="685800" marR="0" indent="0" algn="just">
+            <a:pPr marL="457200" marR="0" lvl="1" indent="0" algn="just">
               <a:spcBef>
                 <a:spcPts val="0"/>
               </a:spcBef>
@@ -4885,43 +8116,207 @@
               <a:buNone/>
             </a:pPr>
             <a:r>
+              <a:rPr lang="hr-HR" sz="1800" b="1" dirty="0">
+                <a:effectLst/>
+                <a:latin typeface="Times New Roman" panose="02020603050405020304" pitchFamily="18" charset="0"/>
+                <a:ea typeface="Times New Roman" panose="02020603050405020304" pitchFamily="18" charset="0"/>
+              </a:rPr>
+              <a:t>Registracija korisnika – </a:t>
+            </a:r>
+            <a:r>
               <a:rPr lang="hr-HR" sz="1800" dirty="0">
                 <a:effectLst/>
                 <a:latin typeface="Times New Roman" panose="02020603050405020304" pitchFamily="18" charset="0"/>
                 <a:ea typeface="Times New Roman" panose="02020603050405020304" pitchFamily="18" charset="0"/>
               </a:rPr>
-              <a:t>	Korisnik se odlučuje ne postaviti sliku</a:t>
-            </a:r>
-          </a:p>
-          <a:p>
-            <a:pPr marL="1257300" lvl="2" indent="-342900" algn="just">
+              <a:t>korisnik može stvoriti vlastit korisnički račun</a:t>
+            </a:r>
+          </a:p>
+          <a:p>
+            <a:pPr marL="457200" marR="0" lvl="1" indent="0" algn="just">
               <a:spcBef>
                 <a:spcPts val="0"/>
               </a:spcBef>
               <a:spcAft>
                 <a:spcPts val="600"/>
               </a:spcAft>
-              <a:buFont typeface="+mj-lt"/>
-              <a:buAutoNum type="arabicPeriod"/>
+              <a:buNone/>
             </a:pPr>
             <a:r>
-              <a:rPr lang="hr-HR" sz="1500" dirty="0">
+              <a:rPr lang="hr-HR" sz="1800" b="1" dirty="0">
                 <a:effectLst/>
                 <a:latin typeface="Times New Roman" panose="02020603050405020304" pitchFamily="18" charset="0"/>
                 <a:ea typeface="Times New Roman" panose="02020603050405020304" pitchFamily="18" charset="0"/>
               </a:rPr>
-              <a:t>Izostavlja se treći korak</a:t>
+              <a:t>Stvaranje objave – </a:t>
+            </a:r>
+            <a:r>
+              <a:rPr lang="hr-HR" sz="1800" dirty="0" err="1">
+                <a:effectLst/>
+                <a:latin typeface="Times New Roman" panose="02020603050405020304" pitchFamily="18" charset="0"/>
+                <a:ea typeface="Times New Roman" panose="02020603050405020304" pitchFamily="18" charset="0"/>
+              </a:rPr>
+              <a:t>registirani</a:t>
+            </a:r>
+            <a:r>
+              <a:rPr lang="hr-HR" sz="1800" dirty="0">
+                <a:effectLst/>
+                <a:latin typeface="Times New Roman" panose="02020603050405020304" pitchFamily="18" charset="0"/>
+                <a:ea typeface="Times New Roman" panose="02020603050405020304" pitchFamily="18" charset="0"/>
+              </a:rPr>
+              <a:t> i prijavljeni korisnik može stvoriti vlastitu objavu koja se sastoji od naslova, teksta i/ili slike i vidljiva je drugim korisnicima</a:t>
+            </a:r>
+          </a:p>
+          <a:p>
+            <a:pPr marL="457200" marR="0" lvl="1" indent="0" algn="just">
+              <a:spcBef>
+                <a:spcPts val="0"/>
+              </a:spcBef>
+              <a:spcAft>
+                <a:spcPts val="600"/>
+              </a:spcAft>
+              <a:buNone/>
+            </a:pPr>
+            <a:r>
+              <a:rPr lang="hr-HR" sz="1800" b="1" dirty="0">
+                <a:effectLst/>
+                <a:latin typeface="Times New Roman" panose="02020603050405020304" pitchFamily="18" charset="0"/>
+                <a:ea typeface="Times New Roman" panose="02020603050405020304" pitchFamily="18" charset="0"/>
+              </a:rPr>
+              <a:t>Komentiranje objave – </a:t>
+            </a:r>
+            <a:r>
+              <a:rPr lang="hr-HR" sz="1800" dirty="0">
+                <a:effectLst/>
+                <a:latin typeface="Times New Roman" panose="02020603050405020304" pitchFamily="18" charset="0"/>
+                <a:ea typeface="Times New Roman" panose="02020603050405020304" pitchFamily="18" charset="0"/>
+              </a:rPr>
+              <a:t>prijavljeni korisnik može na proizvoljnoj objavi ostaviti tekstualni komentar</a:t>
+            </a:r>
+          </a:p>
+          <a:p>
+            <a:pPr marL="457200" marR="0" lvl="1" indent="0" algn="just">
+              <a:spcBef>
+                <a:spcPts val="0"/>
+              </a:spcBef>
+              <a:spcAft>
+                <a:spcPts val="600"/>
+              </a:spcAft>
+              <a:buNone/>
+            </a:pPr>
+            <a:r>
+              <a:rPr lang="hr-HR" sz="1800" b="1" dirty="0">
+                <a:effectLst/>
+                <a:latin typeface="Times New Roman" panose="02020603050405020304" pitchFamily="18" charset="0"/>
+                <a:ea typeface="Times New Roman" panose="02020603050405020304" pitchFamily="18" charset="0"/>
+              </a:rPr>
+              <a:t>Reakcija na objavu – </a:t>
+            </a:r>
+            <a:r>
+              <a:rPr lang="hr-HR" sz="1800" dirty="0">
+                <a:effectLst/>
+                <a:latin typeface="Times New Roman" panose="02020603050405020304" pitchFamily="18" charset="0"/>
+                <a:ea typeface="Times New Roman" panose="02020603050405020304" pitchFamily="18" charset="0"/>
+              </a:rPr>
+              <a:t>prijavljeni korisnik na </a:t>
+            </a:r>
+            <a:r>
+              <a:rPr lang="hr-HR" sz="1800" dirty="0" err="1">
+                <a:effectLst/>
+                <a:latin typeface="Times New Roman" panose="02020603050405020304" pitchFamily="18" charset="0"/>
+                <a:ea typeface="Times New Roman" panose="02020603050405020304" pitchFamily="18" charset="0"/>
+              </a:rPr>
+              <a:t>porizvoljnoj</a:t>
+            </a:r>
+            <a:r>
+              <a:rPr lang="hr-HR" sz="1800" dirty="0">
+                <a:effectLst/>
+                <a:latin typeface="Times New Roman" panose="02020603050405020304" pitchFamily="18" charset="0"/>
+                <a:ea typeface="Times New Roman" panose="02020603050405020304" pitchFamily="18" charset="0"/>
+              </a:rPr>
+              <a:t> objavi može ostaviti reakciju u obliku oznake „Sviđa mi se“.</a:t>
+            </a:r>
+          </a:p>
+          <a:p>
+            <a:pPr marL="457200" marR="0" lvl="1" indent="0" algn="just">
+              <a:spcBef>
+                <a:spcPts val="0"/>
+              </a:spcBef>
+              <a:spcAft>
+                <a:spcPts val="600"/>
+              </a:spcAft>
+              <a:buNone/>
+            </a:pPr>
+            <a:r>
+              <a:rPr lang="hr-HR" sz="1800" b="1" dirty="0">
+                <a:effectLst/>
+                <a:latin typeface="Times New Roman" panose="02020603050405020304" pitchFamily="18" charset="0"/>
+                <a:ea typeface="Times New Roman" panose="02020603050405020304" pitchFamily="18" charset="0"/>
+              </a:rPr>
+              <a:t>Praćenje drugih korisnika – </a:t>
+            </a:r>
+            <a:r>
+              <a:rPr lang="hr-HR" sz="1800" dirty="0">
+                <a:effectLst/>
+                <a:latin typeface="Times New Roman" panose="02020603050405020304" pitchFamily="18" charset="0"/>
+                <a:ea typeface="Times New Roman" panose="02020603050405020304" pitchFamily="18" charset="0"/>
+              </a:rPr>
+              <a:t>prijavljeni korisnik može pratiti korisnički račun drugog korisnika u svrhu veće vidljivosti objava </a:t>
+            </a:r>
+            <a:r>
+              <a:rPr lang="hr-HR" sz="1800" dirty="0" err="1">
+                <a:effectLst/>
+                <a:latin typeface="Times New Roman" panose="02020603050405020304" pitchFamily="18" charset="0"/>
+                <a:ea typeface="Times New Roman" panose="02020603050405020304" pitchFamily="18" charset="0"/>
+              </a:rPr>
+              <a:t>pračenog</a:t>
+            </a:r>
+            <a:r>
+              <a:rPr lang="hr-HR" sz="1800" dirty="0">
+                <a:effectLst/>
+                <a:latin typeface="Times New Roman" panose="02020603050405020304" pitchFamily="18" charset="0"/>
+                <a:ea typeface="Times New Roman" panose="02020603050405020304" pitchFamily="18" charset="0"/>
+              </a:rPr>
+              <a:t> korisnika</a:t>
             </a:r>
           </a:p>
           <a:p>
             <a:endParaRPr lang="hr-HR" dirty="0"/>
+          </a:p>
+          <a:p>
+            <a:endParaRPr lang="hr-HR" dirty="0"/>
+          </a:p>
+          <a:p>
+            <a:endParaRPr lang="hr-HR" dirty="0"/>
+          </a:p>
+          <a:p>
+            <a:endParaRPr lang="hr-HR" dirty="0"/>
+          </a:p>
+          <a:p>
+            <a:r>
+              <a:rPr lang="hr-HR" sz="1400" dirty="0"/>
+              <a:t>Literatura: </a:t>
+            </a:r>
+            <a:r>
+              <a:rPr lang="hr-HR" sz="1400" dirty="0">
+                <a:hlinkClick r:id="rId2"/>
+              </a:rPr>
+              <a:t>https://www.fer.unizg.hr/_download/repository/Procesi_programskog_inzenjerstva_3_izdanje.pdf</a:t>
+            </a:r>
+            <a:endParaRPr lang="hr-HR" sz="1400" dirty="0"/>
+          </a:p>
+          <a:p>
+            <a:r>
+              <a:rPr lang="hr-HR" sz="1000" dirty="0"/>
+              <a:t>https://hr.itpedia.nl/2017/01/04/sisp-2-2-soorten-requirements/</a:t>
+            </a:r>
           </a:p>
         </p:txBody>
       </p:sp>
     </p:spTree>
     <p:extLst>
       <p:ext uri="{BB962C8B-B14F-4D97-AF65-F5344CB8AC3E}">
-        <p14:creationId xmlns:p14="http://schemas.microsoft.com/office/powerpoint/2010/main" val="2547065087"/>
+        <p14:creationId xmlns:p14="http://schemas.microsoft.com/office/powerpoint/2010/main" val="2703888348"/>
       </p:ext>
     </p:extLst>
   </p:cSld>
@@ -4950,258 +8345,76 @@
       </p:grpSpPr>
       <p:sp>
         <p:nvSpPr>
-          <p:cNvPr id="3" name="Content Placeholder 2">
-            <a:extLst>
-              <a:ext uri="{FF2B5EF4-FFF2-40B4-BE49-F238E27FC236}">
-                <a16:creationId xmlns:a16="http://schemas.microsoft.com/office/drawing/2014/main" id="{B405C663-F86E-F643-1A91-93FC2E6BF8F0}"/>
-              </a:ext>
-            </a:extLst>
-          </p:cNvPr>
-          <p:cNvSpPr>
-            <a:spLocks noGrp="1"/>
-          </p:cNvSpPr>
-          <p:nvPr>
-            <p:ph idx="1"/>
-          </p:nvPr>
-        </p:nvSpPr>
-        <p:spPr>
-          <a:xfrm>
-            <a:off x="838200" y="808212"/>
-            <a:ext cx="10515600" cy="5368751"/>
-          </a:xfrm>
-        </p:spPr>
+          <p:cNvPr id="2" name="Title 1">
+            <a:extLst>
+              <a:ext uri="{FF2B5EF4-FFF2-40B4-BE49-F238E27FC236}">
+                <a16:creationId xmlns:a16="http://schemas.microsoft.com/office/drawing/2014/main" id="{E3FEA8D3-0907-2287-63A6-497F1AB4A47E}"/>
+              </a:ext>
+            </a:extLst>
+          </p:cNvPr>
+          <p:cNvSpPr>
+            <a:spLocks noGrp="1"/>
+          </p:cNvSpPr>
+          <p:nvPr>
+            <p:ph type="title"/>
+          </p:nvPr>
+        </p:nvSpPr>
+        <p:spPr/>
         <p:txBody>
           <a:bodyPr/>
           <a:lstStyle/>
           <a:p>
-            <a:pPr marL="457200" marR="0" algn="just">
-              <a:spcBef>
-                <a:spcPts val="0"/>
-              </a:spcBef>
-              <a:spcAft>
-                <a:spcPts val="600"/>
-              </a:spcAft>
-            </a:pPr>
-            <a:r>
-              <a:rPr lang="hr-HR" sz="1800" b="1" dirty="0">
-                <a:effectLst/>
-                <a:latin typeface="Times New Roman" panose="02020603050405020304" pitchFamily="18" charset="0"/>
-                <a:ea typeface="Times New Roman" panose="02020603050405020304" pitchFamily="18" charset="0"/>
-              </a:rPr>
-              <a:t>UC3: Komentiranje objave</a:t>
-            </a:r>
-            <a:endParaRPr lang="hr-HR" sz="1800" dirty="0">
-              <a:effectLst/>
-              <a:latin typeface="Times New Roman" panose="02020603050405020304" pitchFamily="18" charset="0"/>
-              <a:ea typeface="Times New Roman" panose="02020603050405020304" pitchFamily="18" charset="0"/>
-            </a:endParaRPr>
-          </a:p>
-          <a:p>
-            <a:pPr marL="457200" marR="0" algn="just">
-              <a:spcBef>
-                <a:spcPts val="0"/>
-              </a:spcBef>
-              <a:spcAft>
-                <a:spcPts val="600"/>
-              </a:spcAft>
-            </a:pPr>
-            <a:r>
-              <a:rPr lang="hr-HR" sz="1800" dirty="0">
-                <a:effectLst/>
-                <a:latin typeface="Times New Roman" panose="02020603050405020304" pitchFamily="18" charset="0"/>
-                <a:ea typeface="Times New Roman" panose="02020603050405020304" pitchFamily="18" charset="0"/>
-              </a:rPr>
-              <a:t>	Glavni sudionik: korisnik sustava</a:t>
-            </a:r>
-          </a:p>
-          <a:p>
-            <a:pPr marL="457200" marR="0" algn="just">
-              <a:spcBef>
-                <a:spcPts val="0"/>
-              </a:spcBef>
-              <a:spcAft>
-                <a:spcPts val="600"/>
-              </a:spcAft>
-            </a:pPr>
-            <a:r>
-              <a:rPr lang="hr-HR" sz="1800" dirty="0">
-                <a:effectLst/>
-                <a:latin typeface="Times New Roman" panose="02020603050405020304" pitchFamily="18" charset="0"/>
-                <a:ea typeface="Times New Roman" panose="02020603050405020304" pitchFamily="18" charset="0"/>
-              </a:rPr>
-              <a:t>	Cilj: Komentiranje objave</a:t>
-            </a:r>
-          </a:p>
-          <a:p>
-            <a:pPr marL="457200" marR="0" algn="just">
-              <a:spcBef>
-                <a:spcPts val="0"/>
-              </a:spcBef>
-              <a:spcAft>
-                <a:spcPts val="600"/>
-              </a:spcAft>
-            </a:pPr>
-            <a:r>
-              <a:rPr lang="hr-HR" sz="1800" dirty="0">
-                <a:effectLst/>
-                <a:latin typeface="Times New Roman" panose="02020603050405020304" pitchFamily="18" charset="0"/>
-                <a:ea typeface="Times New Roman" panose="02020603050405020304" pitchFamily="18" charset="0"/>
-              </a:rPr>
-              <a:t>	Preduvjet: Prijavljeni korisnik</a:t>
-            </a:r>
-          </a:p>
-          <a:p>
-            <a:pPr marL="457200" marR="0" algn="just">
-              <a:spcBef>
-                <a:spcPts val="0"/>
-              </a:spcBef>
-              <a:spcAft>
-                <a:spcPts val="600"/>
-              </a:spcAft>
-            </a:pPr>
-            <a:r>
-              <a:rPr lang="hr-HR" sz="1800" dirty="0">
-                <a:effectLst/>
-                <a:latin typeface="Times New Roman" panose="02020603050405020304" pitchFamily="18" charset="0"/>
-                <a:ea typeface="Times New Roman" panose="02020603050405020304" pitchFamily="18" charset="0"/>
-              </a:rPr>
-              <a:t>	Opis tijeka:</a:t>
-            </a:r>
-          </a:p>
-          <a:p>
-            <a:pPr marL="800100" lvl="1" indent="-342900" algn="just">
-              <a:spcBef>
-                <a:spcPts val="0"/>
-              </a:spcBef>
-              <a:spcAft>
-                <a:spcPts val="600"/>
-              </a:spcAft>
-              <a:buFont typeface="+mj-lt"/>
-              <a:buAutoNum type="arabicPeriod"/>
-            </a:pPr>
-            <a:r>
-              <a:rPr lang="hr-HR" sz="1600" dirty="0">
-                <a:effectLst/>
-                <a:latin typeface="Times New Roman" panose="02020603050405020304" pitchFamily="18" charset="0"/>
-                <a:ea typeface="Times New Roman" panose="02020603050405020304" pitchFamily="18" charset="0"/>
-              </a:rPr>
-              <a:t>Korisnik identificira prostor za unos komentara ispod objave koju želi komentirati</a:t>
-            </a:r>
-          </a:p>
-          <a:p>
-            <a:pPr marL="800100" lvl="1" indent="-342900" algn="just">
-              <a:spcBef>
-                <a:spcPts val="0"/>
-              </a:spcBef>
-              <a:spcAft>
-                <a:spcPts val="600"/>
-              </a:spcAft>
-              <a:buFont typeface="+mj-lt"/>
-              <a:buAutoNum type="arabicPeriod"/>
-            </a:pPr>
-            <a:r>
-              <a:rPr lang="hr-HR" sz="1600" dirty="0">
-                <a:effectLst/>
-                <a:latin typeface="Times New Roman" panose="02020603050405020304" pitchFamily="18" charset="0"/>
-                <a:ea typeface="Times New Roman" panose="02020603050405020304" pitchFamily="18" charset="0"/>
-              </a:rPr>
-              <a:t>Korisnik unosi tekst komentara</a:t>
-            </a:r>
-          </a:p>
-          <a:p>
-            <a:pPr marL="800100" lvl="1" indent="-342900" algn="just">
-              <a:spcBef>
-                <a:spcPts val="0"/>
-              </a:spcBef>
-              <a:spcAft>
-                <a:spcPts val="600"/>
-              </a:spcAft>
-              <a:buFont typeface="+mj-lt"/>
-              <a:buAutoNum type="arabicPeriod"/>
-            </a:pPr>
-            <a:r>
-              <a:rPr lang="hr-HR" sz="1600" dirty="0">
-                <a:effectLst/>
-                <a:latin typeface="Times New Roman" panose="02020603050405020304" pitchFamily="18" charset="0"/>
-                <a:ea typeface="Times New Roman" panose="02020603050405020304" pitchFamily="18" charset="0"/>
-              </a:rPr>
-              <a:t>Stranica s objavama se osvježava te komentar postaje vidljiv</a:t>
-            </a:r>
-          </a:p>
-          <a:p>
-            <a:pPr marL="914400" marR="0" algn="just">
-              <a:spcBef>
-                <a:spcPts val="0"/>
-              </a:spcBef>
-              <a:spcAft>
-                <a:spcPts val="600"/>
-              </a:spcAft>
-            </a:pPr>
-            <a:r>
-              <a:rPr lang="hr-HR" sz="1800" dirty="0">
-                <a:effectLst/>
-                <a:latin typeface="Times New Roman" panose="02020603050405020304" pitchFamily="18" charset="0"/>
-                <a:ea typeface="Times New Roman" panose="02020603050405020304" pitchFamily="18" charset="0"/>
-              </a:rPr>
-              <a:t>Moguća odstupanja:</a:t>
-            </a:r>
-          </a:p>
-          <a:p>
-            <a:pPr marL="914400" marR="0" algn="just">
-              <a:spcBef>
-                <a:spcPts val="0"/>
-              </a:spcBef>
-              <a:spcAft>
-                <a:spcPts val="600"/>
-              </a:spcAft>
-            </a:pPr>
-            <a:r>
-              <a:rPr lang="hr-HR" sz="1800" dirty="0">
-                <a:effectLst/>
-                <a:latin typeface="Times New Roman" panose="02020603050405020304" pitchFamily="18" charset="0"/>
-                <a:ea typeface="Times New Roman" panose="02020603050405020304" pitchFamily="18" charset="0"/>
-              </a:rPr>
-              <a:t>	Dogodila se pogreška pri obradi zahtjeva za stvaranje komentara</a:t>
-            </a:r>
-          </a:p>
-          <a:p>
-            <a:pPr marL="1257300" lvl="2" indent="-342900" algn="just">
-              <a:spcBef>
-                <a:spcPts val="0"/>
-              </a:spcBef>
-              <a:spcAft>
-                <a:spcPts val="600"/>
-              </a:spcAft>
-              <a:buFont typeface="+mj-lt"/>
-              <a:buAutoNum type="arabicPeriod"/>
-            </a:pPr>
-            <a:r>
-              <a:rPr lang="hr-HR" sz="1600" dirty="0">
-                <a:effectLst/>
-                <a:latin typeface="Times New Roman" panose="02020603050405020304" pitchFamily="18" charset="0"/>
-                <a:ea typeface="Times New Roman" panose="02020603050405020304" pitchFamily="18" charset="0"/>
-              </a:rPr>
-              <a:t>Pogreška se dojavljuje korisniku</a:t>
-            </a:r>
-          </a:p>
-          <a:p>
-            <a:pPr marL="1257300" lvl="2" indent="-342900" algn="just">
-              <a:spcBef>
-                <a:spcPts val="0"/>
-              </a:spcBef>
-              <a:spcAft>
-                <a:spcPts val="600"/>
-              </a:spcAft>
-              <a:buFont typeface="+mj-lt"/>
-              <a:buAutoNum type="arabicPeriod"/>
-            </a:pPr>
-            <a:r>
-              <a:rPr lang="hr-HR" sz="1600" dirty="0">
-                <a:effectLst/>
-                <a:latin typeface="Times New Roman" panose="02020603050405020304" pitchFamily="18" charset="0"/>
-                <a:ea typeface="Times New Roman" panose="02020603050405020304" pitchFamily="18" charset="0"/>
-              </a:rPr>
-              <a:t>Korisnik pokušava ponovno stvoriti komentar</a:t>
+            <a:r>
+              <a:rPr lang="hr-HR" dirty="0"/>
+              <a:t>Nefunkcionalni zahtjevi</a:t>
+            </a:r>
+          </a:p>
+        </p:txBody>
+      </p:sp>
+      <p:sp>
+        <p:nvSpPr>
+          <p:cNvPr id="3" name="Content Placeholder 2">
+            <a:extLst>
+              <a:ext uri="{FF2B5EF4-FFF2-40B4-BE49-F238E27FC236}">
+                <a16:creationId xmlns:a16="http://schemas.microsoft.com/office/drawing/2014/main" id="{F64C3460-1729-232C-9C02-B2883B35B353}"/>
+              </a:ext>
+            </a:extLst>
+          </p:cNvPr>
+          <p:cNvSpPr>
+            <a:spLocks noGrp="1"/>
+          </p:cNvSpPr>
+          <p:nvPr>
+            <p:ph idx="1"/>
+          </p:nvPr>
+        </p:nvSpPr>
+        <p:spPr/>
+        <p:txBody>
+          <a:bodyPr/>
+          <a:lstStyle/>
+          <a:p>
+            <a:r>
+              <a:rPr lang="hr-HR" dirty="0"/>
+              <a:t>Odziv sustava neće biti dulji od 6 sekundi.</a:t>
+            </a:r>
+          </a:p>
+          <a:p>
+            <a:r>
+              <a:rPr lang="hr-HR" dirty="0"/>
+              <a:t>Pri stvaranju objave dodavanje slike omogućiti kroz izbornike datotečnog sustava ili putem drag-</a:t>
+            </a:r>
+            <a:r>
+              <a:rPr lang="hr-HR" dirty="0" err="1"/>
+              <a:t>and</a:t>
+            </a:r>
+            <a:r>
+              <a:rPr lang="hr-HR" dirty="0"/>
+              <a:t>-drop funkcionalnosti.</a:t>
+            </a:r>
+          </a:p>
+          <a:p>
+            <a:r>
+              <a:rPr lang="hr-HR" dirty="0"/>
+              <a:t>Objave će biti prikazane kronološki, a u slučaju da je korisnik prijavljen, dodatno će objave korisnika koje on prati biti vidljive prije ostalih objava.</a:t>
             </a:r>
           </a:p>
           <a:p>
@@ -5212,7 +8425,7 @@
     </p:spTree>
     <p:extLst>
       <p:ext uri="{BB962C8B-B14F-4D97-AF65-F5344CB8AC3E}">
-        <p14:creationId xmlns:p14="http://schemas.microsoft.com/office/powerpoint/2010/main" val="1529751736"/>
+        <p14:creationId xmlns:p14="http://schemas.microsoft.com/office/powerpoint/2010/main" val="2181529867"/>
       </p:ext>
     </p:extLst>
   </p:cSld>
@@ -5241,10 +8454,42 @@
       </p:grpSpPr>
       <p:sp>
         <p:nvSpPr>
+          <p:cNvPr id="2" name="Title 1">
+            <a:extLst>
+              <a:ext uri="{FF2B5EF4-FFF2-40B4-BE49-F238E27FC236}">
+                <a16:creationId xmlns:a16="http://schemas.microsoft.com/office/drawing/2014/main" id="{4D5D348C-A93E-8F4A-8C6C-7D2CBBCBD1BF}"/>
+              </a:ext>
+            </a:extLst>
+          </p:cNvPr>
+          <p:cNvSpPr>
+            <a:spLocks noGrp="1"/>
+          </p:cNvSpPr>
+          <p:nvPr>
+            <p:ph type="title"/>
+          </p:nvPr>
+        </p:nvSpPr>
+        <p:spPr/>
+        <p:txBody>
+          <a:bodyPr/>
+          <a:lstStyle/>
+          <a:p>
+            <a:r>
+              <a:rPr lang="hr-HR" dirty="0"/>
+              <a:t>Obrasci upotrebe</a:t>
+            </a:r>
+            <a:br>
+              <a:rPr lang="hr-HR" dirty="0"/>
+            </a:br>
+            <a:endParaRPr lang="hr-HR" dirty="0"/>
+          </a:p>
+        </p:txBody>
+      </p:sp>
+      <p:sp>
+        <p:nvSpPr>
           <p:cNvPr id="3" name="Content Placeholder 2">
             <a:extLst>
               <a:ext uri="{FF2B5EF4-FFF2-40B4-BE49-F238E27FC236}">
-                <a16:creationId xmlns:a16="http://schemas.microsoft.com/office/drawing/2014/main" id="{D8BFF7E1-9C6C-4A7F-4637-5A32EC8FE319}"/>
+                <a16:creationId xmlns:a16="http://schemas.microsoft.com/office/drawing/2014/main" id="{B16ACE7C-035C-B51E-9668-3AB5C703BB63}"/>
               </a:ext>
             </a:extLst>
           </p:cNvPr>
@@ -5257,13 +8502,41 @@
         </p:nvSpPr>
         <p:spPr>
           <a:xfrm>
-            <a:off x="838200" y="377559"/>
-            <a:ext cx="10515600" cy="5799404"/>
+            <a:off x="838200" y="1243853"/>
+            <a:ext cx="10515600" cy="4933110"/>
           </a:xfrm>
         </p:spPr>
         <p:txBody>
-          <a:bodyPr/>
+          <a:bodyPr>
+            <a:normAutofit/>
+          </a:bodyPr>
           <a:lstStyle/>
+          <a:p>
+            <a:r>
+              <a:rPr lang="hr-HR" dirty="0"/>
+              <a:t>Stilovi interakcija</a:t>
+            </a:r>
+          </a:p>
+          <a:p>
+            <a:pPr lvl="1"/>
+            <a:r>
+              <a:rPr lang="hr-HR" dirty="0"/>
+              <a:t>Upisivanje u obrasce</a:t>
+            </a:r>
+          </a:p>
+          <a:p>
+            <a:pPr lvl="1"/>
+            <a:r>
+              <a:rPr lang="hr-HR" dirty="0"/>
+              <a:t>Izbornici</a:t>
+            </a:r>
+          </a:p>
+          <a:p>
+            <a:r>
+              <a:rPr lang="hr-HR" dirty="0"/>
+              <a:t>UC1 – Registracija korisnika</a:t>
+            </a:r>
+          </a:p>
           <a:p>
             <a:pPr marL="457200" marR="0" algn="just">
               <a:spcBef>
@@ -5274,18 +8547,13 @@
               </a:spcAft>
             </a:pPr>
             <a:r>
-              <a:rPr lang="hr-HR" sz="1800" b="1" dirty="0">
+              <a:rPr lang="hr-HR" sz="1800" dirty="0">
                 <a:effectLst/>
                 <a:latin typeface="Times New Roman" panose="02020603050405020304" pitchFamily="18" charset="0"/>
                 <a:ea typeface="Times New Roman" panose="02020603050405020304" pitchFamily="18" charset="0"/>
               </a:rPr>
-              <a:t>UC4: Komentiranje objave</a:t>
-            </a:r>
-            <a:endParaRPr lang="hr-HR" sz="1800" dirty="0">
-              <a:effectLst/>
-              <a:latin typeface="Times New Roman" panose="02020603050405020304" pitchFamily="18" charset="0"/>
-              <a:ea typeface="Times New Roman" panose="02020603050405020304" pitchFamily="18" charset="0"/>
-            </a:endParaRPr>
+              <a:t>Glavni sudionik: korisnik sustava</a:t>
+            </a:r>
           </a:p>
           <a:p>
             <a:pPr marL="457200" marR="0" algn="just">
@@ -5302,7 +8570,7 @@
                 <a:latin typeface="Times New Roman" panose="02020603050405020304" pitchFamily="18" charset="0"/>
                 <a:ea typeface="Times New Roman" panose="02020603050405020304" pitchFamily="18" charset="0"/>
               </a:rPr>
-              <a:t>	Glavni sudionik: korisnik sustava</a:t>
+              <a:t>Cilj: Stvaranje korisničkog računa</a:t>
             </a:r>
           </a:p>
           <a:p>
@@ -5320,63 +8588,11 @@
                 <a:latin typeface="Times New Roman" panose="02020603050405020304" pitchFamily="18" charset="0"/>
                 <a:ea typeface="Times New Roman" panose="02020603050405020304" pitchFamily="18" charset="0"/>
               </a:rPr>
-              <a:t>	Cilj: Reagiranje na objavu ostavljanjem oznake „</a:t>
-            </a:r>
-            <a:r>
-              <a:rPr lang="hr-HR" sz="1800" dirty="0" err="1">
-                <a:effectLst/>
-                <a:latin typeface="Times New Roman" panose="02020603050405020304" pitchFamily="18" charset="0"/>
-                <a:ea typeface="Times New Roman" panose="02020603050405020304" pitchFamily="18" charset="0"/>
-              </a:rPr>
-              <a:t>like</a:t>
-            </a:r>
-            <a:r>
-              <a:rPr lang="hr-HR" sz="1800" dirty="0">
-                <a:effectLst/>
-                <a:latin typeface="Times New Roman" panose="02020603050405020304" pitchFamily="18" charset="0"/>
-                <a:ea typeface="Times New Roman" panose="02020603050405020304" pitchFamily="18" charset="0"/>
-              </a:rPr>
-              <a:t>“</a:t>
-            </a:r>
-          </a:p>
-          <a:p>
-            <a:pPr marL="457200" marR="0" algn="just">
-              <a:spcBef>
-                <a:spcPts val="0"/>
-              </a:spcBef>
-              <a:spcAft>
-                <a:spcPts val="600"/>
-              </a:spcAft>
-            </a:pPr>
-            <a:r>
-              <a:rPr lang="hr-HR" sz="1800" dirty="0">
-                <a:effectLst/>
-                <a:latin typeface="Times New Roman" panose="02020603050405020304" pitchFamily="18" charset="0"/>
-                <a:ea typeface="Times New Roman" panose="02020603050405020304" pitchFamily="18" charset="0"/>
-              </a:rPr>
-              <a:t>	Preduvjet: Prijavljeni korisnik</a:t>
-            </a:r>
-          </a:p>
-          <a:p>
-            <a:pPr marL="457200" marR="0" algn="just">
-              <a:spcBef>
-                <a:spcPts val="0"/>
-              </a:spcBef>
-              <a:spcAft>
-                <a:spcPts val="600"/>
-              </a:spcAft>
-            </a:pPr>
-            <a:r>
-              <a:rPr lang="hr-HR" sz="1800" dirty="0">
-                <a:effectLst/>
-                <a:latin typeface="Times New Roman" panose="02020603050405020304" pitchFamily="18" charset="0"/>
-                <a:ea typeface="Times New Roman" panose="02020603050405020304" pitchFamily="18" charset="0"/>
-              </a:rPr>
-              <a:t>	Opis tijeka:</a:t>
-            </a:r>
-          </a:p>
-          <a:p>
-            <a:pPr marL="1257300" lvl="2" indent="-342900" algn="just">
+              <a:t>Opis tijeka:</a:t>
+            </a:r>
+          </a:p>
+          <a:p>
+            <a:pPr marL="800100" lvl="1" indent="-342900" algn="just">
               <a:spcBef>
                 <a:spcPts val="0"/>
               </a:spcBef>
@@ -5387,32 +8603,16 @@
               <a:buAutoNum type="arabicPeriod"/>
             </a:pPr>
             <a:r>
-              <a:rPr lang="hr-HR" sz="1600" dirty="0">
+              <a:rPr lang="hr-HR" sz="1400" dirty="0">
                 <a:effectLst/>
                 <a:latin typeface="Times New Roman" panose="02020603050405020304" pitchFamily="18" charset="0"/>
                 <a:ea typeface="Times New Roman" panose="02020603050405020304" pitchFamily="18" charset="0"/>
               </a:rPr>
-              <a:t>Korisnik identificira dugme na kojem s </a:t>
-            </a:r>
-            <a:r>
-              <a:rPr lang="hr-HR" sz="1600" dirty="0" err="1">
-                <a:effectLst/>
-                <a:latin typeface="Times New Roman" panose="02020603050405020304" pitchFamily="18" charset="0"/>
-                <a:ea typeface="Times New Roman" panose="02020603050405020304" pitchFamily="18" charset="0"/>
-              </a:rPr>
-              <a:t>labelom</a:t>
-            </a:r>
-            <a:r>
-              <a:rPr lang="hr-HR" sz="1600" dirty="0">
-                <a:effectLst/>
-                <a:latin typeface="Times New Roman" panose="02020603050405020304" pitchFamily="18" charset="0"/>
-                <a:ea typeface="Times New Roman" panose="02020603050405020304" pitchFamily="18" charset="0"/>
-              </a:rPr>
-              <a:t> Like</a:t>
-            </a:r>
-          </a:p>
-          <a:p>
-            <a:pPr marL="1257300" lvl="2" indent="-342900" algn="just">
+              <a:t>Korisnik odabire opciju za registraciju</a:t>
+            </a:r>
+          </a:p>
+          <a:p>
+            <a:pPr marL="800100" lvl="1" indent="-342900" algn="just">
               <a:spcBef>
                 <a:spcPts val="0"/>
               </a:spcBef>
@@ -5423,16 +8623,16 @@
               <a:buAutoNum type="arabicPeriod"/>
             </a:pPr>
             <a:r>
-              <a:rPr lang="hr-HR" sz="1600" dirty="0">
+              <a:rPr lang="hr-HR" sz="1400" dirty="0">
                 <a:effectLst/>
                 <a:latin typeface="Times New Roman" panose="02020603050405020304" pitchFamily="18" charset="0"/>
                 <a:ea typeface="Times New Roman" panose="02020603050405020304" pitchFamily="18" charset="0"/>
               </a:rPr>
-              <a:t>Korisnik pritišće dugme</a:t>
-            </a:r>
-          </a:p>
-          <a:p>
-            <a:pPr marL="1257300" lvl="2" indent="-342900" algn="just">
+              <a:t>Korisnik unosi potrebne podatke</a:t>
+            </a:r>
+          </a:p>
+          <a:p>
+            <a:pPr marL="800100" lvl="1" indent="-342900" algn="just">
               <a:spcBef>
                 <a:spcPts val="0"/>
               </a:spcBef>
@@ -5443,28 +8643,31 @@
               <a:buAutoNum type="arabicPeriod"/>
             </a:pPr>
             <a:r>
-              <a:rPr lang="hr-HR" sz="1600" dirty="0">
+              <a:rPr lang="hr-HR" sz="1400" dirty="0">
                 <a:effectLst/>
                 <a:latin typeface="Times New Roman" panose="02020603050405020304" pitchFamily="18" charset="0"/>
                 <a:ea typeface="Times New Roman" panose="02020603050405020304" pitchFamily="18" charset="0"/>
               </a:rPr>
-              <a:t>Broj „</a:t>
-            </a:r>
-            <a:r>
-              <a:rPr lang="hr-HR" sz="1600" dirty="0" err="1">
+              <a:t>Korisnika se pri uspješnoj registraciji automatski prijavljuje u sustav</a:t>
+            </a:r>
+          </a:p>
+          <a:p>
+            <a:pPr marL="457200" lvl="1" indent="0" algn="just">
+              <a:spcBef>
+                <a:spcPts val="0"/>
+              </a:spcBef>
+              <a:spcAft>
+                <a:spcPts val="600"/>
+              </a:spcAft>
+              <a:buNone/>
+            </a:pPr>
+            <a:r>
+              <a:rPr lang="hr-HR" sz="1800" dirty="0">
                 <a:effectLst/>
                 <a:latin typeface="Times New Roman" panose="02020603050405020304" pitchFamily="18" charset="0"/>
                 <a:ea typeface="Times New Roman" panose="02020603050405020304" pitchFamily="18" charset="0"/>
               </a:rPr>
-              <a:t>likeova</a:t>
-            </a:r>
-            <a:r>
-              <a:rPr lang="hr-HR" sz="1600" dirty="0">
-                <a:effectLst/>
-                <a:latin typeface="Times New Roman" panose="02020603050405020304" pitchFamily="18" charset="0"/>
-                <a:ea typeface="Times New Roman" panose="02020603050405020304" pitchFamily="18" charset="0"/>
-              </a:rPr>
-              <a:t>“ objave se povećava za 1</a:t>
+              <a:t>Moguća odstupanja:</a:t>
             </a:r>
           </a:p>
           <a:p>
@@ -5482,45 +8685,11 @@
                 <a:latin typeface="Times New Roman" panose="02020603050405020304" pitchFamily="18" charset="0"/>
                 <a:ea typeface="Times New Roman" panose="02020603050405020304" pitchFamily="18" charset="0"/>
               </a:rPr>
-              <a:t>Moguća odstupanja:</a:t>
-            </a:r>
-          </a:p>
-          <a:p>
-            <a:pPr marL="1371600" lvl="1" algn="just">
-              <a:spcBef>
-                <a:spcPts val="0"/>
-              </a:spcBef>
-              <a:spcAft>
-                <a:spcPts val="600"/>
-              </a:spcAft>
-            </a:pPr>
-            <a:r>
-              <a:rPr lang="hr-HR" sz="1600" dirty="0">
-                <a:effectLst/>
-                <a:latin typeface="Times New Roman" panose="02020603050405020304" pitchFamily="18" charset="0"/>
-                <a:ea typeface="Times New Roman" panose="02020603050405020304" pitchFamily="18" charset="0"/>
-              </a:rPr>
-              <a:t>Korisnik je već objavu označio sa „</a:t>
-            </a:r>
-            <a:r>
-              <a:rPr lang="hr-HR" sz="1600" dirty="0" err="1">
-                <a:effectLst/>
-                <a:latin typeface="Times New Roman" panose="02020603050405020304" pitchFamily="18" charset="0"/>
-                <a:ea typeface="Times New Roman" panose="02020603050405020304" pitchFamily="18" charset="0"/>
-              </a:rPr>
-              <a:t>like</a:t>
-            </a:r>
-            <a:r>
-              <a:rPr lang="hr-HR" sz="1600" dirty="0">
-                <a:effectLst/>
-                <a:latin typeface="Times New Roman" panose="02020603050405020304" pitchFamily="18" charset="0"/>
-                <a:ea typeface="Times New Roman" panose="02020603050405020304" pitchFamily="18" charset="0"/>
-              </a:rPr>
-              <a:t>“</a:t>
-            </a:r>
-          </a:p>
-          <a:p>
-            <a:pPr marL="1714500" lvl="3" indent="-342900" algn="just">
+              <a:t>Unos podataka nevaljan:</a:t>
+            </a:r>
+          </a:p>
+          <a:p>
+            <a:pPr marL="800100" lvl="1" indent="-342900" algn="just">
               <a:spcBef>
                 <a:spcPts val="0"/>
               </a:spcBef>
@@ -5531,32 +8700,16 @@
               <a:buAutoNum type="arabicPeriod"/>
             </a:pPr>
             <a:r>
-              <a:rPr lang="hr-HR" sz="1600" dirty="0">
+              <a:rPr lang="hr-HR" sz="1400" dirty="0">
                 <a:effectLst/>
                 <a:latin typeface="Times New Roman" panose="02020603050405020304" pitchFamily="18" charset="0"/>
                 <a:ea typeface="Times New Roman" panose="02020603050405020304" pitchFamily="18" charset="0"/>
               </a:rPr>
-              <a:t>Korisnikova oznaka „</a:t>
-            </a:r>
-            <a:r>
-              <a:rPr lang="hr-HR" sz="1600" dirty="0" err="1">
-                <a:effectLst/>
-                <a:latin typeface="Times New Roman" panose="02020603050405020304" pitchFamily="18" charset="0"/>
-                <a:ea typeface="Times New Roman" panose="02020603050405020304" pitchFamily="18" charset="0"/>
-              </a:rPr>
-              <a:t>like</a:t>
-            </a:r>
-            <a:r>
-              <a:rPr lang="hr-HR" sz="1600" dirty="0">
-                <a:effectLst/>
-                <a:latin typeface="Times New Roman" panose="02020603050405020304" pitchFamily="18" charset="0"/>
-                <a:ea typeface="Times New Roman" panose="02020603050405020304" pitchFamily="18" charset="0"/>
-              </a:rPr>
-              <a:t>“ se miče s objave</a:t>
-            </a:r>
-          </a:p>
-          <a:p>
-            <a:pPr marL="1714500" lvl="3" indent="-342900" algn="just">
+              <a:t>Sustav šalje obavijest o pogrešci pri registraciji</a:t>
+            </a:r>
+          </a:p>
+          <a:p>
+            <a:pPr marL="800100" lvl="1" indent="-342900" algn="just">
               <a:spcBef>
                 <a:spcPts val="0"/>
               </a:spcBef>
@@ -5567,23 +8720,20 @@
               <a:buAutoNum type="arabicPeriod"/>
             </a:pPr>
             <a:r>
-              <a:rPr lang="hr-HR" sz="1600" dirty="0">
+              <a:rPr lang="hr-HR" sz="1400" dirty="0">
                 <a:effectLst/>
                 <a:latin typeface="Times New Roman" panose="02020603050405020304" pitchFamily="18" charset="0"/>
                 <a:ea typeface="Times New Roman" panose="02020603050405020304" pitchFamily="18" charset="0"/>
               </a:rPr>
-              <a:t>Broj oznaka se smanjuje za 1</a:t>
-            </a:r>
-          </a:p>
-          <a:p>
-            <a:endParaRPr lang="hr-HR" dirty="0"/>
+              <a:t>Korisnik mijenja podatke u valjane ili odustaje</a:t>
+            </a:r>
           </a:p>
         </p:txBody>
       </p:sp>
     </p:spTree>
     <p:extLst>
       <p:ext uri="{BB962C8B-B14F-4D97-AF65-F5344CB8AC3E}">
-        <p14:creationId xmlns:p14="http://schemas.microsoft.com/office/powerpoint/2010/main" val="767889031"/>
+        <p14:creationId xmlns:p14="http://schemas.microsoft.com/office/powerpoint/2010/main" val="1141560669"/>
       </p:ext>
     </p:extLst>
   </p:cSld>
@@ -5615,7 +8765,7 @@
           <p:cNvPr id="3" name="Content Placeholder 2">
             <a:extLst>
               <a:ext uri="{FF2B5EF4-FFF2-40B4-BE49-F238E27FC236}">
-                <a16:creationId xmlns:a16="http://schemas.microsoft.com/office/drawing/2014/main" id="{7D642460-86D3-6C99-2239-CA393C1432AC}"/>
+                <a16:creationId xmlns:a16="http://schemas.microsoft.com/office/drawing/2014/main" id="{241737D7-0F83-B8A2-F8E3-6E02384973D2}"/>
               </a:ext>
             </a:extLst>
           </p:cNvPr>
@@ -5628,12 +8778,14 @@
         </p:nvSpPr>
         <p:spPr>
           <a:xfrm>
-            <a:off x="838200" y="359861"/>
-            <a:ext cx="10515600" cy="5817102"/>
+            <a:off x="838200" y="123886"/>
+            <a:ext cx="10515600" cy="5804965"/>
           </a:xfrm>
         </p:spPr>
         <p:txBody>
-          <a:bodyPr/>
+          <a:bodyPr>
+            <a:normAutofit/>
+          </a:bodyPr>
           <a:lstStyle/>
           <a:p>
             <a:pPr marL="457200" marR="0" algn="just">
@@ -5650,7 +8802,7 @@
                 <a:latin typeface="Times New Roman" panose="02020603050405020304" pitchFamily="18" charset="0"/>
                 <a:ea typeface="Times New Roman" panose="02020603050405020304" pitchFamily="18" charset="0"/>
               </a:rPr>
-              <a:t>UC5: Praćenje profila drugog korisnika</a:t>
+              <a:t>UC2: Stvaranje objave</a:t>
             </a:r>
             <a:endParaRPr lang="hr-HR" sz="1800" dirty="0">
               <a:effectLst/>
@@ -5691,23 +8843,7 @@
                 <a:latin typeface="Times New Roman" panose="02020603050405020304" pitchFamily="18" charset="0"/>
                 <a:ea typeface="Times New Roman" panose="02020603050405020304" pitchFamily="18" charset="0"/>
               </a:rPr>
-              <a:t>	Cilj: Praćenje profila drugog korisnika u svrhu povećanja </a:t>
-            </a:r>
-            <a:r>
-              <a:rPr lang="hr-HR" sz="1800" dirty="0" err="1">
-                <a:effectLst/>
-                <a:latin typeface="Times New Roman" panose="02020603050405020304" pitchFamily="18" charset="0"/>
-                <a:ea typeface="Times New Roman" panose="02020603050405020304" pitchFamily="18" charset="0"/>
-              </a:rPr>
-              <a:t>viddljivosti</a:t>
-            </a:r>
-            <a:r>
-              <a:rPr lang="hr-HR" sz="1800" dirty="0">
-                <a:effectLst/>
-                <a:latin typeface="Times New Roman" panose="02020603050405020304" pitchFamily="18" charset="0"/>
-                <a:ea typeface="Times New Roman" panose="02020603050405020304" pitchFamily="18" charset="0"/>
-              </a:rPr>
-              <a:t>  njegovih objava</a:t>
+              <a:t>	Cilj: Stvaranje objave</a:t>
             </a:r>
           </a:p>
           <a:p>
@@ -5747,7 +8883,7 @@
             </a:r>
           </a:p>
           <a:p>
-            <a:pPr lvl="3" algn="just">
+            <a:pPr marL="800100" lvl="1" indent="-342900" algn="just">
               <a:spcBef>
                 <a:spcPts val="0"/>
               </a:spcBef>
@@ -5763,11 +8899,11 @@
                 <a:latin typeface="Times New Roman" panose="02020603050405020304" pitchFamily="18" charset="0"/>
                 <a:ea typeface="Times New Roman" panose="02020603050405020304" pitchFamily="18" charset="0"/>
               </a:rPr>
-              <a:t>Korisnik u tražilicu upisuje ime profila drugog korisnika</a:t>
-            </a:r>
-          </a:p>
-          <a:p>
-            <a:pPr lvl="3" algn="just">
+              <a:t>Korisnik odabire opciju za izradu nove objave</a:t>
+            </a:r>
+          </a:p>
+          <a:p>
+            <a:pPr marL="800100" lvl="1" indent="-342900" algn="just">
               <a:spcBef>
                 <a:spcPts val="0"/>
               </a:spcBef>
@@ -5783,27 +8919,11 @@
                 <a:latin typeface="Times New Roman" panose="02020603050405020304" pitchFamily="18" charset="0"/>
                 <a:ea typeface="Times New Roman" panose="02020603050405020304" pitchFamily="18" charset="0"/>
               </a:rPr>
-              <a:t>Korisnik iz padajuće liste profila imena sličnih onom </a:t>
-            </a:r>
-            <a:r>
-              <a:rPr lang="hr-HR" sz="1600" dirty="0" err="1">
-                <a:effectLst/>
-                <a:latin typeface="Times New Roman" panose="02020603050405020304" pitchFamily="18" charset="0"/>
-                <a:ea typeface="Times New Roman" panose="02020603050405020304" pitchFamily="18" charset="0"/>
-              </a:rPr>
-              <a:t>upisannom</a:t>
-            </a:r>
-            <a:r>
-              <a:rPr lang="hr-HR" sz="1600" dirty="0">
-                <a:effectLst/>
-                <a:latin typeface="Times New Roman" panose="02020603050405020304" pitchFamily="18" charset="0"/>
-                <a:ea typeface="Times New Roman" panose="02020603050405020304" pitchFamily="18" charset="0"/>
-              </a:rPr>
-              <a:t> odabire korisnika kojeg želi pratiti</a:t>
-            </a:r>
-          </a:p>
-          <a:p>
-            <a:pPr lvl="3" algn="just">
+              <a:t>Korisnik unosi naslov i tekst</a:t>
+            </a:r>
+          </a:p>
+          <a:p>
+            <a:pPr marL="800100" lvl="1" indent="-342900" algn="just">
               <a:spcBef>
                 <a:spcPts val="0"/>
               </a:spcBef>
@@ -5819,111 +8939,11 @@
                 <a:latin typeface="Times New Roman" panose="02020603050405020304" pitchFamily="18" charset="0"/>
                 <a:ea typeface="Times New Roman" panose="02020603050405020304" pitchFamily="18" charset="0"/>
               </a:rPr>
-              <a:t>Korisnik na stranici za prikaz profila </a:t>
-            </a:r>
-            <a:r>
-              <a:rPr lang="hr-HR" sz="1600" dirty="0" err="1">
-                <a:effectLst/>
-                <a:latin typeface="Times New Roman" panose="02020603050405020304" pitchFamily="18" charset="0"/>
-                <a:ea typeface="Times New Roman" panose="02020603050405020304" pitchFamily="18" charset="0"/>
-              </a:rPr>
-              <a:t>kllikne</a:t>
-            </a:r>
-            <a:r>
-              <a:rPr lang="hr-HR" sz="1600" dirty="0">
-                <a:effectLst/>
-                <a:latin typeface="Times New Roman" panose="02020603050405020304" pitchFamily="18" charset="0"/>
-                <a:ea typeface="Times New Roman" panose="02020603050405020304" pitchFamily="18" charset="0"/>
-              </a:rPr>
-              <a:t> </a:t>
-            </a:r>
-            <a:r>
-              <a:rPr lang="hr-HR" sz="1600" dirty="0" err="1">
-                <a:effectLst/>
-                <a:latin typeface="Times New Roman" panose="02020603050405020304" pitchFamily="18" charset="0"/>
-                <a:ea typeface="Times New Roman" panose="02020603050405020304" pitchFamily="18" charset="0"/>
-              </a:rPr>
-              <a:t>dubgme</a:t>
-            </a:r>
-            <a:r>
-              <a:rPr lang="hr-HR" sz="1600" dirty="0">
-                <a:effectLst/>
-                <a:latin typeface="Times New Roman" panose="02020603050405020304" pitchFamily="18" charset="0"/>
-                <a:ea typeface="Times New Roman" panose="02020603050405020304" pitchFamily="18" charset="0"/>
-              </a:rPr>
-              <a:t> </a:t>
-            </a:r>
-            <a:r>
-              <a:rPr lang="hr-HR" sz="1600" dirty="0" err="1">
-                <a:effectLst/>
-                <a:latin typeface="Times New Roman" panose="02020603050405020304" pitchFamily="18" charset="0"/>
-                <a:ea typeface="Times New Roman" panose="02020603050405020304" pitchFamily="18" charset="0"/>
-              </a:rPr>
-              <a:t>Follow</a:t>
-            </a:r>
-            <a:r>
-              <a:rPr lang="hr-HR" sz="1600" dirty="0">
-                <a:effectLst/>
-                <a:latin typeface="Times New Roman" panose="02020603050405020304" pitchFamily="18" charset="0"/>
-                <a:ea typeface="Times New Roman" panose="02020603050405020304" pitchFamily="18" charset="0"/>
-              </a:rPr>
-              <a:t> kako bi </a:t>
-            </a:r>
-            <a:r>
-              <a:rPr lang="hr-HR" sz="1600" dirty="0" err="1">
-                <a:effectLst/>
-                <a:latin typeface="Times New Roman" panose="02020603050405020304" pitchFamily="18" charset="0"/>
-                <a:ea typeface="Times New Roman" panose="02020603050405020304" pitchFamily="18" charset="0"/>
-              </a:rPr>
-              <a:t>zapratio</a:t>
-            </a:r>
-            <a:r>
-              <a:rPr lang="hr-HR" sz="1600" dirty="0">
-                <a:effectLst/>
-                <a:latin typeface="Times New Roman" panose="02020603050405020304" pitchFamily="18" charset="0"/>
-                <a:ea typeface="Times New Roman" panose="02020603050405020304" pitchFamily="18" charset="0"/>
-              </a:rPr>
-              <a:t> korisnika</a:t>
-            </a:r>
-          </a:p>
-          <a:p>
-            <a:pPr marL="914400" marR="0" algn="just">
-              <a:spcBef>
-                <a:spcPts val="0"/>
-              </a:spcBef>
-              <a:spcAft>
-                <a:spcPts val="600"/>
-              </a:spcAft>
-            </a:pPr>
-            <a:r>
-              <a:rPr lang="hr-HR" sz="1800" dirty="0">
-                <a:effectLst/>
-                <a:latin typeface="Times New Roman" panose="02020603050405020304" pitchFamily="18" charset="0"/>
-                <a:ea typeface="Times New Roman" panose="02020603050405020304" pitchFamily="18" charset="0"/>
-              </a:rPr>
-              <a:t>Moguća odstupanja:</a:t>
-            </a:r>
-          </a:p>
-          <a:p>
-            <a:pPr marL="1371600" lvl="1" algn="just">
-              <a:spcBef>
-                <a:spcPts val="0"/>
-              </a:spcBef>
-              <a:spcAft>
-                <a:spcPts val="600"/>
-              </a:spcAft>
-            </a:pPr>
-            <a:r>
-              <a:rPr lang="hr-HR" sz="1400" dirty="0">
-                <a:effectLst/>
-                <a:latin typeface="Times New Roman" panose="02020603050405020304" pitchFamily="18" charset="0"/>
-                <a:ea typeface="Times New Roman" panose="02020603050405020304" pitchFamily="18" charset="0"/>
-              </a:rPr>
-              <a:t>Korisnik već prati korisnika</a:t>
-            </a:r>
-          </a:p>
-          <a:p>
-            <a:pPr marL="1714500" lvl="3" indent="-342900" algn="just">
+              <a:t>Korisnik klika na prozor za unos slike i iz izbornika datotečnog sustava  odabire sliku koju želi postaviti </a:t>
+            </a:r>
+          </a:p>
+          <a:p>
+            <a:pPr marL="800100" lvl="1" indent="-342900" algn="just">
               <a:spcBef>
                 <a:spcPts val="0"/>
               </a:spcBef>
@@ -5934,24 +8954,53 @@
               <a:buAutoNum type="arabicPeriod"/>
             </a:pPr>
             <a:r>
-              <a:rPr lang="hr-HR" sz="1600" dirty="0" err="1">
+              <a:rPr lang="hr-HR" sz="1400" dirty="0">
                 <a:effectLst/>
                 <a:latin typeface="Times New Roman" panose="02020603050405020304" pitchFamily="18" charset="0"/>
                 <a:ea typeface="Times New Roman" panose="02020603050405020304" pitchFamily="18" charset="0"/>
               </a:rPr>
-              <a:t>Korisik</a:t>
-            </a:r>
-            <a:r>
-              <a:rPr lang="hr-HR" sz="1600" dirty="0">
+              <a:t>Korisnika se po uspješnom stvaranju objave preusmjerava na stranicu s objavama</a:t>
+            </a:r>
+          </a:p>
+          <a:p>
+            <a:pPr marL="914400" marR="0" algn="just">
+              <a:spcBef>
+                <a:spcPts val="0"/>
+              </a:spcBef>
+              <a:spcAft>
+                <a:spcPts val="600"/>
+              </a:spcAft>
+            </a:pPr>
+            <a:r>
+              <a:rPr lang="hr-HR" sz="1800" dirty="0">
                 <a:effectLst/>
                 <a:latin typeface="Times New Roman" panose="02020603050405020304" pitchFamily="18" charset="0"/>
                 <a:ea typeface="Times New Roman" panose="02020603050405020304" pitchFamily="18" charset="0"/>
               </a:rPr>
-              <a:t> može ponovno stisnuti na dugme kako bi prestao pratiti profil</a:t>
-            </a:r>
-          </a:p>
-          <a:p>
-            <a:pPr marL="1714500" lvl="3" indent="-342900" algn="just">
+              <a:t>Moguća odstupanja:</a:t>
+            </a:r>
+          </a:p>
+          <a:p>
+            <a:pPr marL="685800" marR="0" indent="0" algn="just">
+              <a:spcBef>
+                <a:spcPts val="0"/>
+              </a:spcBef>
+              <a:spcAft>
+                <a:spcPts val="600"/>
+              </a:spcAft>
+              <a:buNone/>
+            </a:pPr>
+            <a:r>
+              <a:rPr lang="hr-HR" sz="1800" dirty="0">
+                <a:effectLst/>
+                <a:latin typeface="Times New Roman" panose="02020603050405020304" pitchFamily="18" charset="0"/>
+                <a:ea typeface="Times New Roman" panose="02020603050405020304" pitchFamily="18" charset="0"/>
+              </a:rPr>
+              <a:t>	Korisnik se odlučuje ne postaviti sliku</a:t>
+            </a:r>
+          </a:p>
+          <a:p>
+            <a:pPr marL="1257300" lvl="2" indent="-342900" algn="just">
               <a:spcBef>
                 <a:spcPts val="0"/>
               </a:spcBef>
@@ -5962,86 +9011,12 @@
               <a:buAutoNum type="arabicPeriod"/>
             </a:pPr>
             <a:r>
-              <a:rPr lang="hr-HR" sz="1600" dirty="0">
+              <a:rPr lang="hr-HR" sz="1500" dirty="0">
                 <a:effectLst/>
                 <a:latin typeface="Times New Roman" panose="02020603050405020304" pitchFamily="18" charset="0"/>
                 <a:ea typeface="Times New Roman" panose="02020603050405020304" pitchFamily="18" charset="0"/>
               </a:rPr>
-              <a:t>Korisnika odustaje i vraća se na početnu stranicu</a:t>
-            </a:r>
-          </a:p>
-          <a:p>
-            <a:pPr marL="1371600" marR="0" algn="just">
-              <a:spcBef>
-                <a:spcPts val="0"/>
-              </a:spcBef>
-              <a:spcAft>
-                <a:spcPts val="600"/>
-              </a:spcAft>
-            </a:pPr>
-            <a:r>
-              <a:rPr lang="hr-HR" sz="1800" dirty="0">
-                <a:effectLst/>
-                <a:latin typeface="Times New Roman" panose="02020603050405020304" pitchFamily="18" charset="0"/>
-                <a:ea typeface="Times New Roman" panose="02020603050405020304" pitchFamily="18" charset="0"/>
-              </a:rPr>
-              <a:t>Korisnik do profila dolazi putem poveznice na objavi koja označava autora</a:t>
-            </a:r>
-          </a:p>
-          <a:p>
-            <a:pPr marL="1714500" lvl="3" indent="-342900" algn="just">
-              <a:spcBef>
-                <a:spcPts val="0"/>
-              </a:spcBef>
-              <a:spcAft>
-                <a:spcPts val="600"/>
-              </a:spcAft>
-              <a:buFont typeface="+mj-lt"/>
-              <a:buAutoNum type="arabicPeriod"/>
-            </a:pPr>
-            <a:r>
-              <a:rPr lang="hr-HR" sz="1600" dirty="0">
-                <a:effectLst/>
-                <a:latin typeface="Times New Roman" panose="02020603050405020304" pitchFamily="18" charset="0"/>
-                <a:ea typeface="Times New Roman" panose="02020603050405020304" pitchFamily="18" charset="0"/>
-              </a:rPr>
-              <a:t>Umjesto tražilice </a:t>
-            </a:r>
-            <a:r>
-              <a:rPr lang="hr-HR" sz="1600" dirty="0" err="1">
-                <a:effectLst/>
-                <a:latin typeface="Times New Roman" panose="02020603050405020304" pitchFamily="18" charset="0"/>
-                <a:ea typeface="Times New Roman" panose="02020603050405020304" pitchFamily="18" charset="0"/>
-              </a:rPr>
-              <a:t>korinik</a:t>
-            </a:r>
-            <a:r>
-              <a:rPr lang="hr-HR" sz="1600" dirty="0">
-                <a:effectLst/>
-                <a:latin typeface="Times New Roman" panose="02020603050405020304" pitchFamily="18" charset="0"/>
-                <a:ea typeface="Times New Roman" panose="02020603050405020304" pitchFamily="18" charset="0"/>
-              </a:rPr>
-              <a:t> izravno preko poveznice autora objave dolazi do profila</a:t>
-            </a:r>
-          </a:p>
-          <a:p>
-            <a:pPr marL="1714500" lvl="3" indent="-342900" algn="just">
-              <a:spcBef>
-                <a:spcPts val="0"/>
-              </a:spcBef>
-              <a:spcAft>
-                <a:spcPts val="600"/>
-              </a:spcAft>
-              <a:buFont typeface="+mj-lt"/>
-              <a:buAutoNum type="arabicPeriod"/>
-            </a:pPr>
-            <a:r>
-              <a:rPr lang="hr-HR" sz="1600" dirty="0">
-                <a:effectLst/>
-                <a:latin typeface="Times New Roman" panose="02020603050405020304" pitchFamily="18" charset="0"/>
-                <a:ea typeface="Times New Roman" panose="02020603050405020304" pitchFamily="18" charset="0"/>
-              </a:rPr>
-              <a:t>Ostatak koraka ostaje isti</a:t>
+              <a:t>Izostavlja se treći korak</a:t>
             </a:r>
           </a:p>
           <a:p>
@@ -6052,7 +9027,7 @@
     </p:spTree>
     <p:extLst>
       <p:ext uri="{BB962C8B-B14F-4D97-AF65-F5344CB8AC3E}">
-        <p14:creationId xmlns:p14="http://schemas.microsoft.com/office/powerpoint/2010/main" val="822010356"/>
+        <p14:creationId xmlns:p14="http://schemas.microsoft.com/office/powerpoint/2010/main" val="2547065087"/>
       </p:ext>
     </p:extLst>
   </p:cSld>
@@ -6081,187 +9056,269 @@
       </p:grpSpPr>
       <p:sp>
         <p:nvSpPr>
-          <p:cNvPr id="2" name="Title 1">
-            <a:extLst>
-              <a:ext uri="{FF2B5EF4-FFF2-40B4-BE49-F238E27FC236}">
-                <a16:creationId xmlns:a16="http://schemas.microsoft.com/office/drawing/2014/main" id="{14911EC5-93DD-0FA5-36BE-4A160187C78F}"/>
-              </a:ext>
-            </a:extLst>
-          </p:cNvPr>
-          <p:cNvSpPr>
-            <a:spLocks noGrp="1"/>
-          </p:cNvSpPr>
-          <p:nvPr>
-            <p:ph type="title"/>
+          <p:cNvPr id="3" name="Content Placeholder 2">
+            <a:extLst>
+              <a:ext uri="{FF2B5EF4-FFF2-40B4-BE49-F238E27FC236}">
+                <a16:creationId xmlns:a16="http://schemas.microsoft.com/office/drawing/2014/main" id="{B405C663-F86E-F643-1A91-93FC2E6BF8F0}"/>
+              </a:ext>
+            </a:extLst>
+          </p:cNvPr>
+          <p:cNvSpPr>
+            <a:spLocks noGrp="1"/>
+          </p:cNvSpPr>
+          <p:nvPr>
+            <p:ph idx="1"/>
           </p:nvPr>
         </p:nvSpPr>
         <p:spPr>
           <a:xfrm>
-            <a:off x="838200" y="365125"/>
-            <a:ext cx="10515600" cy="897337"/>
+            <a:off x="838200" y="808212"/>
+            <a:ext cx="10515600" cy="5368751"/>
           </a:xfrm>
         </p:spPr>
         <p:txBody>
           <a:bodyPr/>
           <a:lstStyle/>
           <a:p>
-            <a:r>
-              <a:rPr lang="hr-HR" dirty="0"/>
-              <a:t>Arhitektura sustava</a:t>
-            </a:r>
-          </a:p>
-        </p:txBody>
-      </p:sp>
-      <p:sp>
-        <p:nvSpPr>
-          <p:cNvPr id="3" name="Content Placeholder 2">
-            <a:extLst>
-              <a:ext uri="{FF2B5EF4-FFF2-40B4-BE49-F238E27FC236}">
-                <a16:creationId xmlns:a16="http://schemas.microsoft.com/office/drawing/2014/main" id="{34B2FB1C-A59E-4CBE-88C5-F823F3E89D18}"/>
-              </a:ext>
-            </a:extLst>
-          </p:cNvPr>
-          <p:cNvSpPr>
-            <a:spLocks noGrp="1"/>
-          </p:cNvSpPr>
-          <p:nvPr>
-            <p:ph idx="1"/>
-          </p:nvPr>
-        </p:nvSpPr>
-        <p:spPr>
-          <a:xfrm>
-            <a:off x="838200" y="1215267"/>
-            <a:ext cx="10515600" cy="4961696"/>
-          </a:xfrm>
-        </p:spPr>
-        <p:txBody>
-          <a:bodyPr>
-            <a:normAutofit fontScale="92500" lnSpcReduction="10000"/>
-          </a:bodyPr>
-          <a:lstStyle/>
-          <a:p>
-            <a:r>
-              <a:rPr lang="hr-HR" dirty="0" err="1"/>
-              <a:t>Postgres</a:t>
-            </a:r>
-            <a:r>
-              <a:rPr lang="hr-HR" dirty="0"/>
-              <a:t> relacijska baze podataka</a:t>
-            </a:r>
-          </a:p>
-          <a:p>
-            <a:pPr lvl="1"/>
-            <a:r>
-              <a:rPr lang="hr-HR" dirty="0"/>
-              <a:t>AWS cloud</a:t>
-            </a:r>
-          </a:p>
-          <a:p>
-            <a:r>
-              <a:rPr lang="hr-HR" dirty="0"/>
-              <a:t>REST poslužitelj</a:t>
-            </a:r>
-          </a:p>
-          <a:p>
-            <a:pPr lvl="1"/>
-            <a:r>
-              <a:rPr lang="hr-HR" dirty="0" err="1"/>
-              <a:t>Spring</a:t>
-            </a:r>
-            <a:r>
-              <a:rPr lang="hr-HR" dirty="0"/>
-              <a:t> </a:t>
-            </a:r>
-            <a:r>
-              <a:rPr lang="hr-HR" dirty="0" err="1"/>
-              <a:t>Boot</a:t>
-            </a:r>
-            <a:r>
-              <a:rPr lang="hr-HR" dirty="0"/>
-              <a:t> radni okvir</a:t>
-            </a:r>
-          </a:p>
-          <a:p>
-            <a:pPr lvl="1"/>
-            <a:r>
-              <a:rPr lang="hr-HR" dirty="0"/>
-              <a:t>Java</a:t>
-            </a:r>
-          </a:p>
-          <a:p>
-            <a:pPr lvl="1"/>
-            <a:r>
-              <a:rPr lang="hr-HR" dirty="0"/>
-              <a:t>Dohvaća i sprema podatke u bazu</a:t>
-            </a:r>
-          </a:p>
-          <a:p>
-            <a:pPr lvl="1"/>
-            <a:r>
-              <a:rPr lang="hr-HR" dirty="0"/>
-              <a:t>Servira podatke u JSON formatu preko HTTP-a</a:t>
+            <a:pPr marL="457200" marR="0" algn="just">
+              <a:spcBef>
+                <a:spcPts val="0"/>
+              </a:spcBef>
+              <a:spcAft>
+                <a:spcPts val="600"/>
+              </a:spcAft>
+            </a:pPr>
+            <a:r>
+              <a:rPr lang="hr-HR" sz="1800" b="1" dirty="0">
+                <a:effectLst/>
+                <a:latin typeface="Times New Roman" panose="02020603050405020304" pitchFamily="18" charset="0"/>
+                <a:ea typeface="Times New Roman" panose="02020603050405020304" pitchFamily="18" charset="0"/>
+              </a:rPr>
+              <a:t>UC3: Komentiranje objave</a:t>
+            </a:r>
+            <a:endParaRPr lang="hr-HR" sz="1800" dirty="0">
+              <a:effectLst/>
+              <a:latin typeface="Times New Roman" panose="02020603050405020304" pitchFamily="18" charset="0"/>
+              <a:ea typeface="Times New Roman" panose="02020603050405020304" pitchFamily="18" charset="0"/>
+            </a:endParaRPr>
+          </a:p>
+          <a:p>
+            <a:pPr marL="457200" marR="0" algn="just">
+              <a:spcBef>
+                <a:spcPts val="0"/>
+              </a:spcBef>
+              <a:spcAft>
+                <a:spcPts val="600"/>
+              </a:spcAft>
+            </a:pPr>
+            <a:r>
+              <a:rPr lang="hr-HR" sz="1800" dirty="0">
+                <a:effectLst/>
+                <a:latin typeface="Times New Roman" panose="02020603050405020304" pitchFamily="18" charset="0"/>
+                <a:ea typeface="Times New Roman" panose="02020603050405020304" pitchFamily="18" charset="0"/>
+              </a:rPr>
+              <a:t>	Glavni sudionik: korisnik sustava</a:t>
+            </a:r>
+          </a:p>
+          <a:p>
+            <a:pPr marL="457200" marR="0" algn="just">
+              <a:spcBef>
+                <a:spcPts val="0"/>
+              </a:spcBef>
+              <a:spcAft>
+                <a:spcPts val="600"/>
+              </a:spcAft>
+            </a:pPr>
+            <a:r>
+              <a:rPr lang="hr-HR" sz="1800" dirty="0">
+                <a:effectLst/>
+                <a:latin typeface="Times New Roman" panose="02020603050405020304" pitchFamily="18" charset="0"/>
+                <a:ea typeface="Times New Roman" panose="02020603050405020304" pitchFamily="18" charset="0"/>
+              </a:rPr>
+              <a:t>	Cilj: Komentiranje objave</a:t>
+            </a:r>
+          </a:p>
+          <a:p>
+            <a:pPr marL="457200" marR="0" algn="just">
+              <a:spcBef>
+                <a:spcPts val="0"/>
+              </a:spcBef>
+              <a:spcAft>
+                <a:spcPts val="600"/>
+              </a:spcAft>
+            </a:pPr>
+            <a:r>
+              <a:rPr lang="hr-HR" sz="1800" dirty="0">
+                <a:effectLst/>
+                <a:latin typeface="Times New Roman" panose="02020603050405020304" pitchFamily="18" charset="0"/>
+                <a:ea typeface="Times New Roman" panose="02020603050405020304" pitchFamily="18" charset="0"/>
+              </a:rPr>
+              <a:t>	Preduvjet: Prijavljeni korisnik</a:t>
+            </a:r>
+          </a:p>
+          <a:p>
+            <a:pPr marL="457200" marR="0" algn="just">
+              <a:spcBef>
+                <a:spcPts val="0"/>
+              </a:spcBef>
+              <a:spcAft>
+                <a:spcPts val="600"/>
+              </a:spcAft>
+            </a:pPr>
+            <a:r>
+              <a:rPr lang="hr-HR" sz="1800" dirty="0">
+                <a:effectLst/>
+                <a:latin typeface="Times New Roman" panose="02020603050405020304" pitchFamily="18" charset="0"/>
+                <a:ea typeface="Times New Roman" panose="02020603050405020304" pitchFamily="18" charset="0"/>
+              </a:rPr>
+              <a:t>	Opis tijeka:</a:t>
+            </a:r>
+          </a:p>
+          <a:p>
+            <a:pPr marL="800100" lvl="1" indent="-342900" algn="just">
+              <a:spcBef>
+                <a:spcPts val="0"/>
+              </a:spcBef>
+              <a:spcAft>
+                <a:spcPts val="600"/>
+              </a:spcAft>
+              <a:buFont typeface="+mj-lt"/>
+              <a:buAutoNum type="arabicPeriod"/>
+            </a:pPr>
+            <a:r>
+              <a:rPr lang="hr-HR" sz="1600" dirty="0">
+                <a:effectLst/>
+                <a:latin typeface="Times New Roman" panose="02020603050405020304" pitchFamily="18" charset="0"/>
+                <a:ea typeface="Times New Roman" panose="02020603050405020304" pitchFamily="18" charset="0"/>
+              </a:rPr>
+              <a:t>Korisnik identificira prostor za unos komentara ispod objave koju želi komentirati</a:t>
+            </a:r>
+          </a:p>
+          <a:p>
+            <a:pPr marL="800100" lvl="1" indent="-342900" algn="just">
+              <a:spcBef>
+                <a:spcPts val="0"/>
+              </a:spcBef>
+              <a:spcAft>
+                <a:spcPts val="600"/>
+              </a:spcAft>
+              <a:buFont typeface="+mj-lt"/>
+              <a:buAutoNum type="arabicPeriod"/>
+            </a:pPr>
+            <a:r>
+              <a:rPr lang="hr-HR" sz="1600" dirty="0">
+                <a:effectLst/>
+                <a:latin typeface="Times New Roman" panose="02020603050405020304" pitchFamily="18" charset="0"/>
+                <a:ea typeface="Times New Roman" panose="02020603050405020304" pitchFamily="18" charset="0"/>
+              </a:rPr>
+              <a:t>Korisnik unosi tekst komentara</a:t>
+            </a:r>
+          </a:p>
+          <a:p>
+            <a:pPr marL="800100" lvl="1" indent="-342900" algn="just">
+              <a:spcBef>
+                <a:spcPts val="0"/>
+              </a:spcBef>
+              <a:spcAft>
+                <a:spcPts val="600"/>
+              </a:spcAft>
+              <a:buFont typeface="+mj-lt"/>
+              <a:buAutoNum type="arabicPeriod"/>
+            </a:pPr>
+            <a:r>
+              <a:rPr lang="hr-HR" sz="1600" dirty="0">
+                <a:effectLst/>
+                <a:latin typeface="Times New Roman" panose="02020603050405020304" pitchFamily="18" charset="0"/>
+                <a:ea typeface="Times New Roman" panose="02020603050405020304" pitchFamily="18" charset="0"/>
+              </a:rPr>
+              <a:t>Stranica s objavama se osvježava te komentar postaje vidljiv</a:t>
+            </a:r>
+          </a:p>
+          <a:p>
+            <a:pPr marL="914400" marR="0" algn="just">
+              <a:spcBef>
+                <a:spcPts val="0"/>
+              </a:spcBef>
+              <a:spcAft>
+                <a:spcPts val="600"/>
+              </a:spcAft>
+            </a:pPr>
+            <a:r>
+              <a:rPr lang="hr-HR" sz="1800" dirty="0">
+                <a:effectLst/>
+                <a:latin typeface="Times New Roman" panose="02020603050405020304" pitchFamily="18" charset="0"/>
+                <a:ea typeface="Times New Roman" panose="02020603050405020304" pitchFamily="18" charset="0"/>
+              </a:rPr>
+              <a:t>Moguća odstupanja:</a:t>
+            </a:r>
+          </a:p>
+          <a:p>
+            <a:pPr marL="914400" marR="0" algn="just">
+              <a:spcBef>
+                <a:spcPts val="0"/>
+              </a:spcBef>
+              <a:spcAft>
+                <a:spcPts val="600"/>
+              </a:spcAft>
+            </a:pPr>
+            <a:r>
+              <a:rPr lang="hr-HR" sz="1800" dirty="0">
+                <a:effectLst/>
+                <a:latin typeface="Times New Roman" panose="02020603050405020304" pitchFamily="18" charset="0"/>
+                <a:ea typeface="Times New Roman" panose="02020603050405020304" pitchFamily="18" charset="0"/>
+              </a:rPr>
+              <a:t>	Dogodila se pogreška pri obradi zahtjeva za stvaranje komentara</a:t>
+            </a:r>
+          </a:p>
+          <a:p>
+            <a:pPr marL="1257300" lvl="2" indent="-342900" algn="just">
+              <a:spcBef>
+                <a:spcPts val="0"/>
+              </a:spcBef>
+              <a:spcAft>
+                <a:spcPts val="600"/>
+              </a:spcAft>
+              <a:buFont typeface="+mj-lt"/>
+              <a:buAutoNum type="arabicPeriod"/>
+            </a:pPr>
+            <a:r>
+              <a:rPr lang="hr-HR" sz="1600" dirty="0">
+                <a:effectLst/>
+                <a:latin typeface="Times New Roman" panose="02020603050405020304" pitchFamily="18" charset="0"/>
+                <a:ea typeface="Times New Roman" panose="02020603050405020304" pitchFamily="18" charset="0"/>
+              </a:rPr>
+              <a:t>Pogreška se dojavljuje korisniku</a:t>
+            </a:r>
+          </a:p>
+          <a:p>
+            <a:pPr marL="1257300" lvl="2" indent="-342900" algn="just">
+              <a:spcBef>
+                <a:spcPts val="0"/>
+              </a:spcBef>
+              <a:spcAft>
+                <a:spcPts val="600"/>
+              </a:spcAft>
+              <a:buFont typeface="+mj-lt"/>
+              <a:buAutoNum type="arabicPeriod"/>
+            </a:pPr>
+            <a:r>
+              <a:rPr lang="hr-HR" sz="1600" dirty="0">
+                <a:effectLst/>
+                <a:latin typeface="Times New Roman" panose="02020603050405020304" pitchFamily="18" charset="0"/>
+                <a:ea typeface="Times New Roman" panose="02020603050405020304" pitchFamily="18" charset="0"/>
+              </a:rPr>
+              <a:t>Korisnik pokušava ponovno stvoriti komentar</a:t>
             </a:r>
           </a:p>
           <a:p>
             <a:endParaRPr lang="hr-HR" dirty="0"/>
-          </a:p>
-          <a:p>
-            <a:r>
-              <a:rPr lang="hr-HR" dirty="0"/>
-              <a:t>Express poslužitelj</a:t>
-            </a:r>
-          </a:p>
-          <a:p>
-            <a:pPr lvl="1"/>
-            <a:r>
-              <a:rPr lang="hr-HR" dirty="0"/>
-              <a:t>Generira i poslužuje HTML iz </a:t>
-            </a:r>
-            <a:r>
-              <a:rPr lang="hr-HR" dirty="0" err="1"/>
-              <a:t>ejs</a:t>
-            </a:r>
-            <a:r>
-              <a:rPr lang="hr-HR" dirty="0"/>
-              <a:t> </a:t>
-            </a:r>
-            <a:r>
-              <a:rPr lang="hr-HR" dirty="0" err="1"/>
-              <a:t>skritpti</a:t>
-            </a:r>
-            <a:endParaRPr lang="hr-HR" dirty="0"/>
-          </a:p>
-          <a:p>
-            <a:pPr lvl="1"/>
-            <a:r>
-              <a:rPr lang="hr-HR" dirty="0"/>
-              <a:t>Obrađuje zahtjeve klijenta</a:t>
-            </a:r>
-          </a:p>
-          <a:p>
-            <a:pPr lvl="1"/>
-            <a:r>
-              <a:rPr lang="hr-HR" dirty="0"/>
-              <a:t>Komunicira s REST poslužiteljem</a:t>
-            </a:r>
-          </a:p>
-          <a:p>
-            <a:pPr lvl="1"/>
-            <a:r>
-              <a:rPr lang="hr-HR" dirty="0" err="1"/>
-              <a:t>Perzistira</a:t>
-            </a:r>
-            <a:r>
-              <a:rPr lang="hr-HR" dirty="0"/>
-              <a:t> učitane fotografije </a:t>
-            </a:r>
           </a:p>
         </p:txBody>
       </p:sp>
     </p:spTree>
     <p:extLst>
       <p:ext uri="{BB962C8B-B14F-4D97-AF65-F5344CB8AC3E}">
-        <p14:creationId xmlns:p14="http://schemas.microsoft.com/office/powerpoint/2010/main" val="3168890610"/>
+        <p14:creationId xmlns:p14="http://schemas.microsoft.com/office/powerpoint/2010/main" val="1529751736"/>
       </p:ext>
     </p:extLst>
   </p:cSld>
@@ -6564,4 +9621,594 @@
     </a:ext>
   </a:extLst>
 </a:theme>
+</file>
+
+<file path=ppt/theme/theme2.xml><?xml version="1.0" encoding="utf-8"?>
+<a:theme xmlns:a="http://schemas.openxmlformats.org/drawingml/2006/main" name="Office Theme">
+  <a:themeElements>
+    <a:clrScheme name="Office">
+      <a:dk1>
+        <a:sysClr val="windowText" lastClr="000000"/>
+      </a:dk1>
+      <a:lt1>
+        <a:sysClr val="window" lastClr="FFFFFF"/>
+      </a:lt1>
+      <a:dk2>
+        <a:srgbClr val="44546A"/>
+      </a:dk2>
+      <a:lt2>
+        <a:srgbClr val="E7E6E6"/>
+      </a:lt2>
+      <a:accent1>
+        <a:srgbClr val="4472C4"/>
+      </a:accent1>
+      <a:accent2>
+        <a:srgbClr val="ED7D31"/>
+      </a:accent2>
+      <a:accent3>
+        <a:srgbClr val="A5A5A5"/>
+      </a:accent3>
+      <a:accent4>
+        <a:srgbClr val="FFC000"/>
+      </a:accent4>
+      <a:accent5>
+        <a:srgbClr val="5B9BD5"/>
+      </a:accent5>
+      <a:accent6>
+        <a:srgbClr val="70AD47"/>
+      </a:accent6>
+      <a:hlink>
+        <a:srgbClr val="0563C1"/>
+      </a:hlink>
+      <a:folHlink>
+        <a:srgbClr val="954F72"/>
+      </a:folHlink>
+    </a:clrScheme>
+    <a:fontScheme name="Office">
+      <a:majorFont>
+        <a:latin typeface="Calibri Light" panose="020F0302020204030204"/>
+        <a:ea typeface=""/>
+        <a:cs typeface=""/>
+        <a:font script="Jpan" typeface="游ゴシック Light"/>
+        <a:font script="Hang" typeface="맑은 고딕"/>
+        <a:font script="Hans" typeface="等线 Light"/>
+        <a:font script="Hant" typeface="新細明體"/>
+        <a:font script="Arab" typeface="Times New Roman"/>
+        <a:font script="Hebr" typeface="Times New Roman"/>
+        <a:font script="Thai" typeface="Angsana New"/>
+        <a:font script="Ethi" typeface="Nyala"/>
+        <a:font script="Beng" typeface="Vrinda"/>
+        <a:font script="Gujr" typeface="Shruti"/>
+        <a:font script="Khmr" typeface="MoolBoran"/>
+        <a:font script="Knda" typeface="Tunga"/>
+        <a:font script="Guru" typeface="Raavi"/>
+        <a:font script="Cans" typeface="Euphemia"/>
+        <a:font script="Cher" typeface="Plantagenet Cherokee"/>
+        <a:font script="Yiii" typeface="Microsoft Yi Baiti"/>
+        <a:font script="Tibt" typeface="Microsoft Himalaya"/>
+        <a:font script="Thaa" typeface="MV Boli"/>
+        <a:font script="Deva" typeface="Mangal"/>
+        <a:font script="Telu" typeface="Gautami"/>
+        <a:font script="Taml" typeface="Latha"/>
+        <a:font script="Syrc" typeface="Estrangelo Edessa"/>
+        <a:font script="Orya" typeface="Kalinga"/>
+        <a:font script="Mlym" typeface="Kartika"/>
+        <a:font script="Laoo" typeface="DokChampa"/>
+        <a:font script="Sinh" typeface="Iskoola Pota"/>
+        <a:font script="Mong" typeface="Mongolian Baiti"/>
+        <a:font script="Viet" typeface="Times New Roman"/>
+        <a:font script="Uigh" typeface="Microsoft Uighur"/>
+        <a:font script="Geor" typeface="Sylfaen"/>
+        <a:font script="Armn" typeface="Arial"/>
+        <a:font script="Bugi" typeface="Leelawadee UI"/>
+        <a:font script="Bopo" typeface="Microsoft JhengHei"/>
+        <a:font script="Java" typeface="Javanese Text"/>
+        <a:font script="Lisu" typeface="Segoe UI"/>
+        <a:font script="Mymr" typeface="Myanmar Text"/>
+        <a:font script="Nkoo" typeface="Ebrima"/>
+        <a:font script="Olck" typeface="Nirmala UI"/>
+        <a:font script="Osma" typeface="Ebrima"/>
+        <a:font script="Phag" typeface="Phagspa"/>
+        <a:font script="Syrn" typeface="Estrangelo Edessa"/>
+        <a:font script="Syrj" typeface="Estrangelo Edessa"/>
+        <a:font script="Syre" typeface="Estrangelo Edessa"/>
+        <a:font script="Sora" typeface="Nirmala UI"/>
+        <a:font script="Tale" typeface="Microsoft Tai Le"/>
+        <a:font script="Talu" typeface="Microsoft New Tai Lue"/>
+        <a:font script="Tfng" typeface="Ebrima"/>
+      </a:majorFont>
+      <a:minorFont>
+        <a:latin typeface="Calibri" panose="020F0502020204030204"/>
+        <a:ea typeface=""/>
+        <a:cs typeface=""/>
+        <a:font script="Jpan" typeface="游ゴシック"/>
+        <a:font script="Hang" typeface="맑은 고딕"/>
+        <a:font script="Hans" typeface="等线"/>
+        <a:font script="Hant" typeface="新細明體"/>
+        <a:font script="Arab" typeface="Arial"/>
+        <a:font script="Hebr" typeface="Arial"/>
+        <a:font script="Thai" typeface="Cordia New"/>
+        <a:font script="Ethi" typeface="Nyala"/>
+        <a:font script="Beng" typeface="Vrinda"/>
+        <a:font script="Gujr" typeface="Shruti"/>
+        <a:font script="Khmr" typeface="DaunPenh"/>
+        <a:font script="Knda" typeface="Tunga"/>
+        <a:font script="Guru" typeface="Raavi"/>
+        <a:font script="Cans" typeface="Euphemia"/>
+        <a:font script="Cher" typeface="Plantagenet Cherokee"/>
+        <a:font script="Yiii" typeface="Microsoft Yi Baiti"/>
+        <a:font script="Tibt" typeface="Microsoft Himalaya"/>
+        <a:font script="Thaa" typeface="MV Boli"/>
+        <a:font script="Deva" typeface="Mangal"/>
+        <a:font script="Telu" typeface="Gautami"/>
+        <a:font script="Taml" typeface="Latha"/>
+        <a:font script="Syrc" typeface="Estrangelo Edessa"/>
+        <a:font script="Orya" typeface="Kalinga"/>
+        <a:font script="Mlym" typeface="Kartika"/>
+        <a:font script="Laoo" typeface="DokChampa"/>
+        <a:font script="Sinh" typeface="Iskoola Pota"/>
+        <a:font script="Mong" typeface="Mongolian Baiti"/>
+        <a:font script="Viet" typeface="Arial"/>
+        <a:font script="Uigh" typeface="Microsoft Uighur"/>
+        <a:font script="Geor" typeface="Sylfaen"/>
+        <a:font script="Armn" typeface="Arial"/>
+        <a:font script="Bugi" typeface="Leelawadee UI"/>
+        <a:font script="Bopo" typeface="Microsoft JhengHei"/>
+        <a:font script="Java" typeface="Javanese Text"/>
+        <a:font script="Lisu" typeface="Segoe UI"/>
+        <a:font script="Mymr" typeface="Myanmar Text"/>
+        <a:font script="Nkoo" typeface="Ebrima"/>
+        <a:font script="Olck" typeface="Nirmala UI"/>
+        <a:font script="Osma" typeface="Ebrima"/>
+        <a:font script="Phag" typeface="Phagspa"/>
+        <a:font script="Syrn" typeface="Estrangelo Edessa"/>
+        <a:font script="Syrj" typeface="Estrangelo Edessa"/>
+        <a:font script="Syre" typeface="Estrangelo Edessa"/>
+        <a:font script="Sora" typeface="Nirmala UI"/>
+        <a:font script="Tale" typeface="Microsoft Tai Le"/>
+        <a:font script="Talu" typeface="Microsoft New Tai Lue"/>
+        <a:font script="Tfng" typeface="Ebrima"/>
+      </a:minorFont>
+    </a:fontScheme>
+    <a:fmtScheme name="Office">
+      <a:fillStyleLst>
+        <a:solidFill>
+          <a:schemeClr val="phClr"/>
+        </a:solidFill>
+        <a:gradFill rotWithShape="1">
+          <a:gsLst>
+            <a:gs pos="0">
+              <a:schemeClr val="phClr">
+                <a:lumMod val="110000"/>
+                <a:satMod val="105000"/>
+                <a:tint val="67000"/>
+              </a:schemeClr>
+            </a:gs>
+            <a:gs pos="50000">
+              <a:schemeClr val="phClr">
+                <a:lumMod val="105000"/>
+                <a:satMod val="103000"/>
+                <a:tint val="73000"/>
+              </a:schemeClr>
+            </a:gs>
+            <a:gs pos="100000">
+              <a:schemeClr val="phClr">
+                <a:lumMod val="105000"/>
+                <a:satMod val="109000"/>
+                <a:tint val="81000"/>
+              </a:schemeClr>
+            </a:gs>
+          </a:gsLst>
+          <a:lin ang="5400000" scaled="0"/>
+        </a:gradFill>
+        <a:gradFill rotWithShape="1">
+          <a:gsLst>
+            <a:gs pos="0">
+              <a:schemeClr val="phClr">
+                <a:satMod val="103000"/>
+                <a:lumMod val="102000"/>
+                <a:tint val="94000"/>
+              </a:schemeClr>
+            </a:gs>
+            <a:gs pos="50000">
+              <a:schemeClr val="phClr">
+                <a:satMod val="110000"/>
+                <a:lumMod val="100000"/>
+                <a:shade val="100000"/>
+              </a:schemeClr>
+            </a:gs>
+            <a:gs pos="100000">
+              <a:schemeClr val="phClr">
+                <a:lumMod val="99000"/>
+                <a:satMod val="120000"/>
+                <a:shade val="78000"/>
+              </a:schemeClr>
+            </a:gs>
+          </a:gsLst>
+          <a:lin ang="5400000" scaled="0"/>
+        </a:gradFill>
+      </a:fillStyleLst>
+      <a:lnStyleLst>
+        <a:ln w="6350" cap="flat" cmpd="sng" algn="ctr">
+          <a:solidFill>
+            <a:schemeClr val="phClr"/>
+          </a:solidFill>
+          <a:prstDash val="solid"/>
+          <a:miter lim="800000"/>
+        </a:ln>
+        <a:ln w="12700" cap="flat" cmpd="sng" algn="ctr">
+          <a:solidFill>
+            <a:schemeClr val="phClr"/>
+          </a:solidFill>
+          <a:prstDash val="solid"/>
+          <a:miter lim="800000"/>
+        </a:ln>
+        <a:ln w="19050" cap="flat" cmpd="sng" algn="ctr">
+          <a:solidFill>
+            <a:schemeClr val="phClr"/>
+          </a:solidFill>
+          <a:prstDash val="solid"/>
+          <a:miter lim="800000"/>
+        </a:ln>
+      </a:lnStyleLst>
+      <a:effectStyleLst>
+        <a:effectStyle>
+          <a:effectLst/>
+        </a:effectStyle>
+        <a:effectStyle>
+          <a:effectLst/>
+        </a:effectStyle>
+        <a:effectStyle>
+          <a:effectLst>
+            <a:outerShdw blurRad="57150" dist="19050" dir="5400000" algn="ctr" rotWithShape="0">
+              <a:srgbClr val="000000">
+                <a:alpha val="63000"/>
+              </a:srgbClr>
+            </a:outerShdw>
+          </a:effectLst>
+        </a:effectStyle>
+      </a:effectStyleLst>
+      <a:bgFillStyleLst>
+        <a:solidFill>
+          <a:schemeClr val="phClr"/>
+        </a:solidFill>
+        <a:solidFill>
+          <a:schemeClr val="phClr">
+            <a:tint val="95000"/>
+            <a:satMod val="170000"/>
+          </a:schemeClr>
+        </a:solidFill>
+        <a:gradFill rotWithShape="1">
+          <a:gsLst>
+            <a:gs pos="0">
+              <a:schemeClr val="phClr">
+                <a:tint val="93000"/>
+                <a:satMod val="150000"/>
+                <a:shade val="98000"/>
+                <a:lumMod val="102000"/>
+              </a:schemeClr>
+            </a:gs>
+            <a:gs pos="50000">
+              <a:schemeClr val="phClr">
+                <a:tint val="98000"/>
+                <a:satMod val="130000"/>
+                <a:shade val="90000"/>
+                <a:lumMod val="103000"/>
+              </a:schemeClr>
+            </a:gs>
+            <a:gs pos="100000">
+              <a:schemeClr val="phClr">
+                <a:shade val="63000"/>
+                <a:satMod val="120000"/>
+              </a:schemeClr>
+            </a:gs>
+          </a:gsLst>
+          <a:lin ang="5400000" scaled="0"/>
+        </a:gradFill>
+      </a:bgFillStyleLst>
+    </a:fmtScheme>
+  </a:themeElements>
+  <a:objectDefaults/>
+  <a:extraClrSchemeLst/>
+  <a:extLst>
+    <a:ext uri="{05A4C25C-085E-4340-85A3-A5531E510DB2}">
+      <thm15:themeFamily xmlns:thm15="http://schemas.microsoft.com/office/thememl/2012/main" name="Office Theme" id="{62F939B6-93AF-4DB8-9C6B-D6C7DFDC589F}" vid="{4A3C46E8-61CC-4603-A589-7422A47A8E4A}"/>
+    </a:ext>
+  </a:extLst>
+</a:theme>
+</file>
+
+<file path=ppt/theme/theme3.xml><?xml version="1.0" encoding="utf-8"?>
+<a:theme xmlns:a="http://schemas.openxmlformats.org/drawingml/2006/main" name="Office Theme">
+  <a:themeElements>
+    <a:clrScheme name="Office">
+      <a:dk1>
+        <a:sysClr val="windowText" lastClr="000000"/>
+      </a:dk1>
+      <a:lt1>
+        <a:sysClr val="window" lastClr="FFFFFF"/>
+      </a:lt1>
+      <a:dk2>
+        <a:srgbClr val="44546A"/>
+      </a:dk2>
+      <a:lt2>
+        <a:srgbClr val="E7E6E6"/>
+      </a:lt2>
+      <a:accent1>
+        <a:srgbClr val="4472C4"/>
+      </a:accent1>
+      <a:accent2>
+        <a:srgbClr val="ED7D31"/>
+      </a:accent2>
+      <a:accent3>
+        <a:srgbClr val="A5A5A5"/>
+      </a:accent3>
+      <a:accent4>
+        <a:srgbClr val="FFC000"/>
+      </a:accent4>
+      <a:accent5>
+        <a:srgbClr val="5B9BD5"/>
+      </a:accent5>
+      <a:accent6>
+        <a:srgbClr val="70AD47"/>
+      </a:accent6>
+      <a:hlink>
+        <a:srgbClr val="0563C1"/>
+      </a:hlink>
+      <a:folHlink>
+        <a:srgbClr val="954F72"/>
+      </a:folHlink>
+    </a:clrScheme>
+    <a:fontScheme name="Office">
+      <a:majorFont>
+        <a:latin typeface="Calibri Light" panose="020F0302020204030204"/>
+        <a:ea typeface=""/>
+        <a:cs typeface=""/>
+        <a:font script="Jpan" typeface="游ゴシック Light"/>
+        <a:font script="Hang" typeface="맑은 고딕"/>
+        <a:font script="Hans" typeface="等线 Light"/>
+        <a:font script="Hant" typeface="新細明體"/>
+        <a:font script="Arab" typeface="Times New Roman"/>
+        <a:font script="Hebr" typeface="Times New Roman"/>
+        <a:font script="Thai" typeface="Angsana New"/>
+        <a:font script="Ethi" typeface="Nyala"/>
+        <a:font script="Beng" typeface="Vrinda"/>
+        <a:font script="Gujr" typeface="Shruti"/>
+        <a:font script="Khmr" typeface="MoolBoran"/>
+        <a:font script="Knda" typeface="Tunga"/>
+        <a:font script="Guru" typeface="Raavi"/>
+        <a:font script="Cans" typeface="Euphemia"/>
+        <a:font script="Cher" typeface="Plantagenet Cherokee"/>
+        <a:font script="Yiii" typeface="Microsoft Yi Baiti"/>
+        <a:font script="Tibt" typeface="Microsoft Himalaya"/>
+        <a:font script="Thaa" typeface="MV Boli"/>
+        <a:font script="Deva" typeface="Mangal"/>
+        <a:font script="Telu" typeface="Gautami"/>
+        <a:font script="Taml" typeface="Latha"/>
+        <a:font script="Syrc" typeface="Estrangelo Edessa"/>
+        <a:font script="Orya" typeface="Kalinga"/>
+        <a:font script="Mlym" typeface="Kartika"/>
+        <a:font script="Laoo" typeface="DokChampa"/>
+        <a:font script="Sinh" typeface="Iskoola Pota"/>
+        <a:font script="Mong" typeface="Mongolian Baiti"/>
+        <a:font script="Viet" typeface="Times New Roman"/>
+        <a:font script="Uigh" typeface="Microsoft Uighur"/>
+        <a:font script="Geor" typeface="Sylfaen"/>
+        <a:font script="Armn" typeface="Arial"/>
+        <a:font script="Bugi" typeface="Leelawadee UI"/>
+        <a:font script="Bopo" typeface="Microsoft JhengHei"/>
+        <a:font script="Java" typeface="Javanese Text"/>
+        <a:font script="Lisu" typeface="Segoe UI"/>
+        <a:font script="Mymr" typeface="Myanmar Text"/>
+        <a:font script="Nkoo" typeface="Ebrima"/>
+        <a:font script="Olck" typeface="Nirmala UI"/>
+        <a:font script="Osma" typeface="Ebrima"/>
+        <a:font script="Phag" typeface="Phagspa"/>
+        <a:font script="Syrn" typeface="Estrangelo Edessa"/>
+        <a:font script="Syrj" typeface="Estrangelo Edessa"/>
+        <a:font script="Syre" typeface="Estrangelo Edessa"/>
+        <a:font script="Sora" typeface="Nirmala UI"/>
+        <a:font script="Tale" typeface="Microsoft Tai Le"/>
+        <a:font script="Talu" typeface="Microsoft New Tai Lue"/>
+        <a:font script="Tfng" typeface="Ebrima"/>
+      </a:majorFont>
+      <a:minorFont>
+        <a:latin typeface="Calibri" panose="020F0502020204030204"/>
+        <a:ea typeface=""/>
+        <a:cs typeface=""/>
+        <a:font script="Jpan" typeface="游ゴシック"/>
+        <a:font script="Hang" typeface="맑은 고딕"/>
+        <a:font script="Hans" typeface="等线"/>
+        <a:font script="Hant" typeface="新細明體"/>
+        <a:font script="Arab" typeface="Arial"/>
+        <a:font script="Hebr" typeface="Arial"/>
+        <a:font script="Thai" typeface="Cordia New"/>
+        <a:font script="Ethi" typeface="Nyala"/>
+        <a:font script="Beng" typeface="Vrinda"/>
+        <a:font script="Gujr" typeface="Shruti"/>
+        <a:font script="Khmr" typeface="DaunPenh"/>
+        <a:font script="Knda" typeface="Tunga"/>
+        <a:font script="Guru" typeface="Raavi"/>
+        <a:font script="Cans" typeface="Euphemia"/>
+        <a:font script="Cher" typeface="Plantagenet Cherokee"/>
+        <a:font script="Yiii" typeface="Microsoft Yi Baiti"/>
+        <a:font script="Tibt" typeface="Microsoft Himalaya"/>
+        <a:font script="Thaa" typeface="MV Boli"/>
+        <a:font script="Deva" typeface="Mangal"/>
+        <a:font script="Telu" typeface="Gautami"/>
+        <a:font script="Taml" typeface="Latha"/>
+        <a:font script="Syrc" typeface="Estrangelo Edessa"/>
+        <a:font script="Orya" typeface="Kalinga"/>
+        <a:font script="Mlym" typeface="Kartika"/>
+        <a:font script="Laoo" typeface="DokChampa"/>
+        <a:font script="Sinh" typeface="Iskoola Pota"/>
+        <a:font script="Mong" typeface="Mongolian Baiti"/>
+        <a:font script="Viet" typeface="Arial"/>
+        <a:font script="Uigh" typeface="Microsoft Uighur"/>
+        <a:font script="Geor" typeface="Sylfaen"/>
+        <a:font script="Armn" typeface="Arial"/>
+        <a:font script="Bugi" typeface="Leelawadee UI"/>
+        <a:font script="Bopo" typeface="Microsoft JhengHei"/>
+        <a:font script="Java" typeface="Javanese Text"/>
+        <a:font script="Lisu" typeface="Segoe UI"/>
+        <a:font script="Mymr" typeface="Myanmar Text"/>
+        <a:font script="Nkoo" typeface="Ebrima"/>
+        <a:font script="Olck" typeface="Nirmala UI"/>
+        <a:font script="Osma" typeface="Ebrima"/>
+        <a:font script="Phag" typeface="Phagspa"/>
+        <a:font script="Syrn" typeface="Estrangelo Edessa"/>
+        <a:font script="Syrj" typeface="Estrangelo Edessa"/>
+        <a:font script="Syre" typeface="Estrangelo Edessa"/>
+        <a:font script="Sora" typeface="Nirmala UI"/>
+        <a:font script="Tale" typeface="Microsoft Tai Le"/>
+        <a:font script="Talu" typeface="Microsoft New Tai Lue"/>
+        <a:font script="Tfng" typeface="Ebrima"/>
+      </a:minorFont>
+    </a:fontScheme>
+    <a:fmtScheme name="Office">
+      <a:fillStyleLst>
+        <a:solidFill>
+          <a:schemeClr val="phClr"/>
+        </a:solidFill>
+        <a:gradFill rotWithShape="1">
+          <a:gsLst>
+            <a:gs pos="0">
+              <a:schemeClr val="phClr">
+                <a:lumMod val="110000"/>
+                <a:satMod val="105000"/>
+                <a:tint val="67000"/>
+              </a:schemeClr>
+            </a:gs>
+            <a:gs pos="50000">
+              <a:schemeClr val="phClr">
+                <a:lumMod val="105000"/>
+                <a:satMod val="103000"/>
+                <a:tint val="73000"/>
+              </a:schemeClr>
+            </a:gs>
+            <a:gs pos="100000">
+              <a:schemeClr val="phClr">
+                <a:lumMod val="105000"/>
+                <a:satMod val="109000"/>
+                <a:tint val="81000"/>
+              </a:schemeClr>
+            </a:gs>
+          </a:gsLst>
+          <a:lin ang="5400000" scaled="0"/>
+        </a:gradFill>
+        <a:gradFill rotWithShape="1">
+          <a:gsLst>
+            <a:gs pos="0">
+              <a:schemeClr val="phClr">
+                <a:satMod val="103000"/>
+                <a:lumMod val="102000"/>
+                <a:tint val="94000"/>
+              </a:schemeClr>
+            </a:gs>
+            <a:gs pos="50000">
+              <a:schemeClr val="phClr">
+                <a:satMod val="110000"/>
+                <a:lumMod val="100000"/>
+                <a:shade val="100000"/>
+              </a:schemeClr>
+            </a:gs>
+            <a:gs pos="100000">
+              <a:schemeClr val="phClr">
+                <a:lumMod val="99000"/>
+                <a:satMod val="120000"/>
+                <a:shade val="78000"/>
+              </a:schemeClr>
+            </a:gs>
+          </a:gsLst>
+          <a:lin ang="5400000" scaled="0"/>
+        </a:gradFill>
+      </a:fillStyleLst>
+      <a:lnStyleLst>
+        <a:ln w="6350" cap="flat" cmpd="sng" algn="ctr">
+          <a:solidFill>
+            <a:schemeClr val="phClr"/>
+          </a:solidFill>
+          <a:prstDash val="solid"/>
+          <a:miter lim="800000"/>
+        </a:ln>
+        <a:ln w="12700" cap="flat" cmpd="sng" algn="ctr">
+          <a:solidFill>
+            <a:schemeClr val="phClr"/>
+          </a:solidFill>
+          <a:prstDash val="solid"/>
+          <a:miter lim="800000"/>
+        </a:ln>
+        <a:ln w="19050" cap="flat" cmpd="sng" algn="ctr">
+          <a:solidFill>
+            <a:schemeClr val="phClr"/>
+          </a:solidFill>
+          <a:prstDash val="solid"/>
+          <a:miter lim="800000"/>
+        </a:ln>
+      </a:lnStyleLst>
+      <a:effectStyleLst>
+        <a:effectStyle>
+          <a:effectLst/>
+        </a:effectStyle>
+        <a:effectStyle>
+          <a:effectLst/>
+        </a:effectStyle>
+        <a:effectStyle>
+          <a:effectLst>
+            <a:outerShdw blurRad="57150" dist="19050" dir="5400000" algn="ctr" rotWithShape="0">
+              <a:srgbClr val="000000">
+                <a:alpha val="63000"/>
+              </a:srgbClr>
+            </a:outerShdw>
+          </a:effectLst>
+        </a:effectStyle>
+      </a:effectStyleLst>
+      <a:bgFillStyleLst>
+        <a:solidFill>
+          <a:schemeClr val="phClr"/>
+        </a:solidFill>
+        <a:solidFill>
+          <a:schemeClr val="phClr">
+            <a:tint val="95000"/>
+            <a:satMod val="170000"/>
+          </a:schemeClr>
+        </a:solidFill>
+        <a:gradFill rotWithShape="1">
+          <a:gsLst>
+            <a:gs pos="0">
+              <a:schemeClr val="phClr">
+                <a:tint val="93000"/>
+                <a:satMod val="150000"/>
+                <a:shade val="98000"/>
+                <a:lumMod val="102000"/>
+              </a:schemeClr>
+            </a:gs>
+            <a:gs pos="50000">
+              <a:schemeClr val="phClr">
+                <a:tint val="98000"/>
+                <a:satMod val="130000"/>
+                <a:shade val="90000"/>
+                <a:lumMod val="103000"/>
+              </a:schemeClr>
+            </a:gs>
+            <a:gs pos="100000">
+              <a:schemeClr val="phClr">
+                <a:shade val="63000"/>
+                <a:satMod val="120000"/>
+              </a:schemeClr>
+            </a:gs>
+          </a:gsLst>
+          <a:lin ang="5400000" scaled="0"/>
+        </a:gradFill>
+      </a:bgFillStyleLst>
+    </a:fmtScheme>
+  </a:themeElements>
+  <a:objectDefaults/>
+  <a:extraClrSchemeLst/>
+  <a:extLst>
+    <a:ext uri="{05A4C25C-085E-4340-85A3-A5531E510DB2}">
+      <thm15:themeFamily xmlns:thm15="http://schemas.microsoft.com/office/thememl/2012/main" name="Office Theme" id="{62F939B6-93AF-4DB8-9C6B-D6C7DFDC589F}" vid="{4A3C46E8-61CC-4603-A589-7422A47A8E4A}"/>
+    </a:ext>
+  </a:extLst>
+</a:theme>
 </file>